--- a/Presentation1/Intelligent_Patent_Analysis.pptx
+++ b/Presentation1/Intelligent_Patent_Analysis.pptx
@@ -17,8 +17,8 @@
     <p:sldId id="323" r:id="rId7"/>
     <p:sldId id="324" r:id="rId8"/>
     <p:sldId id="325" r:id="rId9"/>
-    <p:sldId id="326" r:id="rId10"/>
-    <p:sldId id="327" r:id="rId11"/>
+    <p:sldId id="327" r:id="rId10"/>
+    <p:sldId id="326" r:id="rId11"/>
     <p:sldId id="267" r:id="rId12"/>
     <p:sldId id="306" r:id="rId13"/>
     <p:sldId id="269" r:id="rId14"/>
@@ -6972,91 +6972,99 @@
           <a:p>
             <a:pPr eaLnBrk="1" hangingPunct="1"/>
             <a:r>
-              <a:rPr lang="zh-CN" altLang="en-US" sz="2800" dirty="0"/>
-              <a:t>以一次性材料和紙板的無人機為載具</a:t>
-            </a:r>
-            <a:r>
-              <a:rPr lang="en-US" altLang="zh-CN" sz="2800" dirty="0"/>
+              <a:rPr lang="zh-CN" altLang="en-US" sz="2400" dirty="0"/>
+              <a:t>以一次性使用為目的設計紙板無人機</a:t>
+            </a:r>
+            <a:r>
+              <a:rPr lang="en-US" altLang="zh-CN" sz="2400" dirty="0"/>
               <a:t>, </a:t>
             </a:r>
             <a:r>
-              <a:rPr lang="zh-CN" altLang="en-US" sz="2800" dirty="0"/>
+              <a:rPr lang="zh-CN" altLang="en-US" sz="2400" dirty="0"/>
               <a:t>可携帶輕型而相對很低成本的炮彈</a:t>
             </a:r>
             <a:r>
-              <a:rPr lang="en-US" altLang="zh-CN" sz="2800" dirty="0"/>
+              <a:rPr lang="en-US" altLang="zh-CN" sz="2400" dirty="0"/>
               <a:t>, </a:t>
             </a:r>
             <a:r>
-              <a:rPr lang="zh-CN" altLang="en-US" sz="2800" dirty="0"/>
+              <a:rPr lang="zh-CN" altLang="en-US" sz="2400" dirty="0"/>
               <a:t>解決飛彈高成本的問題</a:t>
             </a:r>
             <a:r>
-              <a:rPr lang="en-US" altLang="zh-CN" sz="2800" dirty="0"/>
+              <a:rPr lang="en-US" altLang="zh-CN" sz="2400" dirty="0"/>
               <a:t>.</a:t>
             </a:r>
           </a:p>
           <a:p>
             <a:pPr eaLnBrk="1" hangingPunct="1"/>
             <a:r>
-              <a:rPr lang="zh-CN" altLang="en-US" sz="2800" dirty="0"/>
-              <a:t>以紙板為機體結構，雷達反射率極低，具有隱蔽性。</a:t>
-            </a:r>
-            <a:endParaRPr lang="en-US" altLang="zh-CN" sz="2800" dirty="0"/>
+              <a:rPr lang="zh-CN" altLang="en-US" sz="2400" dirty="0"/>
+              <a:t>以紙板為機體結構，雷達反射率極低，具有隱身性。</a:t>
+            </a:r>
+            <a:endParaRPr lang="en-US" altLang="zh-CN" sz="2400" dirty="0"/>
           </a:p>
           <a:p>
             <a:pPr eaLnBrk="1" hangingPunct="1"/>
             <a:r>
-              <a:rPr lang="zh-CN" altLang="en-US" sz="2800" dirty="0"/>
+              <a:rPr lang="zh-CN" altLang="en-US" sz="2400" dirty="0"/>
+              <a:t>以鋰一元電池和馬達為動力，大幅降低發熱，提高隱身性。</a:t>
+            </a:r>
+            <a:endParaRPr lang="en-US" altLang="zh-CN" sz="2400" dirty="0"/>
+          </a:p>
+          <a:p>
+            <a:pPr eaLnBrk="1" hangingPunct="1"/>
+            <a:r>
+              <a:rPr lang="zh-CN" altLang="en-US" sz="2400" dirty="0"/>
               <a:t>以結合固定翼和螺旋翼的混合飛行技術</a:t>
             </a:r>
             <a:r>
-              <a:rPr lang="en-US" altLang="zh-CN" sz="2800" dirty="0"/>
+              <a:rPr lang="en-US" altLang="zh-CN" sz="2400" dirty="0"/>
               <a:t>, </a:t>
             </a:r>
             <a:r>
-              <a:rPr lang="zh-CN" altLang="en-US" sz="2800" dirty="0"/>
+              <a:rPr lang="zh-CN" altLang="en-US" sz="2400" dirty="0"/>
               <a:t>解決長距離飛行和定點盤旋的問題</a:t>
             </a:r>
             <a:r>
-              <a:rPr lang="en-US" altLang="zh-CN" sz="2800" dirty="0"/>
+              <a:rPr lang="en-US" altLang="zh-CN" sz="2400" dirty="0"/>
               <a:t>.</a:t>
             </a:r>
           </a:p>
           <a:p>
             <a:pPr eaLnBrk="1" hangingPunct="1"/>
             <a:r>
-              <a:rPr lang="zh-CN" altLang="en-US" sz="2800" dirty="0"/>
+              <a:rPr lang="zh-CN" altLang="en-US" sz="2400" dirty="0"/>
               <a:t>以嵌入式硬件做自動飛行控制和深度學習模型做目標影像辨識</a:t>
             </a:r>
             <a:r>
-              <a:rPr lang="en-US" altLang="zh-CN" sz="2800" dirty="0"/>
+              <a:rPr lang="en-US" altLang="zh-CN" sz="2400" dirty="0"/>
               <a:t>, </a:t>
             </a:r>
             <a:r>
-              <a:rPr lang="zh-CN" altLang="en-US" sz="2800" dirty="0"/>
+              <a:rPr lang="zh-CN" altLang="en-US" sz="2400" dirty="0"/>
               <a:t>達到戰場自主攻擊</a:t>
             </a:r>
             <a:r>
-              <a:rPr lang="en-US" altLang="zh-CN" sz="2800" dirty="0"/>
+              <a:rPr lang="en-US" altLang="zh-CN" sz="2400" dirty="0"/>
               <a:t>.</a:t>
             </a:r>
           </a:p>
           <a:p>
             <a:pPr eaLnBrk="1" hangingPunct="1"/>
             <a:r>
-              <a:rPr lang="zh-CN" altLang="en-US" sz="2800" dirty="0"/>
-              <a:t>混合海鷗飛行模式做深度學習模型做戰場環境感知</a:t>
-            </a:r>
-            <a:r>
-              <a:rPr lang="en-US" altLang="zh-CN" sz="2800" dirty="0"/>
+              <a:rPr lang="zh-CN" altLang="en-US" sz="2400" dirty="0"/>
+              <a:t>混合海鷗飛行模式和戰場環境感知做强化學習模型</a:t>
+            </a:r>
+            <a:r>
+              <a:rPr lang="en-US" altLang="zh-CN" sz="2400" dirty="0"/>
               <a:t>, </a:t>
             </a:r>
             <a:r>
-              <a:rPr lang="zh-CN" altLang="en-US" sz="2800" dirty="0"/>
+              <a:rPr lang="zh-CN" altLang="en-US" sz="2400" dirty="0"/>
               <a:t>對敵人靠近或攻擊會主動變化飛行路徑。</a:t>
             </a:r>
-            <a:endParaRPr lang="en-US" altLang="zh-CN" sz="2800" dirty="0"/>
+            <a:endParaRPr lang="en-US" altLang="zh-CN" sz="2400" dirty="0"/>
           </a:p>
         </p:txBody>
       </p:sp>
@@ -41275,7 +41283,7 @@
                   <a:srgbClr val="002060"/>
                 </a:solidFill>
               </a:rPr>
-              <a:t>歸納技術領域</a:t>
+              <a:t>統計頻次</a:t>
             </a:r>
             <a:endParaRPr lang="zh-TW" altLang="en-US" sz="3600" b="1" dirty="0">
               <a:solidFill>
@@ -41555,7 +41563,7 @@
         <p:spPr>
           <a:xfrm>
             <a:off x="344488" y="1772816"/>
-            <a:ext cx="9001000" cy="4039567"/>
+            <a:ext cx="9001000" cy="846386"/>
           </a:xfrm>
           <a:prstGeom prst="rect">
             <a:avLst/>
@@ -41577,335 +41585,2023 @@
             </a:pPr>
             <a:r>
               <a:rPr lang="zh-CN" altLang="en-US" sz="1600" dirty="0"/>
-              <a:t>使用</a:t>
+              <a:t>根據各領域的</a:t>
             </a:r>
             <a:r>
               <a:rPr lang="en-US" altLang="zh-CN" sz="1600" dirty="0"/>
-              <a:t>ChatGPT</a:t>
+              <a:t>keyword,</a:t>
             </a:r>
             <a:r>
               <a:rPr lang="zh-CN" altLang="en-US" sz="1600" dirty="0"/>
-              <a:t>，根據</a:t>
-            </a:r>
-            <a:r>
-              <a:rPr lang="en-US" altLang="zh-CN" sz="1600" dirty="0"/>
-              <a:t>100</a:t>
-            </a:r>
-            <a:r>
-              <a:rPr lang="zh-CN" altLang="en-US" sz="1600" dirty="0"/>
-              <a:t>個高頻詞，對</a:t>
-            </a:r>
-            <a:r>
-              <a:rPr lang="en-US" altLang="zh-CN" sz="1600" dirty="0"/>
-              <a:t>6,988</a:t>
-            </a:r>
-            <a:r>
-              <a:rPr lang="zh-CN" altLang="en-US" sz="1600" dirty="0"/>
-              <a:t>項專利，歸納為</a:t>
-            </a:r>
-            <a:r>
-              <a:rPr lang="en-US" altLang="zh-CN" sz="1600" dirty="0"/>
-              <a:t>12</a:t>
-            </a:r>
-            <a:r>
-              <a:rPr lang="zh-CN" altLang="en-US" sz="1600" dirty="0"/>
-              <a:t>個技術領域和相關</a:t>
-            </a:r>
-            <a:r>
-              <a:rPr lang="en-US" altLang="zh-CN" sz="1600" dirty="0"/>
-              <a:t>keywords</a:t>
-            </a:r>
-            <a:r>
-              <a:rPr lang="zh-CN" altLang="en-US" sz="1600" dirty="0"/>
-              <a:t>：</a:t>
-            </a:r>
-            <a:endParaRPr lang="en-US" altLang="zh-TW" sz="1600" dirty="0"/>
-          </a:p>
-          <a:p>
-            <a:pPr>
+              <a:t> 統計頻次：</a:t>
+            </a:r>
+            <a:endParaRPr lang="en-US" altLang="zh-CN" sz="1600" dirty="0"/>
+          </a:p>
+          <a:p>
+            <a:pPr marL="285750" indent="-285750">
               <a:spcAft>
                 <a:spcPts val="300"/>
               </a:spcAft>
+              <a:buFont typeface="Arial" panose="020B0604020202020204" pitchFamily="34" charset="0"/>
+              <a:buChar char="•"/>
             </a:pPr>
             <a:endParaRPr lang="en-US" altLang="zh-TW" sz="1600" dirty="0"/>
           </a:p>
           <a:p>
-            <a:pPr marL="342900" indent="-342900">
+            <a:pPr marL="285750" indent="-285750">
               <a:spcAft>
                 <a:spcPts val="300"/>
               </a:spcAft>
-              <a:buFont typeface="+mj-lt"/>
-              <a:buAutoNum type="arabicPeriod"/>
-              <a:tabLst>
-                <a:tab pos="1882775" algn="l"/>
-              </a:tabLst>
+              <a:buFont typeface="Arial" panose="020B0604020202020204" pitchFamily="34" charset="0"/>
+              <a:buChar char="•"/>
             </a:pPr>
             <a:r>
-              <a:rPr lang="zh-TW" altLang="en-US" sz="1600" dirty="0"/>
-              <a:t>自動控制系統</a:t>
-            </a:r>
-            <a:r>
-              <a:rPr lang="en-US" altLang="zh-TW" sz="1600" dirty="0"/>
-              <a:t>: 	control, autonomous, system, processor, operate, configure</a:t>
-            </a:r>
-          </a:p>
-          <a:p>
-            <a:pPr marL="342900" indent="-342900">
-              <a:spcAft>
-                <a:spcPts val="300"/>
-              </a:spcAft>
-              <a:buFont typeface="+mj-lt"/>
-              <a:buAutoNum type="arabicPeriod"/>
-              <a:tabLst>
-                <a:tab pos="1882775" algn="l"/>
-              </a:tabLst>
-            </a:pPr>
-            <a:r>
-              <a:rPr lang="zh-TW" altLang="en-US" sz="1600" dirty="0">
-                <a:highlight>
-                  <a:srgbClr val="FFFF00"/>
-                </a:highlight>
-              </a:rPr>
-              <a:t>影像處理和分析</a:t>
-            </a:r>
-            <a:r>
-              <a:rPr lang="en-US" altLang="zh-TW" sz="1600" dirty="0"/>
-              <a:t>:	image, camera, process, capture, video, analyze</a:t>
-            </a:r>
-          </a:p>
-          <a:p>
-            <a:pPr marL="342900" indent="-342900">
-              <a:spcAft>
-                <a:spcPts val="300"/>
-              </a:spcAft>
-              <a:buFont typeface="+mj-lt"/>
-              <a:buAutoNum type="arabicPeriod"/>
-              <a:tabLst>
-                <a:tab pos="1882775" algn="l"/>
-              </a:tabLst>
-            </a:pPr>
-            <a:r>
-              <a:rPr lang="zh-TW" altLang="en-US" sz="1600" dirty="0">
-                <a:highlight>
-                  <a:srgbClr val="FFFF00"/>
-                </a:highlight>
-              </a:rPr>
-              <a:t>飛行</a:t>
-            </a:r>
-            <a:r>
-              <a:rPr lang="zh-CN" altLang="en-US" sz="1600" dirty="0">
-                <a:highlight>
-                  <a:srgbClr val="FFFF00"/>
-                </a:highlight>
-                <a:latin typeface="細明體" panose="02020509000000000000" pitchFamily="49" charset="-120"/>
-                <a:ea typeface="細明體" panose="02020509000000000000" pitchFamily="49" charset="-120"/>
-              </a:rPr>
-              <a:t>路徑</a:t>
-            </a:r>
-            <a:r>
-              <a:rPr lang="zh-TW" altLang="en-US" sz="1600" dirty="0">
-                <a:highlight>
-                  <a:srgbClr val="FFFF00"/>
-                </a:highlight>
-              </a:rPr>
-              <a:t>優化</a:t>
-            </a:r>
-            <a:r>
-              <a:rPr lang="en-US" altLang="zh-TW" sz="1600" dirty="0"/>
-              <a:t>: 	position, direction, navigation, area, model, station</a:t>
-            </a:r>
-          </a:p>
-          <a:p>
-            <a:pPr marL="342900" indent="-342900">
-              <a:spcAft>
-                <a:spcPts val="300"/>
-              </a:spcAft>
-              <a:buFont typeface="+mj-lt"/>
-              <a:buAutoNum type="arabicPeriod"/>
-              <a:tabLst>
-                <a:tab pos="1882775" algn="l"/>
-              </a:tabLst>
-            </a:pPr>
-            <a:r>
-              <a:rPr lang="zh-TW" altLang="en-US" sz="1600" dirty="0">
-                <a:highlight>
-                  <a:srgbClr val="FFFF00"/>
-                </a:highlight>
-              </a:rPr>
-              <a:t>能源效率管理</a:t>
-            </a:r>
-            <a:r>
-              <a:rPr lang="en-US" altLang="zh-TW" sz="1600" dirty="0"/>
-              <a:t>: 	power, energy, manage, battery, efficiency, storage</a:t>
-            </a:r>
-          </a:p>
-          <a:p>
-            <a:pPr marL="342900" indent="-342900">
-              <a:spcAft>
-                <a:spcPts val="300"/>
-              </a:spcAft>
-              <a:buFont typeface="+mj-lt"/>
-              <a:buAutoNum type="arabicPeriod"/>
-              <a:tabLst>
-                <a:tab pos="1882775" algn="l"/>
-              </a:tabLst>
-            </a:pPr>
-            <a:r>
-              <a:rPr lang="zh-TW" altLang="en-US" sz="1600" dirty="0"/>
-              <a:t>無線通訊系統</a:t>
-            </a:r>
-            <a:r>
-              <a:rPr lang="en-US" altLang="zh-TW" sz="1600" dirty="0"/>
-              <a:t>: 	communication, transmit, receive, network, wireless, data</a:t>
-            </a:r>
-          </a:p>
-          <a:p>
-            <a:pPr marL="342900" indent="-342900">
-              <a:spcAft>
-                <a:spcPts val="300"/>
-              </a:spcAft>
-              <a:buFont typeface="+mj-lt"/>
-              <a:buAutoNum type="arabicPeriod"/>
-              <a:tabLst>
-                <a:tab pos="1882775" algn="l"/>
-              </a:tabLst>
-            </a:pPr>
-            <a:r>
-              <a:rPr lang="zh-TW" altLang="en-US" sz="1600" dirty="0"/>
-              <a:t>多機協作</a:t>
-            </a:r>
-            <a:r>
-              <a:rPr lang="en-US" altLang="zh-TW" sz="1600" dirty="0"/>
-              <a:t>: 	network, system, module, collaborate, coordinate, integrate</a:t>
-            </a:r>
-          </a:p>
-          <a:p>
-            <a:pPr marL="342900" indent="-342900">
-              <a:spcAft>
-                <a:spcPts val="300"/>
-              </a:spcAft>
-              <a:buFont typeface="+mj-lt"/>
-              <a:buAutoNum type="arabicPeriod"/>
-              <a:tabLst>
-                <a:tab pos="1882775" algn="l"/>
-              </a:tabLst>
-            </a:pPr>
-            <a:r>
-              <a:rPr lang="zh-TW" altLang="en-US" sz="1600" dirty="0"/>
-              <a:t>避障技術</a:t>
-            </a:r>
-            <a:r>
-              <a:rPr lang="en-US" altLang="zh-TW" sz="1600" dirty="0"/>
-              <a:t>: 	sensor, detect, field, camera, image, signal</a:t>
-            </a:r>
-          </a:p>
-          <a:p>
-            <a:pPr marL="342900" indent="-342900">
-              <a:spcAft>
-                <a:spcPts val="300"/>
-              </a:spcAft>
-              <a:buFont typeface="+mj-lt"/>
-              <a:buAutoNum type="arabicPeriod"/>
-              <a:tabLst>
-                <a:tab pos="1882775" algn="l"/>
-              </a:tabLst>
-            </a:pPr>
-            <a:r>
-              <a:rPr lang="zh-TW" altLang="en-US" sz="1600" dirty="0"/>
-              <a:t>遙控和飛行模式</a:t>
-            </a:r>
-            <a:r>
-              <a:rPr lang="en-US" altLang="zh-TW" sz="1600" dirty="0"/>
-              <a:t>:	remote, control, autonomous, system, operate, mode</a:t>
-            </a:r>
-            <a:endParaRPr lang="zh-TW" altLang="en-US" sz="1600" dirty="0"/>
-          </a:p>
-          <a:p>
-            <a:pPr marL="342900" indent="-342900">
-              <a:spcAft>
-                <a:spcPts val="300"/>
-              </a:spcAft>
-              <a:buFont typeface="+mj-lt"/>
-              <a:buAutoNum type="arabicPeriod"/>
-              <a:tabLst>
-                <a:tab pos="1882775" algn="l"/>
-              </a:tabLst>
-            </a:pPr>
-            <a:r>
-              <a:rPr lang="zh-TW" altLang="en-US" sz="1600" dirty="0"/>
-              <a:t>環境感知能力</a:t>
-            </a:r>
-            <a:r>
-              <a:rPr lang="en-US" altLang="zh-TW" sz="1600" dirty="0"/>
-              <a:t>: 	sensor, environment, detect, area, field, monitor</a:t>
-            </a:r>
-          </a:p>
-          <a:p>
-            <a:pPr marL="342900" indent="-342900">
-              <a:spcAft>
-                <a:spcPts val="300"/>
-              </a:spcAft>
-              <a:buFont typeface="+mj-lt"/>
-              <a:buAutoNum type="arabicPeriod"/>
-              <a:tabLst>
-                <a:tab pos="1882775" algn="l"/>
-              </a:tabLst>
-            </a:pPr>
-            <a:r>
-              <a:rPr lang="zh-TW" altLang="en-US" sz="1600" dirty="0"/>
-              <a:t>自動起降技術</a:t>
-            </a:r>
-            <a:r>
-              <a:rPr lang="en-US" altLang="zh-TW" sz="1600" dirty="0"/>
-              <a:t>: 	land, autonomous, control, system, navigate, station</a:t>
-            </a:r>
-          </a:p>
-          <a:p>
-            <a:pPr marL="342900" indent="-342900">
-              <a:spcAft>
-                <a:spcPts val="300"/>
-              </a:spcAft>
-              <a:buFont typeface="+mj-lt"/>
-              <a:buAutoNum type="arabicPeriod"/>
-              <a:tabLst>
-                <a:tab pos="1882775" algn="l"/>
-              </a:tabLst>
-            </a:pPr>
-            <a:r>
-              <a:rPr lang="zh-TW" altLang="en-US" sz="1600" dirty="0"/>
-              <a:t>負載調整技術</a:t>
-            </a:r>
-            <a:r>
-              <a:rPr lang="en-US" altLang="zh-TW" sz="1600" dirty="0"/>
-              <a:t>: 	load, mount, adjust, balance, fix, couple</a:t>
-            </a:r>
-          </a:p>
-          <a:p>
-            <a:pPr marL="342900" indent="-342900">
-              <a:spcAft>
-                <a:spcPts val="300"/>
-              </a:spcAft>
-              <a:buFont typeface="+mj-lt"/>
-              <a:buAutoNum type="arabicPeriod"/>
-              <a:tabLst>
-                <a:tab pos="1882775" algn="l"/>
-              </a:tabLst>
-            </a:pPr>
-            <a:r>
-              <a:rPr lang="zh-TW" altLang="en-US" sz="1600" dirty="0"/>
-              <a:t>維修和健康監測</a:t>
-            </a:r>
-            <a:r>
-              <a:rPr lang="en-US" altLang="zh-TW" sz="1600" dirty="0"/>
-              <a:t>:	maintenance, inspect, check, monitor, condition, status</a:t>
-            </a:r>
+              <a:rPr lang="en-US" altLang="zh-CN" sz="1200" dirty="0">
+                <a:hlinkClick r:id="rId2"/>
+              </a:rPr>
+              <a:t>https://github.com/fu402138670/Patent_Analysis/blob/main/Presentation1/keywords_count.py</a:t>
+            </a:r>
+            <a:r>
+              <a:rPr lang="en-US" altLang="zh-CN" sz="1200" dirty="0"/>
+              <a:t> </a:t>
+            </a:r>
+            <a:endParaRPr lang="en-US" altLang="zh-TW" sz="1200" dirty="0"/>
           </a:p>
         </p:txBody>
       </p:sp>
+      <p:sp>
+        <p:nvSpPr>
+          <p:cNvPr id="2" name="Rectangle 1">
+            <a:extLst>
+              <a:ext uri="{FF2B5EF4-FFF2-40B4-BE49-F238E27FC236}">
+                <a16:creationId xmlns:a16="http://schemas.microsoft.com/office/drawing/2014/main" id="{26A0E351-57CA-3C54-3BB0-6F8DF66980DE}"/>
+              </a:ext>
+            </a:extLst>
+          </p:cNvPr>
+          <p:cNvSpPr>
+            <a:spLocks noChangeArrowheads="1"/>
+          </p:cNvSpPr>
+          <p:nvPr/>
+        </p:nvSpPr>
+        <p:spPr bwMode="auto">
+          <a:xfrm>
+            <a:off x="272480" y="2780928"/>
+            <a:ext cx="6624736" cy="2664296"/>
+          </a:xfrm>
+          <a:prstGeom prst="rect">
+            <a:avLst/>
+          </a:prstGeom>
+          <a:solidFill>
+            <a:srgbClr val="0D1117"/>
+          </a:solidFill>
+          <a:ln>
+            <a:noFill/>
+          </a:ln>
+          <a:effectLst/>
+          <a:extLst>
+            <a:ext uri="{91240B29-F687-4F45-9708-019B960494DF}">
+              <a14:hiddenLine xmlns:a14="http://schemas.microsoft.com/office/drawing/2010/main" w="9525">
+                <a:solidFill>
+                  <a:schemeClr val="tx1"/>
+                </a:solidFill>
+                <a:miter lim="800000"/>
+                <a:headEnd/>
+                <a:tailEnd/>
+              </a14:hiddenLine>
+            </a:ext>
+            <a:ext uri="{AF507438-7753-43E0-B8FC-AC1667EBCBE1}">
+              <a14:hiddenEffects xmlns:a14="http://schemas.microsoft.com/office/drawing/2010/main">
+                <a:effectLst>
+                  <a:outerShdw dist="35921" dir="2700000" algn="ctr" rotWithShape="0">
+                    <a:schemeClr val="bg2"/>
+                  </a:outerShdw>
+                </a:effectLst>
+              </a14:hiddenEffects>
+            </a:ext>
+          </a:extLst>
+        </p:spPr>
+        <p:txBody>
+          <a:bodyPr vert="horz" wrap="none" lIns="91440" tIns="45720" rIns="91440" bIns="45720" numCol="1" anchor="ctr" anchorCtr="0" compatLnSpc="1">
+            <a:prstTxWarp prst="textNoShape">
+              <a:avLst/>
+            </a:prstTxWarp>
+            <a:noAutofit/>
+          </a:bodyPr>
+          <a:lstStyle/>
+          <a:p>
+            <a:pPr marL="0" marR="0" lvl="0" indent="0" algn="l" defTabSz="914400" rtl="0" eaLnBrk="0" fontAlgn="base" latinLnBrk="0" hangingPunct="0">
+              <a:lnSpc>
+                <a:spcPct val="100000"/>
+              </a:lnSpc>
+              <a:spcBef>
+                <a:spcPct val="0"/>
+              </a:spcBef>
+              <a:spcAft>
+                <a:spcPct val="0"/>
+              </a:spcAft>
+              <a:buClrTx/>
+              <a:buSzTx/>
+              <a:buFontTx/>
+              <a:buNone/>
+              <a:tabLst/>
+            </a:pPr>
+            <a:r>
+              <a:rPr kumimoji="0" lang="zh-TW" altLang="zh-TW" sz="1000" b="0" i="0" u="none" strike="noStrike" cap="none" normalizeH="0" baseline="0" dirty="0">
+                <a:ln>
+                  <a:noFill/>
+                </a:ln>
+                <a:solidFill>
+                  <a:srgbClr val="C9D1D9"/>
+                </a:solidFill>
+                <a:effectLst/>
+                <a:latin typeface="Arial Unicode MS"/>
+              </a:rPr>
+              <a:t>keyword_patterns </a:t>
+            </a:r>
+            <a:r>
+              <a:rPr kumimoji="0" lang="zh-TW" altLang="zh-TW" sz="1000" b="0" i="0" u="none" strike="noStrike" cap="none" normalizeH="0" baseline="0" dirty="0">
+                <a:ln>
+                  <a:noFill/>
+                </a:ln>
+                <a:solidFill>
+                  <a:srgbClr val="FF7B72"/>
+                </a:solidFill>
+                <a:effectLst/>
+                <a:latin typeface="Arial Unicode MS"/>
+              </a:rPr>
+              <a:t>= </a:t>
+            </a:r>
+            <a:r>
+              <a:rPr kumimoji="0" lang="zh-TW" altLang="zh-TW" sz="1000" b="0" i="0" u="none" strike="noStrike" cap="none" normalizeH="0" baseline="0" dirty="0">
+                <a:ln>
+                  <a:noFill/>
+                </a:ln>
+                <a:solidFill>
+                  <a:srgbClr val="C9D1D9"/>
+                </a:solidFill>
+                <a:effectLst/>
+                <a:latin typeface="Arial Unicode MS"/>
+              </a:rPr>
+              <a:t>[</a:t>
+            </a:r>
+            <a:br>
+              <a:rPr kumimoji="0" lang="zh-TW" altLang="zh-TW" sz="1000" b="0" i="0" u="none" strike="noStrike" cap="none" normalizeH="0" baseline="0" dirty="0">
+                <a:ln>
+                  <a:noFill/>
+                </a:ln>
+                <a:solidFill>
+                  <a:srgbClr val="C9D1D9"/>
+                </a:solidFill>
+                <a:effectLst/>
+                <a:latin typeface="Arial Unicode MS"/>
+              </a:rPr>
+            </a:br>
+            <a:r>
+              <a:rPr kumimoji="0" lang="zh-TW" altLang="zh-TW" sz="1000" b="0" i="0" u="none" strike="noStrike" cap="none" normalizeH="0" baseline="0" dirty="0">
+                <a:ln>
+                  <a:noFill/>
+                </a:ln>
+                <a:solidFill>
+                  <a:srgbClr val="C9D1D9"/>
+                </a:solidFill>
+                <a:effectLst/>
+                <a:latin typeface="Arial Unicode MS"/>
+              </a:rPr>
+              <a:t>        [</a:t>
+            </a:r>
+            <a:r>
+              <a:rPr kumimoji="0" lang="zh-TW" altLang="zh-TW" sz="1000" b="0" i="0" u="none" strike="noStrike" cap="none" normalizeH="0" baseline="0" dirty="0">
+                <a:ln>
+                  <a:noFill/>
+                </a:ln>
+                <a:solidFill>
+                  <a:srgbClr val="A5D6FF"/>
+                </a:solidFill>
+                <a:effectLst/>
+                <a:latin typeface="Arial Unicode MS"/>
+              </a:rPr>
+              <a:t>'control[-8,8]system[-8,8]autonomous[-8,8]system[-8,8]control[-8,8]configure'</a:t>
+            </a:r>
+            <a:r>
+              <a:rPr kumimoji="0" lang="zh-TW" altLang="zh-TW" sz="1000" b="0" i="0" u="none" strike="noStrike" cap="none" normalizeH="0" baseline="0" dirty="0">
+                <a:ln>
+                  <a:noFill/>
+                </a:ln>
+                <a:solidFill>
+                  <a:srgbClr val="C9D1D9"/>
+                </a:solidFill>
+                <a:effectLst/>
+                <a:latin typeface="Arial Unicode MS"/>
+              </a:rPr>
+              <a:t>, </a:t>
+            </a:r>
+            <a:r>
+              <a:rPr kumimoji="0" lang="zh-TW" altLang="zh-TW" sz="1000" b="0" i="0" u="none" strike="noStrike" cap="none" normalizeH="0" baseline="0" dirty="0">
+                <a:ln>
+                  <a:noFill/>
+                </a:ln>
+                <a:solidFill>
+                  <a:srgbClr val="A5D6FF"/>
+                </a:solidFill>
+                <a:effectLst/>
+                <a:latin typeface="Arial Unicode MS"/>
+              </a:rPr>
+              <a:t>'processor[-8,8]configure'</a:t>
+            </a:r>
+            <a:r>
+              <a:rPr kumimoji="0" lang="zh-TW" altLang="zh-TW" sz="1000" b="0" i="0" u="none" strike="noStrike" cap="none" normalizeH="0" baseline="0" dirty="0">
+                <a:ln>
+                  <a:noFill/>
+                </a:ln>
+                <a:solidFill>
+                  <a:srgbClr val="C9D1D9"/>
+                </a:solidFill>
+                <a:effectLst/>
+                <a:latin typeface="Arial Unicode MS"/>
+              </a:rPr>
+              <a:t>,</a:t>
+            </a:r>
+            <a:br>
+              <a:rPr kumimoji="0" lang="zh-TW" altLang="zh-TW" sz="1000" b="0" i="0" u="none" strike="noStrike" cap="none" normalizeH="0" baseline="0" dirty="0">
+                <a:ln>
+                  <a:noFill/>
+                </a:ln>
+                <a:solidFill>
+                  <a:srgbClr val="C9D1D9"/>
+                </a:solidFill>
+                <a:effectLst/>
+                <a:latin typeface="Arial Unicode MS"/>
+              </a:rPr>
+            </a:br>
+            <a:r>
+              <a:rPr kumimoji="0" lang="zh-TW" altLang="zh-TW" sz="1000" b="0" i="0" u="none" strike="noStrike" cap="none" normalizeH="0" baseline="0" dirty="0">
+                <a:ln>
+                  <a:noFill/>
+                </a:ln>
+                <a:solidFill>
+                  <a:srgbClr val="C9D1D9"/>
+                </a:solidFill>
+                <a:effectLst/>
+                <a:latin typeface="Arial Unicode MS"/>
+              </a:rPr>
+              <a:t>         </a:t>
+            </a:r>
+            <a:r>
+              <a:rPr kumimoji="0" lang="zh-TW" altLang="zh-TW" sz="1000" b="0" i="0" u="none" strike="noStrike" cap="none" normalizeH="0" baseline="0" dirty="0">
+                <a:ln>
+                  <a:noFill/>
+                </a:ln>
+                <a:solidFill>
+                  <a:srgbClr val="A5D6FF"/>
+                </a:solidFill>
+                <a:effectLst/>
+                <a:latin typeface="Arial Unicode MS"/>
+              </a:rPr>
+              <a:t>'operate[-8,8]system'</a:t>
+            </a:r>
+            <a:r>
+              <a:rPr kumimoji="0" lang="zh-TW" altLang="zh-TW" sz="1000" b="0" i="0" u="none" strike="noStrike" cap="none" normalizeH="0" baseline="0" dirty="0">
+                <a:ln>
+                  <a:noFill/>
+                </a:ln>
+                <a:solidFill>
+                  <a:srgbClr val="C9D1D9"/>
+                </a:solidFill>
+                <a:effectLst/>
+                <a:latin typeface="Arial Unicode MS"/>
+              </a:rPr>
+              <a:t>],</a:t>
+            </a:r>
+            <a:br>
+              <a:rPr kumimoji="0" lang="zh-TW" altLang="zh-TW" sz="1000" b="0" i="0" u="none" strike="noStrike" cap="none" normalizeH="0" baseline="0" dirty="0">
+                <a:ln>
+                  <a:noFill/>
+                </a:ln>
+                <a:solidFill>
+                  <a:srgbClr val="C9D1D9"/>
+                </a:solidFill>
+                <a:effectLst/>
+                <a:latin typeface="Arial Unicode MS"/>
+              </a:rPr>
+            </a:br>
+            <a:r>
+              <a:rPr kumimoji="0" lang="zh-TW" altLang="zh-TW" sz="1000" b="0" i="0" u="none" strike="noStrike" cap="none" normalizeH="0" baseline="0" dirty="0">
+                <a:ln>
+                  <a:noFill/>
+                </a:ln>
+                <a:solidFill>
+                  <a:srgbClr val="C9D1D9"/>
+                </a:solidFill>
+                <a:effectLst/>
+                <a:latin typeface="Arial Unicode MS"/>
+              </a:rPr>
+              <a:t>        [</a:t>
+            </a:r>
+            <a:r>
+              <a:rPr kumimoji="0" lang="zh-TW" altLang="zh-TW" sz="1000" b="0" i="0" u="none" strike="noStrike" cap="none" normalizeH="0" baseline="0" dirty="0">
+                <a:ln>
+                  <a:noFill/>
+                </a:ln>
+                <a:solidFill>
+                  <a:srgbClr val="A5D6FF"/>
+                </a:solidFill>
+                <a:effectLst/>
+                <a:latin typeface="Arial Unicode MS"/>
+              </a:rPr>
+              <a:t>'image[-8,8]process'</a:t>
+            </a:r>
+            <a:r>
+              <a:rPr kumimoji="0" lang="zh-TW" altLang="zh-TW" sz="1000" b="0" i="0" u="none" strike="noStrike" cap="none" normalizeH="0" baseline="0" dirty="0">
+                <a:ln>
+                  <a:noFill/>
+                </a:ln>
+                <a:solidFill>
+                  <a:srgbClr val="C9D1D9"/>
+                </a:solidFill>
+                <a:effectLst/>
+                <a:latin typeface="Arial Unicode MS"/>
+              </a:rPr>
+              <a:t>, </a:t>
+            </a:r>
+            <a:r>
+              <a:rPr kumimoji="0" lang="zh-TW" altLang="zh-TW" sz="1000" b="0" i="0" u="none" strike="noStrike" cap="none" normalizeH="0" baseline="0" dirty="0">
+                <a:ln>
+                  <a:noFill/>
+                </a:ln>
+                <a:solidFill>
+                  <a:srgbClr val="A5D6FF"/>
+                </a:solidFill>
+                <a:effectLst/>
+                <a:latin typeface="Arial Unicode MS"/>
+              </a:rPr>
+              <a:t>'camera[-8,8]process'</a:t>
+            </a:r>
+            <a:r>
+              <a:rPr kumimoji="0" lang="zh-TW" altLang="zh-TW" sz="1000" b="0" i="0" u="none" strike="noStrike" cap="none" normalizeH="0" baseline="0" dirty="0">
+                <a:ln>
+                  <a:noFill/>
+                </a:ln>
+                <a:solidFill>
+                  <a:srgbClr val="C9D1D9"/>
+                </a:solidFill>
+                <a:effectLst/>
+                <a:latin typeface="Arial Unicode MS"/>
+              </a:rPr>
+              <a:t>, </a:t>
+            </a:r>
+            <a:r>
+              <a:rPr kumimoji="0" lang="zh-TW" altLang="zh-TW" sz="1000" b="0" i="0" u="none" strike="noStrike" cap="none" normalizeH="0" baseline="0" dirty="0">
+                <a:ln>
+                  <a:noFill/>
+                </a:ln>
+                <a:solidFill>
+                  <a:srgbClr val="A5D6FF"/>
+                </a:solidFill>
+                <a:effectLst/>
+                <a:latin typeface="Arial Unicode MS"/>
+              </a:rPr>
+              <a:t>'image[-8,8]capture[-8,8]video[-8,8]process'</a:t>
+            </a:r>
+            <a:r>
+              <a:rPr kumimoji="0" lang="zh-TW" altLang="zh-TW" sz="1000" b="0" i="0" u="none" strike="noStrike" cap="none" normalizeH="0" baseline="0" dirty="0">
+                <a:ln>
+                  <a:noFill/>
+                </a:ln>
+                <a:solidFill>
+                  <a:srgbClr val="C9D1D9"/>
+                </a:solidFill>
+                <a:effectLst/>
+                <a:latin typeface="Arial Unicode MS"/>
+              </a:rPr>
+              <a:t>, </a:t>
+            </a:r>
+            <a:r>
+              <a:rPr kumimoji="0" lang="zh-TW" altLang="zh-TW" sz="1000" b="0" i="0" u="none" strike="noStrike" cap="none" normalizeH="0" baseline="0" dirty="0">
+                <a:ln>
+                  <a:noFill/>
+                </a:ln>
+                <a:solidFill>
+                  <a:srgbClr val="A5D6FF"/>
+                </a:solidFill>
+                <a:effectLst/>
+                <a:latin typeface="Arial Unicode MS"/>
+              </a:rPr>
+              <a:t>'image[-8,8]analyze'</a:t>
+            </a:r>
+            <a:r>
+              <a:rPr kumimoji="0" lang="zh-TW" altLang="zh-TW" sz="1000" b="0" i="0" u="none" strike="noStrike" cap="none" normalizeH="0" baseline="0" dirty="0">
+                <a:ln>
+                  <a:noFill/>
+                </a:ln>
+                <a:solidFill>
+                  <a:srgbClr val="C9D1D9"/>
+                </a:solidFill>
+                <a:effectLst/>
+                <a:latin typeface="Arial Unicode MS"/>
+              </a:rPr>
+              <a:t>],</a:t>
+            </a:r>
+            <a:br>
+              <a:rPr kumimoji="0" lang="zh-TW" altLang="zh-TW" sz="1000" b="0" i="0" u="none" strike="noStrike" cap="none" normalizeH="0" baseline="0" dirty="0">
+                <a:ln>
+                  <a:noFill/>
+                </a:ln>
+                <a:solidFill>
+                  <a:srgbClr val="C9D1D9"/>
+                </a:solidFill>
+                <a:effectLst/>
+                <a:latin typeface="Arial Unicode MS"/>
+              </a:rPr>
+            </a:br>
+            <a:r>
+              <a:rPr kumimoji="0" lang="zh-TW" altLang="zh-TW" sz="1000" b="0" i="0" u="none" strike="noStrike" cap="none" normalizeH="0" baseline="0" dirty="0">
+                <a:ln>
+                  <a:noFill/>
+                </a:ln>
+                <a:solidFill>
+                  <a:srgbClr val="C9D1D9"/>
+                </a:solidFill>
+                <a:effectLst/>
+                <a:latin typeface="Arial Unicode MS"/>
+              </a:rPr>
+              <a:t>        [</a:t>
+            </a:r>
+            <a:r>
+              <a:rPr kumimoji="0" lang="zh-TW" altLang="zh-TW" sz="1000" b="0" i="0" u="none" strike="noStrike" cap="none" normalizeH="0" baseline="0" dirty="0">
+                <a:ln>
+                  <a:noFill/>
+                </a:ln>
+                <a:solidFill>
+                  <a:srgbClr val="A5D6FF"/>
+                </a:solidFill>
+                <a:effectLst/>
+                <a:latin typeface="Arial Unicode MS"/>
+              </a:rPr>
+              <a:t>'navigation[-8,8]position'</a:t>
+            </a:r>
+            <a:r>
+              <a:rPr kumimoji="0" lang="zh-TW" altLang="zh-TW" sz="1000" b="0" i="0" u="none" strike="noStrike" cap="none" normalizeH="0" baseline="0" dirty="0">
+                <a:ln>
+                  <a:noFill/>
+                </a:ln>
+                <a:solidFill>
+                  <a:srgbClr val="C9D1D9"/>
+                </a:solidFill>
+                <a:effectLst/>
+                <a:latin typeface="Arial Unicode MS"/>
+              </a:rPr>
+              <a:t>, </a:t>
+            </a:r>
+            <a:r>
+              <a:rPr kumimoji="0" lang="zh-TW" altLang="zh-TW" sz="1000" b="0" i="0" u="none" strike="noStrike" cap="none" normalizeH="0" baseline="0" dirty="0">
+                <a:ln>
+                  <a:noFill/>
+                </a:ln>
+                <a:solidFill>
+                  <a:srgbClr val="A5D6FF"/>
+                </a:solidFill>
+                <a:effectLst/>
+                <a:latin typeface="Arial Unicode MS"/>
+              </a:rPr>
+              <a:t>'navigation[-8,8]direction'</a:t>
+            </a:r>
+            <a:r>
+              <a:rPr kumimoji="0" lang="zh-TW" altLang="zh-TW" sz="1000" b="0" i="0" u="none" strike="noStrike" cap="none" normalizeH="0" baseline="0" dirty="0">
+                <a:ln>
+                  <a:noFill/>
+                </a:ln>
+                <a:solidFill>
+                  <a:srgbClr val="C9D1D9"/>
+                </a:solidFill>
+                <a:effectLst/>
+                <a:latin typeface="Arial Unicode MS"/>
+              </a:rPr>
+              <a:t>, </a:t>
+            </a:r>
+            <a:r>
+              <a:rPr kumimoji="0" lang="zh-TW" altLang="zh-TW" sz="1000" b="0" i="0" u="none" strike="noStrike" cap="none" normalizeH="0" baseline="0" dirty="0">
+                <a:ln>
+                  <a:noFill/>
+                </a:ln>
+                <a:solidFill>
+                  <a:srgbClr val="A5D6FF"/>
+                </a:solidFill>
+                <a:effectLst/>
+                <a:latin typeface="Arial Unicode MS"/>
+              </a:rPr>
+              <a:t>'navigation[-8,8]area'</a:t>
+            </a:r>
+            <a:r>
+              <a:rPr kumimoji="0" lang="zh-TW" altLang="zh-TW" sz="1000" b="0" i="0" u="none" strike="noStrike" cap="none" normalizeH="0" baseline="0" dirty="0">
+                <a:ln>
+                  <a:noFill/>
+                </a:ln>
+                <a:solidFill>
+                  <a:srgbClr val="C9D1D9"/>
+                </a:solidFill>
+                <a:effectLst/>
+                <a:latin typeface="Arial Unicode MS"/>
+              </a:rPr>
+              <a:t>, </a:t>
+            </a:r>
+            <a:r>
+              <a:rPr kumimoji="0" lang="zh-TW" altLang="zh-TW" sz="1000" b="0" i="0" u="none" strike="noStrike" cap="none" normalizeH="0" baseline="0" dirty="0">
+                <a:ln>
+                  <a:noFill/>
+                </a:ln>
+                <a:solidFill>
+                  <a:srgbClr val="A5D6FF"/>
+                </a:solidFill>
+                <a:effectLst/>
+                <a:latin typeface="Arial Unicode MS"/>
+              </a:rPr>
+              <a:t>'path'</a:t>
+            </a:r>
+            <a:r>
+              <a:rPr kumimoji="0" lang="zh-TW" altLang="zh-TW" sz="1000" b="0" i="0" u="none" strike="noStrike" cap="none" normalizeH="0" baseline="0" dirty="0">
+                <a:ln>
+                  <a:noFill/>
+                </a:ln>
+                <a:solidFill>
+                  <a:srgbClr val="C9D1D9"/>
+                </a:solidFill>
+                <a:effectLst/>
+                <a:latin typeface="Arial Unicode MS"/>
+              </a:rPr>
+              <a:t>, </a:t>
+            </a:r>
+            <a:r>
+              <a:rPr kumimoji="0" lang="zh-TW" altLang="zh-TW" sz="1000" b="0" i="0" u="none" strike="noStrike" cap="none" normalizeH="0" baseline="0" dirty="0">
+                <a:ln>
+                  <a:noFill/>
+                </a:ln>
+                <a:solidFill>
+                  <a:srgbClr val="A5D6FF"/>
+                </a:solidFill>
+                <a:effectLst/>
+                <a:latin typeface="Arial Unicode MS"/>
+              </a:rPr>
+              <a:t>'route'</a:t>
+            </a:r>
+            <a:r>
+              <a:rPr kumimoji="0" lang="zh-TW" altLang="zh-TW" sz="1000" b="0" i="0" u="none" strike="noStrike" cap="none" normalizeH="0" baseline="0" dirty="0">
+                <a:ln>
+                  <a:noFill/>
+                </a:ln>
+                <a:solidFill>
+                  <a:srgbClr val="C9D1D9"/>
+                </a:solidFill>
+                <a:effectLst/>
+                <a:latin typeface="Arial Unicode MS"/>
+              </a:rPr>
+              <a:t>],</a:t>
+            </a:r>
+            <a:br>
+              <a:rPr kumimoji="0" lang="zh-TW" altLang="zh-TW" sz="1000" b="0" i="0" u="none" strike="noStrike" cap="none" normalizeH="0" baseline="0" dirty="0">
+                <a:ln>
+                  <a:noFill/>
+                </a:ln>
+                <a:solidFill>
+                  <a:srgbClr val="C9D1D9"/>
+                </a:solidFill>
+                <a:effectLst/>
+                <a:latin typeface="Arial Unicode MS"/>
+              </a:rPr>
+            </a:br>
+            <a:r>
+              <a:rPr kumimoji="0" lang="zh-TW" altLang="zh-TW" sz="1000" b="0" i="0" u="none" strike="noStrike" cap="none" normalizeH="0" baseline="0" dirty="0">
+                <a:ln>
+                  <a:noFill/>
+                </a:ln>
+                <a:solidFill>
+                  <a:srgbClr val="C9D1D9"/>
+                </a:solidFill>
+                <a:effectLst/>
+                <a:latin typeface="Arial Unicode MS"/>
+              </a:rPr>
+              <a:t>        [</a:t>
+            </a:r>
+            <a:r>
+              <a:rPr kumimoji="0" lang="zh-TW" altLang="zh-TW" sz="1000" b="0" i="0" u="none" strike="noStrike" cap="none" normalizeH="0" baseline="0" dirty="0">
+                <a:ln>
+                  <a:noFill/>
+                </a:ln>
+                <a:solidFill>
+                  <a:srgbClr val="A5D6FF"/>
+                </a:solidFill>
+                <a:effectLst/>
+                <a:latin typeface="Arial Unicode MS"/>
+              </a:rPr>
+              <a:t>'power[-8,8]manage'</a:t>
+            </a:r>
+            <a:r>
+              <a:rPr kumimoji="0" lang="zh-TW" altLang="zh-TW" sz="1000" b="0" i="0" u="none" strike="noStrike" cap="none" normalizeH="0" baseline="0" dirty="0">
+                <a:ln>
+                  <a:noFill/>
+                </a:ln>
+                <a:solidFill>
+                  <a:srgbClr val="C9D1D9"/>
+                </a:solidFill>
+                <a:effectLst/>
+                <a:latin typeface="Arial Unicode MS"/>
+              </a:rPr>
+              <a:t>, </a:t>
+            </a:r>
+            <a:r>
+              <a:rPr kumimoji="0" lang="zh-TW" altLang="zh-TW" sz="1000" b="0" i="0" u="none" strike="noStrike" cap="none" normalizeH="0" baseline="0" dirty="0">
+                <a:ln>
+                  <a:noFill/>
+                </a:ln>
+                <a:solidFill>
+                  <a:srgbClr val="A5D6FF"/>
+                </a:solidFill>
+                <a:effectLst/>
+                <a:latin typeface="Arial Unicode MS"/>
+              </a:rPr>
+              <a:t>'energy[-8,8]manage'</a:t>
+            </a:r>
+            <a:r>
+              <a:rPr kumimoji="0" lang="zh-TW" altLang="zh-TW" sz="1000" b="0" i="0" u="none" strike="noStrike" cap="none" normalizeH="0" baseline="0" dirty="0">
+                <a:ln>
+                  <a:noFill/>
+                </a:ln>
+                <a:solidFill>
+                  <a:srgbClr val="C9D1D9"/>
+                </a:solidFill>
+                <a:effectLst/>
+                <a:latin typeface="Arial Unicode MS"/>
+              </a:rPr>
+              <a:t>, </a:t>
+            </a:r>
+            <a:r>
+              <a:rPr kumimoji="0" lang="zh-TW" altLang="zh-TW" sz="1000" b="0" i="0" u="none" strike="noStrike" cap="none" normalizeH="0" baseline="0" dirty="0">
+                <a:ln>
+                  <a:noFill/>
+                </a:ln>
+                <a:solidFill>
+                  <a:srgbClr val="A5D6FF"/>
+                </a:solidFill>
+                <a:effectLst/>
+                <a:latin typeface="Arial Unicode MS"/>
+              </a:rPr>
+              <a:t>'battery'</a:t>
+            </a:r>
+            <a:r>
+              <a:rPr kumimoji="0" lang="zh-TW" altLang="zh-TW" sz="1000" b="0" i="0" u="none" strike="noStrike" cap="none" normalizeH="0" baseline="0" dirty="0">
+                <a:ln>
+                  <a:noFill/>
+                </a:ln>
+                <a:solidFill>
+                  <a:srgbClr val="C9D1D9"/>
+                </a:solidFill>
+                <a:effectLst/>
+                <a:latin typeface="Arial Unicode MS"/>
+              </a:rPr>
+              <a:t>, </a:t>
+            </a:r>
+            <a:r>
+              <a:rPr kumimoji="0" lang="zh-TW" altLang="zh-TW" sz="1000" b="0" i="0" u="none" strike="noStrike" cap="none" normalizeH="0" baseline="0" dirty="0">
+                <a:ln>
+                  <a:noFill/>
+                </a:ln>
+                <a:solidFill>
+                  <a:srgbClr val="A5D6FF"/>
+                </a:solidFill>
+                <a:effectLst/>
+                <a:latin typeface="Arial Unicode MS"/>
+              </a:rPr>
+              <a:t>'power[-8,8]efficiency'</a:t>
+            </a:r>
+            <a:r>
+              <a:rPr kumimoji="0" lang="zh-TW" altLang="zh-TW" sz="1000" b="0" i="0" u="none" strike="noStrike" cap="none" normalizeH="0" baseline="0" dirty="0">
+                <a:ln>
+                  <a:noFill/>
+                </a:ln>
+                <a:solidFill>
+                  <a:srgbClr val="C9D1D9"/>
+                </a:solidFill>
+                <a:effectLst/>
+                <a:latin typeface="Arial Unicode MS"/>
+              </a:rPr>
+              <a:t>, </a:t>
+            </a:r>
+            <a:r>
+              <a:rPr kumimoji="0" lang="zh-TW" altLang="zh-TW" sz="1000" b="0" i="0" u="none" strike="noStrike" cap="none" normalizeH="0" baseline="0" dirty="0">
+                <a:ln>
+                  <a:noFill/>
+                </a:ln>
+                <a:solidFill>
+                  <a:srgbClr val="A5D6FF"/>
+                </a:solidFill>
+                <a:effectLst/>
+                <a:latin typeface="Arial Unicode MS"/>
+              </a:rPr>
+              <a:t>'battery[-8,8]storage'</a:t>
+            </a:r>
+            <a:r>
+              <a:rPr kumimoji="0" lang="zh-TW" altLang="zh-TW" sz="1000" b="0" i="0" u="none" strike="noStrike" cap="none" normalizeH="0" baseline="0" dirty="0">
+                <a:ln>
+                  <a:noFill/>
+                </a:ln>
+                <a:solidFill>
+                  <a:srgbClr val="C9D1D9"/>
+                </a:solidFill>
+                <a:effectLst/>
+                <a:latin typeface="Arial Unicode MS"/>
+              </a:rPr>
+              <a:t>],</a:t>
+            </a:r>
+            <a:br>
+              <a:rPr kumimoji="0" lang="zh-TW" altLang="zh-TW" sz="1000" b="0" i="0" u="none" strike="noStrike" cap="none" normalizeH="0" baseline="0" dirty="0">
+                <a:ln>
+                  <a:noFill/>
+                </a:ln>
+                <a:solidFill>
+                  <a:srgbClr val="C9D1D9"/>
+                </a:solidFill>
+                <a:effectLst/>
+                <a:latin typeface="Arial Unicode MS"/>
+              </a:rPr>
+            </a:br>
+            <a:r>
+              <a:rPr kumimoji="0" lang="zh-TW" altLang="zh-TW" sz="1000" b="0" i="0" u="none" strike="noStrike" cap="none" normalizeH="0" baseline="0" dirty="0">
+                <a:ln>
+                  <a:noFill/>
+                </a:ln>
+                <a:solidFill>
+                  <a:srgbClr val="C9D1D9"/>
+                </a:solidFill>
+                <a:effectLst/>
+                <a:latin typeface="Arial Unicode MS"/>
+              </a:rPr>
+              <a:t>        [</a:t>
+            </a:r>
+            <a:r>
+              <a:rPr kumimoji="0" lang="zh-TW" altLang="zh-TW" sz="1000" b="0" i="0" u="none" strike="noStrike" cap="none" normalizeH="0" baseline="0" dirty="0">
+                <a:ln>
+                  <a:noFill/>
+                </a:ln>
+                <a:solidFill>
+                  <a:srgbClr val="A5D6FF"/>
+                </a:solidFill>
+                <a:effectLst/>
+                <a:latin typeface="Arial Unicode MS"/>
+              </a:rPr>
+              <a:t>'communication[-8,8]wireless'</a:t>
+            </a:r>
+            <a:r>
+              <a:rPr kumimoji="0" lang="zh-TW" altLang="zh-TW" sz="1000" b="0" i="0" u="none" strike="noStrike" cap="none" normalizeH="0" baseline="0" dirty="0">
+                <a:ln>
+                  <a:noFill/>
+                </a:ln>
+                <a:solidFill>
+                  <a:srgbClr val="C9D1D9"/>
+                </a:solidFill>
+                <a:effectLst/>
+                <a:latin typeface="Arial Unicode MS"/>
+              </a:rPr>
+              <a:t>, </a:t>
+            </a:r>
+            <a:r>
+              <a:rPr kumimoji="0" lang="zh-TW" altLang="zh-TW" sz="1000" b="0" i="0" u="none" strike="noStrike" cap="none" normalizeH="0" baseline="0" dirty="0">
+                <a:ln>
+                  <a:noFill/>
+                </a:ln>
+                <a:solidFill>
+                  <a:srgbClr val="A5D6FF"/>
+                </a:solidFill>
+                <a:effectLst/>
+                <a:latin typeface="Arial Unicode MS"/>
+              </a:rPr>
+              <a:t>'transmit[-8,8]data'</a:t>
+            </a:r>
+            <a:r>
+              <a:rPr kumimoji="0" lang="zh-TW" altLang="zh-TW" sz="1000" b="0" i="0" u="none" strike="noStrike" cap="none" normalizeH="0" baseline="0" dirty="0">
+                <a:ln>
+                  <a:noFill/>
+                </a:ln>
+                <a:solidFill>
+                  <a:srgbClr val="C9D1D9"/>
+                </a:solidFill>
+                <a:effectLst/>
+                <a:latin typeface="Arial Unicode MS"/>
+              </a:rPr>
+              <a:t>, </a:t>
+            </a:r>
+            <a:r>
+              <a:rPr kumimoji="0" lang="zh-TW" altLang="zh-TW" sz="1000" b="0" i="0" u="none" strike="noStrike" cap="none" normalizeH="0" baseline="0" dirty="0">
+                <a:ln>
+                  <a:noFill/>
+                </a:ln>
+                <a:solidFill>
+                  <a:srgbClr val="A5D6FF"/>
+                </a:solidFill>
+                <a:effectLst/>
+                <a:latin typeface="Arial Unicode MS"/>
+              </a:rPr>
+              <a:t>'receive[-8,8]data'</a:t>
+            </a:r>
+            <a:r>
+              <a:rPr kumimoji="0" lang="zh-TW" altLang="zh-TW" sz="1000" b="0" i="0" u="none" strike="noStrike" cap="none" normalizeH="0" baseline="0" dirty="0">
+                <a:ln>
+                  <a:noFill/>
+                </a:ln>
+                <a:solidFill>
+                  <a:srgbClr val="C9D1D9"/>
+                </a:solidFill>
+                <a:effectLst/>
+                <a:latin typeface="Arial Unicode MS"/>
+              </a:rPr>
+              <a:t>, </a:t>
+            </a:r>
+            <a:r>
+              <a:rPr kumimoji="0" lang="zh-TW" altLang="zh-TW" sz="1000" b="0" i="0" u="none" strike="noStrike" cap="none" normalizeH="0" baseline="0" dirty="0">
+                <a:ln>
+                  <a:noFill/>
+                </a:ln>
+                <a:solidFill>
+                  <a:srgbClr val="A5D6FF"/>
+                </a:solidFill>
+                <a:effectLst/>
+                <a:latin typeface="Arial Unicode MS"/>
+              </a:rPr>
+              <a:t>'network[-8,8]wireless'</a:t>
+            </a:r>
+            <a:r>
+              <a:rPr kumimoji="0" lang="zh-TW" altLang="zh-TW" sz="1000" b="0" i="0" u="none" strike="noStrike" cap="none" normalizeH="0" baseline="0" dirty="0">
+                <a:ln>
+                  <a:noFill/>
+                </a:ln>
+                <a:solidFill>
+                  <a:srgbClr val="C9D1D9"/>
+                </a:solidFill>
+                <a:effectLst/>
+                <a:latin typeface="Arial Unicode MS"/>
+              </a:rPr>
+              <a:t>],</a:t>
+            </a:r>
+            <a:br>
+              <a:rPr kumimoji="0" lang="zh-TW" altLang="zh-TW" sz="1000" b="0" i="0" u="none" strike="noStrike" cap="none" normalizeH="0" baseline="0" dirty="0">
+                <a:ln>
+                  <a:noFill/>
+                </a:ln>
+                <a:solidFill>
+                  <a:srgbClr val="C9D1D9"/>
+                </a:solidFill>
+                <a:effectLst/>
+                <a:latin typeface="Arial Unicode MS"/>
+              </a:rPr>
+            </a:br>
+            <a:r>
+              <a:rPr kumimoji="0" lang="zh-TW" altLang="zh-TW" sz="1000" b="0" i="0" u="none" strike="noStrike" cap="none" normalizeH="0" baseline="0" dirty="0">
+                <a:ln>
+                  <a:noFill/>
+                </a:ln>
+                <a:solidFill>
+                  <a:srgbClr val="C9D1D9"/>
+                </a:solidFill>
+                <a:effectLst/>
+                <a:latin typeface="Arial Unicode MS"/>
+              </a:rPr>
+              <a:t>        [</a:t>
+            </a:r>
+            <a:r>
+              <a:rPr kumimoji="0" lang="zh-TW" altLang="zh-TW" sz="1000" b="0" i="0" u="none" strike="noStrike" cap="none" normalizeH="0" baseline="0" dirty="0">
+                <a:ln>
+                  <a:noFill/>
+                </a:ln>
+                <a:solidFill>
+                  <a:srgbClr val="A5D6FF"/>
+                </a:solidFill>
+                <a:effectLst/>
+                <a:latin typeface="Arial Unicode MS"/>
+              </a:rPr>
+              <a:t>'collaborate'</a:t>
+            </a:r>
+            <a:r>
+              <a:rPr kumimoji="0" lang="zh-TW" altLang="zh-TW" sz="1000" b="0" i="0" u="none" strike="noStrike" cap="none" normalizeH="0" baseline="0" dirty="0">
+                <a:ln>
+                  <a:noFill/>
+                </a:ln>
+                <a:solidFill>
+                  <a:srgbClr val="C9D1D9"/>
+                </a:solidFill>
+                <a:effectLst/>
+                <a:latin typeface="Arial Unicode MS"/>
+              </a:rPr>
+              <a:t>, </a:t>
+            </a:r>
+            <a:r>
+              <a:rPr kumimoji="0" lang="zh-TW" altLang="zh-TW" sz="1000" b="0" i="0" u="none" strike="noStrike" cap="none" normalizeH="0" baseline="0" dirty="0">
+                <a:ln>
+                  <a:noFill/>
+                </a:ln>
+                <a:solidFill>
+                  <a:srgbClr val="A5D6FF"/>
+                </a:solidFill>
+                <a:effectLst/>
+                <a:latin typeface="Arial Unicode MS"/>
+              </a:rPr>
+              <a:t>'coordinate'</a:t>
+            </a:r>
+            <a:r>
+              <a:rPr kumimoji="0" lang="zh-TW" altLang="zh-TW" sz="1000" b="0" i="0" u="none" strike="noStrike" cap="none" normalizeH="0" baseline="0" dirty="0">
+                <a:ln>
+                  <a:noFill/>
+                </a:ln>
+                <a:solidFill>
+                  <a:srgbClr val="C9D1D9"/>
+                </a:solidFill>
+                <a:effectLst/>
+                <a:latin typeface="Arial Unicode MS"/>
+              </a:rPr>
+              <a:t>, </a:t>
+            </a:r>
+            <a:r>
+              <a:rPr kumimoji="0" lang="zh-TW" altLang="zh-TW" sz="1000" b="0" i="0" u="none" strike="noStrike" cap="none" normalizeH="0" baseline="0" dirty="0">
+                <a:ln>
+                  <a:noFill/>
+                </a:ln>
+                <a:solidFill>
+                  <a:srgbClr val="A5D6FF"/>
+                </a:solidFill>
+                <a:effectLst/>
+                <a:latin typeface="Arial Unicode MS"/>
+              </a:rPr>
+              <a:t>'network[-8,8]integrate'</a:t>
+            </a:r>
+            <a:r>
+              <a:rPr kumimoji="0" lang="zh-TW" altLang="zh-TW" sz="1000" b="0" i="0" u="none" strike="noStrike" cap="none" normalizeH="0" baseline="0" dirty="0">
+                <a:ln>
+                  <a:noFill/>
+                </a:ln>
+                <a:solidFill>
+                  <a:srgbClr val="C9D1D9"/>
+                </a:solidFill>
+                <a:effectLst/>
+                <a:latin typeface="Arial Unicode MS"/>
+              </a:rPr>
+              <a:t>, </a:t>
+            </a:r>
+            <a:r>
+              <a:rPr kumimoji="0" lang="zh-TW" altLang="zh-TW" sz="1000" b="0" i="0" u="none" strike="noStrike" cap="none" normalizeH="0" baseline="0" dirty="0">
+                <a:ln>
+                  <a:noFill/>
+                </a:ln>
+                <a:solidFill>
+                  <a:srgbClr val="A5D6FF"/>
+                </a:solidFill>
+                <a:effectLst/>
+                <a:latin typeface="Arial Unicode MS"/>
+              </a:rPr>
+              <a:t>'multiple[-8,8]system'</a:t>
+            </a:r>
+            <a:r>
+              <a:rPr kumimoji="0" lang="zh-TW" altLang="zh-TW" sz="1000" b="0" i="0" u="none" strike="noStrike" cap="none" normalizeH="0" baseline="0" dirty="0">
+                <a:ln>
+                  <a:noFill/>
+                </a:ln>
+                <a:solidFill>
+                  <a:srgbClr val="C9D1D9"/>
+                </a:solidFill>
+                <a:effectLst/>
+                <a:latin typeface="Arial Unicode MS"/>
+              </a:rPr>
+              <a:t>, </a:t>
+            </a:r>
+            <a:r>
+              <a:rPr kumimoji="0" lang="zh-TW" altLang="zh-TW" sz="1000" b="0" i="0" u="none" strike="noStrike" cap="none" normalizeH="0" baseline="0" dirty="0">
+                <a:ln>
+                  <a:noFill/>
+                </a:ln>
+                <a:solidFill>
+                  <a:srgbClr val="A5D6FF"/>
+                </a:solidFill>
+                <a:effectLst/>
+                <a:latin typeface="Arial Unicode MS"/>
+              </a:rPr>
+              <a:t>'team'</a:t>
+            </a:r>
+            <a:r>
+              <a:rPr kumimoji="0" lang="zh-TW" altLang="zh-TW" sz="1000" b="0" i="0" u="none" strike="noStrike" cap="none" normalizeH="0" baseline="0" dirty="0">
+                <a:ln>
+                  <a:noFill/>
+                </a:ln>
+                <a:solidFill>
+                  <a:srgbClr val="C9D1D9"/>
+                </a:solidFill>
+                <a:effectLst/>
+                <a:latin typeface="Arial Unicode MS"/>
+              </a:rPr>
+              <a:t>],</a:t>
+            </a:r>
+            <a:br>
+              <a:rPr kumimoji="0" lang="zh-TW" altLang="zh-TW" sz="1000" b="0" i="0" u="none" strike="noStrike" cap="none" normalizeH="0" baseline="0" dirty="0">
+                <a:ln>
+                  <a:noFill/>
+                </a:ln>
+                <a:solidFill>
+                  <a:srgbClr val="C9D1D9"/>
+                </a:solidFill>
+                <a:effectLst/>
+                <a:latin typeface="Arial Unicode MS"/>
+              </a:rPr>
+            </a:br>
+            <a:r>
+              <a:rPr kumimoji="0" lang="zh-TW" altLang="zh-TW" sz="1000" b="0" i="0" u="none" strike="noStrike" cap="none" normalizeH="0" baseline="0" dirty="0">
+                <a:ln>
+                  <a:noFill/>
+                </a:ln>
+                <a:solidFill>
+                  <a:srgbClr val="C9D1D9"/>
+                </a:solidFill>
+                <a:effectLst/>
+                <a:latin typeface="Arial Unicode MS"/>
+              </a:rPr>
+              <a:t>        [</a:t>
+            </a:r>
+            <a:r>
+              <a:rPr kumimoji="0" lang="zh-TW" altLang="zh-TW" sz="1000" b="0" i="0" u="none" strike="noStrike" cap="none" normalizeH="0" baseline="0" dirty="0">
+                <a:ln>
+                  <a:noFill/>
+                </a:ln>
+                <a:solidFill>
+                  <a:srgbClr val="A5D6FF"/>
+                </a:solidFill>
+                <a:effectLst/>
+                <a:latin typeface="Arial Unicode MS"/>
+              </a:rPr>
+              <a:t>'sensor[-8,8]detect'</a:t>
+            </a:r>
+            <a:r>
+              <a:rPr kumimoji="0" lang="zh-TW" altLang="zh-TW" sz="1000" b="0" i="0" u="none" strike="noStrike" cap="none" normalizeH="0" baseline="0" dirty="0">
+                <a:ln>
+                  <a:noFill/>
+                </a:ln>
+                <a:solidFill>
+                  <a:srgbClr val="C9D1D9"/>
+                </a:solidFill>
+                <a:effectLst/>
+                <a:latin typeface="Arial Unicode MS"/>
+              </a:rPr>
+              <a:t>, </a:t>
+            </a:r>
+            <a:r>
+              <a:rPr kumimoji="0" lang="zh-TW" altLang="zh-TW" sz="1000" b="0" i="0" u="none" strike="noStrike" cap="none" normalizeH="0" baseline="0" dirty="0">
+                <a:ln>
+                  <a:noFill/>
+                </a:ln>
+                <a:solidFill>
+                  <a:srgbClr val="A5D6FF"/>
+                </a:solidFill>
+                <a:effectLst/>
+                <a:latin typeface="Arial Unicode MS"/>
+              </a:rPr>
+              <a:t>'detect[-8,8]detect'</a:t>
+            </a:r>
+            <a:r>
+              <a:rPr kumimoji="0" lang="zh-TW" altLang="zh-TW" sz="1000" b="0" i="0" u="none" strike="noStrike" cap="none" normalizeH="0" baseline="0" dirty="0">
+                <a:ln>
+                  <a:noFill/>
+                </a:ln>
+                <a:solidFill>
+                  <a:srgbClr val="C9D1D9"/>
+                </a:solidFill>
+                <a:effectLst/>
+                <a:latin typeface="Arial Unicode MS"/>
+              </a:rPr>
+              <a:t>, </a:t>
+            </a:r>
+            <a:r>
+              <a:rPr kumimoji="0" lang="zh-TW" altLang="zh-TW" sz="1000" b="0" i="0" u="none" strike="noStrike" cap="none" normalizeH="0" baseline="0" dirty="0">
+                <a:ln>
+                  <a:noFill/>
+                </a:ln>
+                <a:solidFill>
+                  <a:srgbClr val="A5D6FF"/>
+                </a:solidFill>
+                <a:effectLst/>
+                <a:latin typeface="Arial Unicode MS"/>
+              </a:rPr>
+              <a:t>'field[-8,8]detect'</a:t>
+            </a:r>
+            <a:r>
+              <a:rPr kumimoji="0" lang="zh-TW" altLang="zh-TW" sz="1000" b="0" i="0" u="none" strike="noStrike" cap="none" normalizeH="0" baseline="0" dirty="0">
+                <a:ln>
+                  <a:noFill/>
+                </a:ln>
+                <a:solidFill>
+                  <a:srgbClr val="C9D1D9"/>
+                </a:solidFill>
+                <a:effectLst/>
+                <a:latin typeface="Arial Unicode MS"/>
+              </a:rPr>
+              <a:t>, </a:t>
+            </a:r>
+            <a:r>
+              <a:rPr kumimoji="0" lang="zh-TW" altLang="zh-TW" sz="1000" b="0" i="0" u="none" strike="noStrike" cap="none" normalizeH="0" baseline="0" dirty="0">
+                <a:ln>
+                  <a:noFill/>
+                </a:ln>
+                <a:solidFill>
+                  <a:srgbClr val="A5D6FF"/>
+                </a:solidFill>
+                <a:effectLst/>
+                <a:latin typeface="Arial Unicode MS"/>
+              </a:rPr>
+              <a:t>'object[-8,8]detect'</a:t>
+            </a:r>
+            <a:r>
+              <a:rPr kumimoji="0" lang="zh-TW" altLang="zh-TW" sz="1000" b="0" i="0" u="none" strike="noStrike" cap="none" normalizeH="0" baseline="0" dirty="0">
+                <a:ln>
+                  <a:noFill/>
+                </a:ln>
+                <a:solidFill>
+                  <a:srgbClr val="C9D1D9"/>
+                </a:solidFill>
+                <a:effectLst/>
+                <a:latin typeface="Arial Unicode MS"/>
+              </a:rPr>
+              <a:t>, </a:t>
+            </a:r>
+            <a:r>
+              <a:rPr kumimoji="0" lang="zh-TW" altLang="zh-TW" sz="1000" b="0" i="0" u="none" strike="noStrike" cap="none" normalizeH="0" baseline="0" dirty="0">
+                <a:ln>
+                  <a:noFill/>
+                </a:ln>
+                <a:solidFill>
+                  <a:srgbClr val="A5D6FF"/>
+                </a:solidFill>
+                <a:effectLst/>
+                <a:latin typeface="Arial Unicode MS"/>
+              </a:rPr>
+              <a:t>'camera[-8,8]detect'</a:t>
+            </a:r>
+            <a:r>
+              <a:rPr kumimoji="0" lang="zh-TW" altLang="zh-TW" sz="1000" b="0" i="0" u="none" strike="noStrike" cap="none" normalizeH="0" baseline="0" dirty="0">
+                <a:ln>
+                  <a:noFill/>
+                </a:ln>
+                <a:solidFill>
+                  <a:srgbClr val="C9D1D9"/>
+                </a:solidFill>
+                <a:effectLst/>
+                <a:latin typeface="Arial Unicode MS"/>
+              </a:rPr>
+              <a:t>,</a:t>
+            </a:r>
+            <a:br>
+              <a:rPr kumimoji="0" lang="zh-TW" altLang="zh-TW" sz="1000" b="0" i="0" u="none" strike="noStrike" cap="none" normalizeH="0" baseline="0" dirty="0">
+                <a:ln>
+                  <a:noFill/>
+                </a:ln>
+                <a:solidFill>
+                  <a:srgbClr val="C9D1D9"/>
+                </a:solidFill>
+                <a:effectLst/>
+                <a:latin typeface="Arial Unicode MS"/>
+              </a:rPr>
+            </a:br>
+            <a:r>
+              <a:rPr kumimoji="0" lang="zh-TW" altLang="zh-TW" sz="1000" b="0" i="0" u="none" strike="noStrike" cap="none" normalizeH="0" baseline="0" dirty="0">
+                <a:ln>
+                  <a:noFill/>
+                </a:ln>
+                <a:solidFill>
+                  <a:srgbClr val="C9D1D9"/>
+                </a:solidFill>
+                <a:effectLst/>
+                <a:latin typeface="Arial Unicode MS"/>
+              </a:rPr>
+              <a:t>         </a:t>
+            </a:r>
+            <a:r>
+              <a:rPr kumimoji="0" lang="zh-TW" altLang="zh-TW" sz="1000" b="0" i="0" u="none" strike="noStrike" cap="none" normalizeH="0" baseline="0" dirty="0">
+                <a:ln>
+                  <a:noFill/>
+                </a:ln>
+                <a:solidFill>
+                  <a:srgbClr val="A5D6FF"/>
+                </a:solidFill>
+                <a:effectLst/>
+                <a:latin typeface="Arial Unicode MS"/>
+              </a:rPr>
+              <a:t>'image[-8,8]detect'</a:t>
+            </a:r>
+            <a:r>
+              <a:rPr kumimoji="0" lang="zh-TW" altLang="zh-TW" sz="1000" b="0" i="0" u="none" strike="noStrike" cap="none" normalizeH="0" baseline="0" dirty="0">
+                <a:ln>
+                  <a:noFill/>
+                </a:ln>
+                <a:solidFill>
+                  <a:srgbClr val="C9D1D9"/>
+                </a:solidFill>
+                <a:effectLst/>
+                <a:latin typeface="Arial Unicode MS"/>
+              </a:rPr>
+              <a:t>, </a:t>
+            </a:r>
+            <a:r>
+              <a:rPr kumimoji="0" lang="zh-TW" altLang="zh-TW" sz="1000" b="0" i="0" u="none" strike="noStrike" cap="none" normalizeH="0" baseline="0" dirty="0">
+                <a:ln>
+                  <a:noFill/>
+                </a:ln>
+                <a:solidFill>
+                  <a:srgbClr val="A5D6FF"/>
+                </a:solidFill>
+                <a:effectLst/>
+                <a:latin typeface="Arial Unicode MS"/>
+              </a:rPr>
+              <a:t>'view[-8,8]detect'</a:t>
+            </a:r>
+            <a:r>
+              <a:rPr kumimoji="0" lang="zh-TW" altLang="zh-TW" sz="1000" b="0" i="0" u="none" strike="noStrike" cap="none" normalizeH="0" baseline="0" dirty="0">
+                <a:ln>
+                  <a:noFill/>
+                </a:ln>
+                <a:solidFill>
+                  <a:srgbClr val="C9D1D9"/>
+                </a:solidFill>
+                <a:effectLst/>
+                <a:latin typeface="Arial Unicode MS"/>
+              </a:rPr>
+              <a:t>],</a:t>
+            </a:r>
+            <a:br>
+              <a:rPr kumimoji="0" lang="zh-TW" altLang="zh-TW" sz="1000" b="0" i="0" u="none" strike="noStrike" cap="none" normalizeH="0" baseline="0" dirty="0">
+                <a:ln>
+                  <a:noFill/>
+                </a:ln>
+                <a:solidFill>
+                  <a:srgbClr val="C9D1D9"/>
+                </a:solidFill>
+                <a:effectLst/>
+                <a:latin typeface="Arial Unicode MS"/>
+              </a:rPr>
+            </a:br>
+            <a:r>
+              <a:rPr kumimoji="0" lang="zh-TW" altLang="zh-TW" sz="1000" b="0" i="0" u="none" strike="noStrike" cap="none" normalizeH="0" baseline="0" dirty="0">
+                <a:ln>
+                  <a:noFill/>
+                </a:ln>
+                <a:solidFill>
+                  <a:srgbClr val="C9D1D9"/>
+                </a:solidFill>
+                <a:effectLst/>
+                <a:latin typeface="Arial Unicode MS"/>
+              </a:rPr>
+              <a:t>        [</a:t>
+            </a:r>
+            <a:r>
+              <a:rPr kumimoji="0" lang="zh-TW" altLang="zh-TW" sz="1000" b="0" i="0" u="none" strike="noStrike" cap="none" normalizeH="0" baseline="0" dirty="0">
+                <a:ln>
+                  <a:noFill/>
+                </a:ln>
+                <a:solidFill>
+                  <a:srgbClr val="A5D6FF"/>
+                </a:solidFill>
+                <a:effectLst/>
+                <a:latin typeface="Arial Unicode MS"/>
+              </a:rPr>
+              <a:t>'remote[-8,8]control'</a:t>
+            </a:r>
+            <a:r>
+              <a:rPr kumimoji="0" lang="zh-TW" altLang="zh-TW" sz="1000" b="0" i="0" u="none" strike="noStrike" cap="none" normalizeH="0" baseline="0" dirty="0">
+                <a:ln>
+                  <a:noFill/>
+                </a:ln>
+                <a:solidFill>
+                  <a:srgbClr val="C9D1D9"/>
+                </a:solidFill>
+                <a:effectLst/>
+                <a:latin typeface="Arial Unicode MS"/>
+              </a:rPr>
+              <a:t>, </a:t>
+            </a:r>
+            <a:r>
+              <a:rPr kumimoji="0" lang="zh-TW" altLang="zh-TW" sz="1000" b="0" i="0" u="none" strike="noStrike" cap="none" normalizeH="0" baseline="0" dirty="0">
+                <a:ln>
+                  <a:noFill/>
+                </a:ln>
+                <a:solidFill>
+                  <a:srgbClr val="A5D6FF"/>
+                </a:solidFill>
+                <a:effectLst/>
+                <a:latin typeface="Arial Unicode MS"/>
+              </a:rPr>
+              <a:t>'autonomous[-8,8]system'</a:t>
+            </a:r>
+            <a:r>
+              <a:rPr kumimoji="0" lang="zh-TW" altLang="zh-TW" sz="1000" b="0" i="0" u="none" strike="noStrike" cap="none" normalizeH="0" baseline="0" dirty="0">
+                <a:ln>
+                  <a:noFill/>
+                </a:ln>
+                <a:solidFill>
+                  <a:srgbClr val="C9D1D9"/>
+                </a:solidFill>
+                <a:effectLst/>
+                <a:latin typeface="Arial Unicode MS"/>
+              </a:rPr>
+              <a:t>, </a:t>
+            </a:r>
+            <a:r>
+              <a:rPr kumimoji="0" lang="zh-TW" altLang="zh-TW" sz="1000" b="0" i="0" u="none" strike="noStrike" cap="none" normalizeH="0" baseline="0" dirty="0">
+                <a:ln>
+                  <a:noFill/>
+                </a:ln>
+                <a:solidFill>
+                  <a:srgbClr val="A5D6FF"/>
+                </a:solidFill>
+                <a:effectLst/>
+                <a:latin typeface="Arial Unicode MS"/>
+              </a:rPr>
+              <a:t>'remote[-8,8]operate'</a:t>
+            </a:r>
+            <a:r>
+              <a:rPr kumimoji="0" lang="zh-TW" altLang="zh-TW" sz="1000" b="0" i="0" u="none" strike="noStrike" cap="none" normalizeH="0" baseline="0" dirty="0">
+                <a:ln>
+                  <a:noFill/>
+                </a:ln>
+                <a:solidFill>
+                  <a:srgbClr val="C9D1D9"/>
+                </a:solidFill>
+                <a:effectLst/>
+                <a:latin typeface="Arial Unicode MS"/>
+              </a:rPr>
+              <a:t>, </a:t>
+            </a:r>
+            <a:r>
+              <a:rPr kumimoji="0" lang="zh-TW" altLang="zh-TW" sz="1000" b="0" i="0" u="none" strike="noStrike" cap="none" normalizeH="0" baseline="0" dirty="0">
+                <a:ln>
+                  <a:noFill/>
+                </a:ln>
+                <a:solidFill>
+                  <a:srgbClr val="A5D6FF"/>
+                </a:solidFill>
+                <a:effectLst/>
+                <a:latin typeface="Arial Unicode MS"/>
+              </a:rPr>
+              <a:t>'autonomous[-8,8]mode'</a:t>
+            </a:r>
+            <a:r>
+              <a:rPr kumimoji="0" lang="zh-TW" altLang="zh-TW" sz="1000" b="0" i="0" u="none" strike="noStrike" cap="none" normalizeH="0" baseline="0" dirty="0">
+                <a:ln>
+                  <a:noFill/>
+                </a:ln>
+                <a:solidFill>
+                  <a:srgbClr val="C9D1D9"/>
+                </a:solidFill>
+                <a:effectLst/>
+                <a:latin typeface="Arial Unicode MS"/>
+              </a:rPr>
+              <a:t>],</a:t>
+            </a:r>
+            <a:br>
+              <a:rPr kumimoji="0" lang="zh-TW" altLang="zh-TW" sz="1000" b="0" i="0" u="none" strike="noStrike" cap="none" normalizeH="0" baseline="0" dirty="0">
+                <a:ln>
+                  <a:noFill/>
+                </a:ln>
+                <a:solidFill>
+                  <a:srgbClr val="C9D1D9"/>
+                </a:solidFill>
+                <a:effectLst/>
+                <a:latin typeface="Arial Unicode MS"/>
+              </a:rPr>
+            </a:br>
+            <a:r>
+              <a:rPr kumimoji="0" lang="zh-TW" altLang="zh-TW" sz="1000" b="0" i="0" u="none" strike="noStrike" cap="none" normalizeH="0" baseline="0" dirty="0">
+                <a:ln>
+                  <a:noFill/>
+                </a:ln>
+                <a:solidFill>
+                  <a:srgbClr val="C9D1D9"/>
+                </a:solidFill>
+                <a:effectLst/>
+                <a:latin typeface="Arial Unicode MS"/>
+              </a:rPr>
+              <a:t>        [</a:t>
+            </a:r>
+            <a:r>
+              <a:rPr kumimoji="0" lang="zh-TW" altLang="zh-TW" sz="1000" b="0" i="0" u="none" strike="noStrike" cap="none" normalizeH="0" baseline="0" dirty="0">
+                <a:ln>
+                  <a:noFill/>
+                </a:ln>
+                <a:solidFill>
+                  <a:srgbClr val="A5D6FF"/>
+                </a:solidFill>
+                <a:effectLst/>
+                <a:latin typeface="Arial Unicode MS"/>
+              </a:rPr>
+              <a:t>'sensor[-8,8]detect'</a:t>
+            </a:r>
+            <a:r>
+              <a:rPr kumimoji="0" lang="zh-TW" altLang="zh-TW" sz="1000" b="0" i="0" u="none" strike="noStrike" cap="none" normalizeH="0" baseline="0" dirty="0">
+                <a:ln>
+                  <a:noFill/>
+                </a:ln>
+                <a:solidFill>
+                  <a:srgbClr val="C9D1D9"/>
+                </a:solidFill>
+                <a:effectLst/>
+                <a:latin typeface="Arial Unicode MS"/>
+              </a:rPr>
+              <a:t>, </a:t>
+            </a:r>
+            <a:r>
+              <a:rPr kumimoji="0" lang="zh-TW" altLang="zh-TW" sz="1000" b="0" i="0" u="none" strike="noStrike" cap="none" normalizeH="0" baseline="0" dirty="0">
+                <a:ln>
+                  <a:noFill/>
+                </a:ln>
+                <a:solidFill>
+                  <a:srgbClr val="A5D6FF"/>
+                </a:solidFill>
+                <a:effectLst/>
+                <a:latin typeface="Arial Unicode MS"/>
+              </a:rPr>
+              <a:t>'environment[-8,8]detect'</a:t>
+            </a:r>
+            <a:r>
+              <a:rPr kumimoji="0" lang="zh-TW" altLang="zh-TW" sz="1000" b="0" i="0" u="none" strike="noStrike" cap="none" normalizeH="0" baseline="0" dirty="0">
+                <a:ln>
+                  <a:noFill/>
+                </a:ln>
+                <a:solidFill>
+                  <a:srgbClr val="C9D1D9"/>
+                </a:solidFill>
+                <a:effectLst/>
+                <a:latin typeface="Arial Unicode MS"/>
+              </a:rPr>
+              <a:t>, </a:t>
+            </a:r>
+            <a:r>
+              <a:rPr kumimoji="0" lang="zh-TW" altLang="zh-TW" sz="1000" b="0" i="0" u="none" strike="noStrike" cap="none" normalizeH="0" baseline="0" dirty="0">
+                <a:ln>
+                  <a:noFill/>
+                </a:ln>
+                <a:solidFill>
+                  <a:srgbClr val="A5D6FF"/>
+                </a:solidFill>
+                <a:effectLst/>
+                <a:latin typeface="Arial Unicode MS"/>
+              </a:rPr>
+              <a:t>'field[-8,8]image'</a:t>
+            </a:r>
+            <a:r>
+              <a:rPr kumimoji="0" lang="zh-TW" altLang="zh-TW" sz="1000" b="0" i="0" u="none" strike="noStrike" cap="none" normalizeH="0" baseline="0" dirty="0">
+                <a:ln>
+                  <a:noFill/>
+                </a:ln>
+                <a:solidFill>
+                  <a:srgbClr val="C9D1D9"/>
+                </a:solidFill>
+                <a:effectLst/>
+                <a:latin typeface="Arial Unicode MS"/>
+              </a:rPr>
+              <a:t>, </a:t>
+            </a:r>
+            <a:r>
+              <a:rPr kumimoji="0" lang="zh-TW" altLang="zh-TW" sz="1000" b="0" i="0" u="none" strike="noStrike" cap="none" normalizeH="0" baseline="0" dirty="0">
+                <a:ln>
+                  <a:noFill/>
+                </a:ln>
+                <a:solidFill>
+                  <a:srgbClr val="A5D6FF"/>
+                </a:solidFill>
+                <a:effectLst/>
+                <a:latin typeface="Arial Unicode MS"/>
+              </a:rPr>
+              <a:t>'environment[-8,8]monitor'</a:t>
+            </a:r>
+            <a:r>
+              <a:rPr kumimoji="0" lang="zh-TW" altLang="zh-TW" sz="1000" b="0" i="0" u="none" strike="noStrike" cap="none" normalizeH="0" baseline="0" dirty="0">
+                <a:ln>
+                  <a:noFill/>
+                </a:ln>
+                <a:solidFill>
+                  <a:srgbClr val="C9D1D9"/>
+                </a:solidFill>
+                <a:effectLst/>
+                <a:latin typeface="Arial Unicode MS"/>
+              </a:rPr>
+              <a:t>],</a:t>
+            </a:r>
+            <a:br>
+              <a:rPr kumimoji="0" lang="zh-TW" altLang="zh-TW" sz="1000" b="0" i="0" u="none" strike="noStrike" cap="none" normalizeH="0" baseline="0" dirty="0">
+                <a:ln>
+                  <a:noFill/>
+                </a:ln>
+                <a:solidFill>
+                  <a:srgbClr val="C9D1D9"/>
+                </a:solidFill>
+                <a:effectLst/>
+                <a:latin typeface="Arial Unicode MS"/>
+              </a:rPr>
+            </a:br>
+            <a:r>
+              <a:rPr kumimoji="0" lang="zh-TW" altLang="zh-TW" sz="1000" b="0" i="0" u="none" strike="noStrike" cap="none" normalizeH="0" baseline="0" dirty="0">
+                <a:ln>
+                  <a:noFill/>
+                </a:ln>
+                <a:solidFill>
+                  <a:srgbClr val="C9D1D9"/>
+                </a:solidFill>
+                <a:effectLst/>
+                <a:latin typeface="Arial Unicode MS"/>
+              </a:rPr>
+              <a:t>        [</a:t>
+            </a:r>
+            <a:r>
+              <a:rPr kumimoji="0" lang="zh-TW" altLang="zh-TW" sz="1000" b="0" i="0" u="none" strike="noStrike" cap="none" normalizeH="0" baseline="0" dirty="0">
+                <a:ln>
+                  <a:noFill/>
+                </a:ln>
+                <a:solidFill>
+                  <a:srgbClr val="A5D6FF"/>
+                </a:solidFill>
+                <a:effectLst/>
+                <a:latin typeface="Arial Unicode MS"/>
+              </a:rPr>
+              <a:t>'land[-8,8]autonomous'</a:t>
+            </a:r>
+            <a:r>
+              <a:rPr kumimoji="0" lang="zh-TW" altLang="zh-TW" sz="1000" b="0" i="0" u="none" strike="noStrike" cap="none" normalizeH="0" baseline="0" dirty="0">
+                <a:ln>
+                  <a:noFill/>
+                </a:ln>
+                <a:solidFill>
+                  <a:srgbClr val="C9D1D9"/>
+                </a:solidFill>
+                <a:effectLst/>
+                <a:latin typeface="Arial Unicode MS"/>
+              </a:rPr>
+              <a:t>, </a:t>
+            </a:r>
+            <a:r>
+              <a:rPr kumimoji="0" lang="zh-TW" altLang="zh-TW" sz="1000" b="0" i="0" u="none" strike="noStrike" cap="none" normalizeH="0" baseline="0" dirty="0">
+                <a:ln>
+                  <a:noFill/>
+                </a:ln>
+                <a:solidFill>
+                  <a:srgbClr val="A5D6FF"/>
+                </a:solidFill>
+                <a:effectLst/>
+                <a:latin typeface="Arial Unicode MS"/>
+              </a:rPr>
+              <a:t>'land[-8,8]control'</a:t>
+            </a:r>
+            <a:r>
+              <a:rPr kumimoji="0" lang="zh-TW" altLang="zh-TW" sz="1000" b="0" i="0" u="none" strike="noStrike" cap="none" normalizeH="0" baseline="0" dirty="0">
+                <a:ln>
+                  <a:noFill/>
+                </a:ln>
+                <a:solidFill>
+                  <a:srgbClr val="C9D1D9"/>
+                </a:solidFill>
+                <a:effectLst/>
+                <a:latin typeface="Arial Unicode MS"/>
+              </a:rPr>
+              <a:t>, </a:t>
+            </a:r>
+            <a:r>
+              <a:rPr kumimoji="0" lang="zh-TW" altLang="zh-TW" sz="1000" b="0" i="0" u="none" strike="noStrike" cap="none" normalizeH="0" baseline="0" dirty="0">
+                <a:ln>
+                  <a:noFill/>
+                </a:ln>
+                <a:solidFill>
+                  <a:srgbClr val="A5D6FF"/>
+                </a:solidFill>
+                <a:effectLst/>
+                <a:latin typeface="Arial Unicode MS"/>
+              </a:rPr>
+              <a:t>'land[-8,8]system'</a:t>
+            </a:r>
+            <a:r>
+              <a:rPr kumimoji="0" lang="zh-TW" altLang="zh-TW" sz="1000" b="0" i="0" u="none" strike="noStrike" cap="none" normalizeH="0" baseline="0" dirty="0">
+                <a:ln>
+                  <a:noFill/>
+                </a:ln>
+                <a:solidFill>
+                  <a:srgbClr val="C9D1D9"/>
+                </a:solidFill>
+                <a:effectLst/>
+                <a:latin typeface="Arial Unicode MS"/>
+              </a:rPr>
+              <a:t>, </a:t>
+            </a:r>
+            <a:r>
+              <a:rPr kumimoji="0" lang="zh-TW" altLang="zh-TW" sz="1000" b="0" i="0" u="none" strike="noStrike" cap="none" normalizeH="0" baseline="0" dirty="0">
+                <a:ln>
+                  <a:noFill/>
+                </a:ln>
+                <a:solidFill>
+                  <a:srgbClr val="A5D6FF"/>
+                </a:solidFill>
+                <a:effectLst/>
+                <a:latin typeface="Arial Unicode MS"/>
+              </a:rPr>
+              <a:t>'land[-8,8]station'</a:t>
+            </a:r>
+            <a:r>
+              <a:rPr kumimoji="0" lang="zh-TW" altLang="zh-TW" sz="1000" b="0" i="0" u="none" strike="noStrike" cap="none" normalizeH="0" baseline="0" dirty="0">
+                <a:ln>
+                  <a:noFill/>
+                </a:ln>
+                <a:solidFill>
+                  <a:srgbClr val="C9D1D9"/>
+                </a:solidFill>
+                <a:effectLst/>
+                <a:latin typeface="Arial Unicode MS"/>
+              </a:rPr>
+              <a:t>],</a:t>
+            </a:r>
+            <a:br>
+              <a:rPr kumimoji="0" lang="zh-TW" altLang="zh-TW" sz="1000" b="0" i="0" u="none" strike="noStrike" cap="none" normalizeH="0" baseline="0" dirty="0">
+                <a:ln>
+                  <a:noFill/>
+                </a:ln>
+                <a:solidFill>
+                  <a:srgbClr val="C9D1D9"/>
+                </a:solidFill>
+                <a:effectLst/>
+                <a:latin typeface="Arial Unicode MS"/>
+              </a:rPr>
+            </a:br>
+            <a:r>
+              <a:rPr kumimoji="0" lang="zh-TW" altLang="zh-TW" sz="1000" b="0" i="0" u="none" strike="noStrike" cap="none" normalizeH="0" baseline="0" dirty="0">
+                <a:ln>
+                  <a:noFill/>
+                </a:ln>
+                <a:solidFill>
+                  <a:srgbClr val="C9D1D9"/>
+                </a:solidFill>
+                <a:effectLst/>
+                <a:latin typeface="Arial Unicode MS"/>
+              </a:rPr>
+              <a:t>        [</a:t>
+            </a:r>
+            <a:r>
+              <a:rPr kumimoji="0" lang="zh-TW" altLang="zh-TW" sz="1000" b="0" i="0" u="none" strike="noStrike" cap="none" normalizeH="0" baseline="0" dirty="0">
+                <a:ln>
+                  <a:noFill/>
+                </a:ln>
+                <a:solidFill>
+                  <a:srgbClr val="A5D6FF"/>
+                </a:solidFill>
+                <a:effectLst/>
+                <a:latin typeface="Arial Unicode MS"/>
+              </a:rPr>
+              <a:t>'load[-8,8]mount'</a:t>
+            </a:r>
+            <a:r>
+              <a:rPr kumimoji="0" lang="zh-TW" altLang="zh-TW" sz="1000" b="0" i="0" u="none" strike="noStrike" cap="none" normalizeH="0" baseline="0" dirty="0">
+                <a:ln>
+                  <a:noFill/>
+                </a:ln>
+                <a:solidFill>
+                  <a:srgbClr val="C9D1D9"/>
+                </a:solidFill>
+                <a:effectLst/>
+                <a:latin typeface="Arial Unicode MS"/>
+              </a:rPr>
+              <a:t>, </a:t>
+            </a:r>
+            <a:r>
+              <a:rPr kumimoji="0" lang="zh-TW" altLang="zh-TW" sz="1000" b="0" i="0" u="none" strike="noStrike" cap="none" normalizeH="0" baseline="0" dirty="0">
+                <a:ln>
+                  <a:noFill/>
+                </a:ln>
+                <a:solidFill>
+                  <a:srgbClr val="A5D6FF"/>
+                </a:solidFill>
+                <a:effectLst/>
+                <a:latin typeface="Arial Unicode MS"/>
+              </a:rPr>
+              <a:t>'load[-8,8]adjust'</a:t>
+            </a:r>
+            <a:r>
+              <a:rPr kumimoji="0" lang="zh-TW" altLang="zh-TW" sz="1000" b="0" i="0" u="none" strike="noStrike" cap="none" normalizeH="0" baseline="0" dirty="0">
+                <a:ln>
+                  <a:noFill/>
+                </a:ln>
+                <a:solidFill>
+                  <a:srgbClr val="C9D1D9"/>
+                </a:solidFill>
+                <a:effectLst/>
+                <a:latin typeface="Arial Unicode MS"/>
+              </a:rPr>
+              <a:t>, </a:t>
+            </a:r>
+            <a:r>
+              <a:rPr kumimoji="0" lang="zh-TW" altLang="zh-TW" sz="1000" b="0" i="0" u="none" strike="noStrike" cap="none" normalizeH="0" baseline="0" dirty="0">
+                <a:ln>
+                  <a:noFill/>
+                </a:ln>
+                <a:solidFill>
+                  <a:srgbClr val="A5D6FF"/>
+                </a:solidFill>
+                <a:effectLst/>
+                <a:latin typeface="Arial Unicode MS"/>
+              </a:rPr>
+              <a:t>'load[-8,8]balance'</a:t>
+            </a:r>
+            <a:r>
+              <a:rPr kumimoji="0" lang="zh-TW" altLang="zh-TW" sz="1000" b="0" i="0" u="none" strike="noStrike" cap="none" normalizeH="0" baseline="0" dirty="0">
+                <a:ln>
+                  <a:noFill/>
+                </a:ln>
+                <a:solidFill>
+                  <a:srgbClr val="C9D1D9"/>
+                </a:solidFill>
+                <a:effectLst/>
+                <a:latin typeface="Arial Unicode MS"/>
+              </a:rPr>
+              <a:t>, </a:t>
+            </a:r>
+            <a:r>
+              <a:rPr kumimoji="0" lang="zh-TW" altLang="zh-TW" sz="1000" b="0" i="0" u="none" strike="noStrike" cap="none" normalizeH="0" baseline="0" dirty="0">
+                <a:ln>
+                  <a:noFill/>
+                </a:ln>
+                <a:solidFill>
+                  <a:srgbClr val="A5D6FF"/>
+                </a:solidFill>
+                <a:effectLst/>
+                <a:latin typeface="Arial Unicode MS"/>
+              </a:rPr>
+              <a:t>'fix[-8,8]mount'</a:t>
+            </a:r>
+            <a:r>
+              <a:rPr kumimoji="0" lang="zh-TW" altLang="zh-TW" sz="1000" b="0" i="0" u="none" strike="noStrike" cap="none" normalizeH="0" baseline="0" dirty="0">
+                <a:ln>
+                  <a:noFill/>
+                </a:ln>
+                <a:solidFill>
+                  <a:srgbClr val="C9D1D9"/>
+                </a:solidFill>
+                <a:effectLst/>
+                <a:latin typeface="Arial Unicode MS"/>
+              </a:rPr>
+              <a:t>, </a:t>
+            </a:r>
+            <a:r>
+              <a:rPr kumimoji="0" lang="zh-TW" altLang="zh-TW" sz="1000" b="0" i="0" u="none" strike="noStrike" cap="none" normalizeH="0" baseline="0" dirty="0">
+                <a:ln>
+                  <a:noFill/>
+                </a:ln>
+                <a:solidFill>
+                  <a:srgbClr val="A5D6FF"/>
+                </a:solidFill>
+                <a:effectLst/>
+                <a:latin typeface="Arial Unicode MS"/>
+              </a:rPr>
+              <a:t>'mount[-8,8]couple'</a:t>
+            </a:r>
+            <a:r>
+              <a:rPr kumimoji="0" lang="zh-TW" altLang="zh-TW" sz="1000" b="0" i="0" u="none" strike="noStrike" cap="none" normalizeH="0" baseline="0" dirty="0">
+                <a:ln>
+                  <a:noFill/>
+                </a:ln>
+                <a:solidFill>
+                  <a:srgbClr val="C9D1D9"/>
+                </a:solidFill>
+                <a:effectLst/>
+                <a:latin typeface="Arial Unicode MS"/>
+              </a:rPr>
+              <a:t>],</a:t>
+            </a:r>
+            <a:br>
+              <a:rPr kumimoji="0" lang="zh-TW" altLang="zh-TW" sz="1000" b="0" i="0" u="none" strike="noStrike" cap="none" normalizeH="0" baseline="0" dirty="0">
+                <a:ln>
+                  <a:noFill/>
+                </a:ln>
+                <a:solidFill>
+                  <a:srgbClr val="C9D1D9"/>
+                </a:solidFill>
+                <a:effectLst/>
+                <a:latin typeface="Arial Unicode MS"/>
+              </a:rPr>
+            </a:br>
+            <a:r>
+              <a:rPr kumimoji="0" lang="zh-TW" altLang="zh-TW" sz="1000" b="0" i="0" u="none" strike="noStrike" cap="none" normalizeH="0" baseline="0" dirty="0">
+                <a:ln>
+                  <a:noFill/>
+                </a:ln>
+                <a:solidFill>
+                  <a:srgbClr val="C9D1D9"/>
+                </a:solidFill>
+                <a:effectLst/>
+                <a:latin typeface="Arial Unicode MS"/>
+              </a:rPr>
+              <a:t>        [</a:t>
+            </a:r>
+            <a:r>
+              <a:rPr kumimoji="0" lang="zh-TW" altLang="zh-TW" sz="1000" b="0" i="0" u="none" strike="noStrike" cap="none" normalizeH="0" baseline="0" dirty="0">
+                <a:ln>
+                  <a:noFill/>
+                </a:ln>
+                <a:solidFill>
+                  <a:srgbClr val="A5D6FF"/>
+                </a:solidFill>
+                <a:effectLst/>
+                <a:latin typeface="Arial Unicode MS"/>
+              </a:rPr>
+              <a:t>'maintenance'</a:t>
+            </a:r>
+            <a:r>
+              <a:rPr kumimoji="0" lang="zh-TW" altLang="zh-TW" sz="1000" b="0" i="0" u="none" strike="noStrike" cap="none" normalizeH="0" baseline="0" dirty="0">
+                <a:ln>
+                  <a:noFill/>
+                </a:ln>
+                <a:solidFill>
+                  <a:srgbClr val="C9D1D9"/>
+                </a:solidFill>
+                <a:effectLst/>
+                <a:latin typeface="Arial Unicode MS"/>
+              </a:rPr>
+              <a:t>, </a:t>
+            </a:r>
+            <a:r>
+              <a:rPr kumimoji="0" lang="zh-TW" altLang="zh-TW" sz="1000" b="0" i="0" u="none" strike="noStrike" cap="none" normalizeH="0" baseline="0" dirty="0">
+                <a:ln>
+                  <a:noFill/>
+                </a:ln>
+                <a:solidFill>
+                  <a:srgbClr val="A5D6FF"/>
+                </a:solidFill>
+                <a:effectLst/>
+                <a:latin typeface="Arial Unicode MS"/>
+              </a:rPr>
+              <a:t>'inspect[-8,8]status'</a:t>
+            </a:r>
+            <a:r>
+              <a:rPr kumimoji="0" lang="zh-TW" altLang="zh-TW" sz="1000" b="0" i="0" u="none" strike="noStrike" cap="none" normalizeH="0" baseline="0" dirty="0">
+                <a:ln>
+                  <a:noFill/>
+                </a:ln>
+                <a:solidFill>
+                  <a:srgbClr val="C9D1D9"/>
+                </a:solidFill>
+                <a:effectLst/>
+                <a:latin typeface="Arial Unicode MS"/>
+              </a:rPr>
+              <a:t>, </a:t>
+            </a:r>
+            <a:r>
+              <a:rPr kumimoji="0" lang="zh-TW" altLang="zh-TW" sz="1000" b="0" i="0" u="none" strike="noStrike" cap="none" normalizeH="0" baseline="0" dirty="0">
+                <a:ln>
+                  <a:noFill/>
+                </a:ln>
+                <a:solidFill>
+                  <a:srgbClr val="A5D6FF"/>
+                </a:solidFill>
+                <a:effectLst/>
+                <a:latin typeface="Arial Unicode MS"/>
+              </a:rPr>
+              <a:t>'check[-8,8]status'</a:t>
+            </a:r>
+            <a:r>
+              <a:rPr kumimoji="0" lang="zh-TW" altLang="zh-TW" sz="1000" b="0" i="0" u="none" strike="noStrike" cap="none" normalizeH="0" baseline="0" dirty="0">
+                <a:ln>
+                  <a:noFill/>
+                </a:ln>
+                <a:solidFill>
+                  <a:srgbClr val="C9D1D9"/>
+                </a:solidFill>
+                <a:effectLst/>
+                <a:latin typeface="Arial Unicode MS"/>
+              </a:rPr>
+              <a:t>, </a:t>
+            </a:r>
+            <a:r>
+              <a:rPr kumimoji="0" lang="zh-TW" altLang="zh-TW" sz="1000" b="0" i="0" u="none" strike="noStrike" cap="none" normalizeH="0" baseline="0" dirty="0">
+                <a:ln>
+                  <a:noFill/>
+                </a:ln>
+                <a:solidFill>
+                  <a:srgbClr val="A5D6FF"/>
+                </a:solidFill>
+                <a:effectLst/>
+                <a:latin typeface="Arial Unicode MS"/>
+              </a:rPr>
+              <a:t>'monitor[-8,8]status'</a:t>
+            </a:r>
+            <a:r>
+              <a:rPr kumimoji="0" lang="zh-TW" altLang="zh-TW" sz="1000" b="0" i="0" u="none" strike="noStrike" cap="none" normalizeH="0" baseline="0" dirty="0">
+                <a:ln>
+                  <a:noFill/>
+                </a:ln>
+                <a:solidFill>
+                  <a:srgbClr val="C9D1D9"/>
+                </a:solidFill>
+                <a:effectLst/>
+                <a:latin typeface="Arial Unicode MS"/>
+              </a:rPr>
+              <a:t>, </a:t>
+            </a:r>
+            <a:r>
+              <a:rPr kumimoji="0" lang="zh-TW" altLang="zh-TW" sz="1000" b="0" i="0" u="none" strike="noStrike" cap="none" normalizeH="0" baseline="0" dirty="0">
+                <a:ln>
+                  <a:noFill/>
+                </a:ln>
+                <a:solidFill>
+                  <a:srgbClr val="A5D6FF"/>
+                </a:solidFill>
+                <a:effectLst/>
+                <a:latin typeface="Arial Unicode MS"/>
+              </a:rPr>
+              <a:t>'minitor[-8,8]condition'</a:t>
+            </a:r>
+            <a:r>
+              <a:rPr kumimoji="0" lang="zh-TW" altLang="zh-TW" sz="1000" b="0" i="0" u="none" strike="noStrike" cap="none" normalizeH="0" baseline="0" dirty="0">
+                <a:ln>
+                  <a:noFill/>
+                </a:ln>
+                <a:solidFill>
+                  <a:srgbClr val="C9D1D9"/>
+                </a:solidFill>
+                <a:effectLst/>
+                <a:latin typeface="Arial Unicode MS"/>
+              </a:rPr>
+              <a:t>],</a:t>
+            </a:r>
+            <a:br>
+              <a:rPr kumimoji="0" lang="zh-TW" altLang="zh-TW" sz="1000" b="0" i="0" u="none" strike="noStrike" cap="none" normalizeH="0" baseline="0" dirty="0">
+                <a:ln>
+                  <a:noFill/>
+                </a:ln>
+                <a:solidFill>
+                  <a:srgbClr val="C9D1D9"/>
+                </a:solidFill>
+                <a:effectLst/>
+                <a:latin typeface="Arial Unicode MS"/>
+              </a:rPr>
+            </a:br>
+            <a:r>
+              <a:rPr kumimoji="0" lang="zh-TW" altLang="zh-TW" sz="1000" b="0" i="0" u="none" strike="noStrike" cap="none" normalizeH="0" baseline="0" dirty="0">
+                <a:ln>
+                  <a:noFill/>
+                </a:ln>
+                <a:solidFill>
+                  <a:srgbClr val="C9D1D9"/>
+                </a:solidFill>
+                <a:effectLst/>
+                <a:latin typeface="Arial Unicode MS"/>
+              </a:rPr>
+              <a:t>]</a:t>
+            </a:r>
+            <a:endParaRPr kumimoji="0" lang="zh-TW" altLang="zh-TW" sz="1800" b="0" i="0" u="none" strike="noStrike" cap="none" normalizeH="0" baseline="0" dirty="0">
+              <a:ln>
+                <a:noFill/>
+              </a:ln>
+              <a:solidFill>
+                <a:schemeClr val="tx1"/>
+              </a:solidFill>
+              <a:effectLst/>
+              <a:latin typeface="Arial" panose="020B0604020202020204" pitchFamily="34" charset="0"/>
+            </a:endParaRPr>
+          </a:p>
+        </p:txBody>
+      </p:sp>
+      <p:pic>
+        <p:nvPicPr>
+          <p:cNvPr id="3" name="圖片 2">
+            <a:extLst>
+              <a:ext uri="{FF2B5EF4-FFF2-40B4-BE49-F238E27FC236}">
+                <a16:creationId xmlns:a16="http://schemas.microsoft.com/office/drawing/2014/main" id="{7BDE26B6-5FD6-990A-53FD-A066D3CBE238}"/>
+              </a:ext>
+            </a:extLst>
+          </p:cNvPr>
+          <p:cNvPicPr>
+            <a:picLocks noChangeAspect="1"/>
+          </p:cNvPicPr>
+          <p:nvPr/>
+        </p:nvPicPr>
+        <p:blipFill>
+          <a:blip r:embed="rId3" cstate="screen">
+            <a:extLst>
+              <a:ext uri="{28A0092B-C50C-407E-A947-70E740481C1C}">
+                <a14:useLocalDpi xmlns:a14="http://schemas.microsoft.com/office/drawing/2010/main"/>
+              </a:ext>
+            </a:extLst>
+          </a:blip>
+          <a:stretch>
+            <a:fillRect/>
+          </a:stretch>
+        </p:blipFill>
+        <p:spPr>
+          <a:xfrm>
+            <a:off x="7041232" y="2796310"/>
+            <a:ext cx="2731917" cy="2664296"/>
+          </a:xfrm>
+          <a:prstGeom prst="rect">
+            <a:avLst/>
+          </a:prstGeom>
+        </p:spPr>
+      </p:pic>
     </p:spTree>
     <p:extLst>
       <p:ext uri="{BB962C8B-B14F-4D97-AF65-F5344CB8AC3E}">
-        <p14:creationId xmlns:p14="http://schemas.microsoft.com/office/powerpoint/2010/main" val="3865093579"/>
+        <p14:creationId xmlns:p14="http://schemas.microsoft.com/office/powerpoint/2010/main" val="3808033372"/>
       </p:ext>
     </p:extLst>
   </p:cSld>
@@ -42008,7 +43704,7 @@
                   <a:srgbClr val="002060"/>
                 </a:solidFill>
               </a:rPr>
-              <a:t>統計頻次</a:t>
+              <a:t>歸納技術領域</a:t>
             </a:r>
             <a:endParaRPr lang="zh-TW" altLang="en-US" sz="3600" b="1" dirty="0">
               <a:solidFill>
@@ -42288,7 +43984,7 @@
         <p:spPr>
           <a:xfrm>
             <a:off x="344488" y="1772816"/>
-            <a:ext cx="9001000" cy="846386"/>
+            <a:ext cx="9001000" cy="4039567"/>
           </a:xfrm>
           <a:prstGeom prst="rect">
             <a:avLst/>
@@ -42310,2023 +44006,335 @@
             </a:pPr>
             <a:r>
               <a:rPr lang="zh-CN" altLang="en-US" sz="1600" dirty="0"/>
-              <a:t>根據各領域的</a:t>
+              <a:t>使用</a:t>
             </a:r>
             <a:r>
               <a:rPr lang="en-US" altLang="zh-CN" sz="1600" dirty="0"/>
-              <a:t>keyword,</a:t>
+              <a:t>ChatGPT</a:t>
             </a:r>
             <a:r>
               <a:rPr lang="zh-CN" altLang="en-US" sz="1600" dirty="0"/>
-              <a:t> 統計頻次：</a:t>
-            </a:r>
-            <a:endParaRPr lang="en-US" altLang="zh-CN" sz="1600" dirty="0"/>
-          </a:p>
-          <a:p>
-            <a:pPr marL="285750" indent="-285750">
+              <a:t>，根據</a:t>
+            </a:r>
+            <a:r>
+              <a:rPr lang="en-US" altLang="zh-CN" sz="1600" dirty="0"/>
+              <a:t>100</a:t>
+            </a:r>
+            <a:r>
+              <a:rPr lang="zh-CN" altLang="en-US" sz="1600" dirty="0"/>
+              <a:t>個高頻詞，對</a:t>
+            </a:r>
+            <a:r>
+              <a:rPr lang="en-US" altLang="zh-CN" sz="1600" dirty="0"/>
+              <a:t>6,988</a:t>
+            </a:r>
+            <a:r>
+              <a:rPr lang="zh-CN" altLang="en-US" sz="1600" dirty="0"/>
+              <a:t>項專利，歸納為</a:t>
+            </a:r>
+            <a:r>
+              <a:rPr lang="en-US" altLang="zh-CN" sz="1600" dirty="0"/>
+              <a:t>12</a:t>
+            </a:r>
+            <a:r>
+              <a:rPr lang="zh-CN" altLang="en-US" sz="1600" dirty="0"/>
+              <a:t>個技術領域和相關</a:t>
+            </a:r>
+            <a:r>
+              <a:rPr lang="en-US" altLang="zh-CN" sz="1600" dirty="0"/>
+              <a:t>keywords</a:t>
+            </a:r>
+            <a:r>
+              <a:rPr lang="zh-CN" altLang="en-US" sz="1600" dirty="0"/>
+              <a:t>：</a:t>
+            </a:r>
+            <a:endParaRPr lang="en-US" altLang="zh-TW" sz="1600" dirty="0"/>
+          </a:p>
+          <a:p>
+            <a:pPr>
               <a:spcAft>
                 <a:spcPts val="300"/>
               </a:spcAft>
-              <a:buFont typeface="Arial" panose="020B0604020202020204" pitchFamily="34" charset="0"/>
-              <a:buChar char="•"/>
             </a:pPr>
             <a:endParaRPr lang="en-US" altLang="zh-TW" sz="1600" dirty="0"/>
           </a:p>
           <a:p>
-            <a:pPr marL="285750" indent="-285750">
+            <a:pPr marL="342900" indent="-342900">
               <a:spcAft>
                 <a:spcPts val="300"/>
               </a:spcAft>
-              <a:buFont typeface="Arial" panose="020B0604020202020204" pitchFamily="34" charset="0"/>
-              <a:buChar char="•"/>
+              <a:buFont typeface="+mj-lt"/>
+              <a:buAutoNum type="arabicPeriod"/>
+              <a:tabLst>
+                <a:tab pos="1882775" algn="l"/>
+              </a:tabLst>
             </a:pPr>
             <a:r>
-              <a:rPr lang="en-US" altLang="zh-CN" sz="1200" dirty="0">
-                <a:hlinkClick r:id="rId2"/>
-              </a:rPr>
-              <a:t>https://github.com/fu402138670/Patent_Analysis/blob/main/Presentation1/keywords_count.py</a:t>
-            </a:r>
-            <a:r>
-              <a:rPr lang="en-US" altLang="zh-CN" sz="1200" dirty="0"/>
-              <a:t> </a:t>
-            </a:r>
-            <a:endParaRPr lang="en-US" altLang="zh-TW" sz="1200" dirty="0"/>
+              <a:rPr lang="zh-TW" altLang="en-US" sz="1600" dirty="0">
+                <a:highlight>
+                  <a:srgbClr val="FFFF00"/>
+                </a:highlight>
+              </a:rPr>
+              <a:t>自動控制系統</a:t>
+            </a:r>
+            <a:r>
+              <a:rPr lang="en-US" altLang="zh-TW" sz="1600" dirty="0"/>
+              <a:t>: 	control, autonomous, system, processor, operate, configure</a:t>
+            </a:r>
+          </a:p>
+          <a:p>
+            <a:pPr marL="342900" indent="-342900">
+              <a:spcAft>
+                <a:spcPts val="300"/>
+              </a:spcAft>
+              <a:buFont typeface="+mj-lt"/>
+              <a:buAutoNum type="arabicPeriod"/>
+              <a:tabLst>
+                <a:tab pos="1882775" algn="l"/>
+              </a:tabLst>
+            </a:pPr>
+            <a:r>
+              <a:rPr lang="zh-TW" altLang="en-US" sz="1600" dirty="0">
+                <a:highlight>
+                  <a:srgbClr val="FFFF00"/>
+                </a:highlight>
+              </a:rPr>
+              <a:t>影像處理和分析</a:t>
+            </a:r>
+            <a:r>
+              <a:rPr lang="en-US" altLang="zh-TW" sz="1600" dirty="0"/>
+              <a:t>:	image, camera, process, capture, video, analyze</a:t>
+            </a:r>
+          </a:p>
+          <a:p>
+            <a:pPr marL="342900" indent="-342900">
+              <a:spcAft>
+                <a:spcPts val="300"/>
+              </a:spcAft>
+              <a:buFont typeface="+mj-lt"/>
+              <a:buAutoNum type="arabicPeriod"/>
+              <a:tabLst>
+                <a:tab pos="1882775" algn="l"/>
+              </a:tabLst>
+            </a:pPr>
+            <a:r>
+              <a:rPr lang="zh-TW" altLang="en-US" sz="1600" dirty="0">
+                <a:highlight>
+                  <a:srgbClr val="FFFF00"/>
+                </a:highlight>
+              </a:rPr>
+              <a:t>飛行</a:t>
+            </a:r>
+            <a:r>
+              <a:rPr lang="zh-CN" altLang="en-US" sz="1600" dirty="0">
+                <a:highlight>
+                  <a:srgbClr val="FFFF00"/>
+                </a:highlight>
+                <a:latin typeface="細明體" panose="02020509000000000000" pitchFamily="49" charset="-120"/>
+                <a:ea typeface="細明體" panose="02020509000000000000" pitchFamily="49" charset="-120"/>
+              </a:rPr>
+              <a:t>路徑</a:t>
+            </a:r>
+            <a:r>
+              <a:rPr lang="zh-TW" altLang="en-US" sz="1600" dirty="0">
+                <a:highlight>
+                  <a:srgbClr val="FFFF00"/>
+                </a:highlight>
+              </a:rPr>
+              <a:t>優化</a:t>
+            </a:r>
+            <a:r>
+              <a:rPr lang="en-US" altLang="zh-TW" sz="1600" dirty="0"/>
+              <a:t>: 	position, direction, navigation, area, model, station</a:t>
+            </a:r>
+          </a:p>
+          <a:p>
+            <a:pPr marL="342900" indent="-342900">
+              <a:spcAft>
+                <a:spcPts val="300"/>
+              </a:spcAft>
+              <a:buFont typeface="+mj-lt"/>
+              <a:buAutoNum type="arabicPeriod"/>
+              <a:tabLst>
+                <a:tab pos="1882775" algn="l"/>
+              </a:tabLst>
+            </a:pPr>
+            <a:r>
+              <a:rPr lang="zh-TW" altLang="en-US" sz="1600" dirty="0"/>
+              <a:t>能源效率管理</a:t>
+            </a:r>
+            <a:r>
+              <a:rPr lang="en-US" altLang="zh-TW" sz="1600" dirty="0"/>
+              <a:t>: 	power, energy, manage, battery, efficiency, storage</a:t>
+            </a:r>
+          </a:p>
+          <a:p>
+            <a:pPr marL="342900" indent="-342900">
+              <a:spcAft>
+                <a:spcPts val="300"/>
+              </a:spcAft>
+              <a:buFont typeface="+mj-lt"/>
+              <a:buAutoNum type="arabicPeriod"/>
+              <a:tabLst>
+                <a:tab pos="1882775" algn="l"/>
+              </a:tabLst>
+            </a:pPr>
+            <a:r>
+              <a:rPr lang="zh-TW" altLang="en-US" sz="1600" dirty="0"/>
+              <a:t>無線通訊系統</a:t>
+            </a:r>
+            <a:r>
+              <a:rPr lang="en-US" altLang="zh-TW" sz="1600" dirty="0"/>
+              <a:t>: 	communication, transmit, receive, network, wireless, data</a:t>
+            </a:r>
+          </a:p>
+          <a:p>
+            <a:pPr marL="342900" indent="-342900">
+              <a:spcAft>
+                <a:spcPts val="300"/>
+              </a:spcAft>
+              <a:buFont typeface="+mj-lt"/>
+              <a:buAutoNum type="arabicPeriod"/>
+              <a:tabLst>
+                <a:tab pos="1882775" algn="l"/>
+              </a:tabLst>
+            </a:pPr>
+            <a:r>
+              <a:rPr lang="zh-TW" altLang="en-US" sz="1600" dirty="0"/>
+              <a:t>多機協作</a:t>
+            </a:r>
+            <a:r>
+              <a:rPr lang="en-US" altLang="zh-TW" sz="1600" dirty="0"/>
+              <a:t>: 	network, system, module, collaborate, coordinate, integrate</a:t>
+            </a:r>
+          </a:p>
+          <a:p>
+            <a:pPr marL="342900" indent="-342900">
+              <a:spcAft>
+                <a:spcPts val="300"/>
+              </a:spcAft>
+              <a:buFont typeface="+mj-lt"/>
+              <a:buAutoNum type="arabicPeriod"/>
+              <a:tabLst>
+                <a:tab pos="1882775" algn="l"/>
+              </a:tabLst>
+            </a:pPr>
+            <a:r>
+              <a:rPr lang="zh-TW" altLang="en-US" sz="1600" dirty="0"/>
+              <a:t>避障技術</a:t>
+            </a:r>
+            <a:r>
+              <a:rPr lang="en-US" altLang="zh-TW" sz="1600" dirty="0"/>
+              <a:t>: 	sensor, detect, field, camera, image, signal</a:t>
+            </a:r>
+          </a:p>
+          <a:p>
+            <a:pPr marL="342900" indent="-342900">
+              <a:spcAft>
+                <a:spcPts val="300"/>
+              </a:spcAft>
+              <a:buFont typeface="+mj-lt"/>
+              <a:buAutoNum type="arabicPeriod"/>
+              <a:tabLst>
+                <a:tab pos="1882775" algn="l"/>
+              </a:tabLst>
+            </a:pPr>
+            <a:r>
+              <a:rPr lang="zh-TW" altLang="en-US" sz="1600" dirty="0"/>
+              <a:t>遙控和飛行模式</a:t>
+            </a:r>
+            <a:r>
+              <a:rPr lang="en-US" altLang="zh-TW" sz="1600" dirty="0"/>
+              <a:t>:	remote, control, autonomous, system, operate, mode</a:t>
+            </a:r>
+            <a:endParaRPr lang="zh-TW" altLang="en-US" sz="1600" dirty="0"/>
+          </a:p>
+          <a:p>
+            <a:pPr marL="342900" indent="-342900">
+              <a:spcAft>
+                <a:spcPts val="300"/>
+              </a:spcAft>
+              <a:buFont typeface="+mj-lt"/>
+              <a:buAutoNum type="arabicPeriod"/>
+              <a:tabLst>
+                <a:tab pos="1882775" algn="l"/>
+              </a:tabLst>
+            </a:pPr>
+            <a:r>
+              <a:rPr lang="zh-TW" altLang="en-US" sz="1600" dirty="0"/>
+              <a:t>環境感知能力</a:t>
+            </a:r>
+            <a:r>
+              <a:rPr lang="en-US" altLang="zh-TW" sz="1600" dirty="0"/>
+              <a:t>: 	sensor, environment, detect, area, field, monitor</a:t>
+            </a:r>
+          </a:p>
+          <a:p>
+            <a:pPr marL="342900" indent="-342900">
+              <a:spcAft>
+                <a:spcPts val="300"/>
+              </a:spcAft>
+              <a:buFont typeface="+mj-lt"/>
+              <a:buAutoNum type="arabicPeriod"/>
+              <a:tabLst>
+                <a:tab pos="1882775" algn="l"/>
+              </a:tabLst>
+            </a:pPr>
+            <a:r>
+              <a:rPr lang="zh-TW" altLang="en-US" sz="1600" dirty="0"/>
+              <a:t>自動起降技術</a:t>
+            </a:r>
+            <a:r>
+              <a:rPr lang="en-US" altLang="zh-TW" sz="1600" dirty="0"/>
+              <a:t>: 	land, autonomous, control, system, navigate, station</a:t>
+            </a:r>
+          </a:p>
+          <a:p>
+            <a:pPr marL="342900" indent="-342900">
+              <a:spcAft>
+                <a:spcPts val="300"/>
+              </a:spcAft>
+              <a:buFont typeface="+mj-lt"/>
+              <a:buAutoNum type="arabicPeriod"/>
+              <a:tabLst>
+                <a:tab pos="1882775" algn="l"/>
+              </a:tabLst>
+            </a:pPr>
+            <a:r>
+              <a:rPr lang="zh-TW" altLang="en-US" sz="1600" dirty="0"/>
+              <a:t>負載調整技術</a:t>
+            </a:r>
+            <a:r>
+              <a:rPr lang="en-US" altLang="zh-TW" sz="1600" dirty="0"/>
+              <a:t>: 	load, mount, adjust, balance, fix, couple</a:t>
+            </a:r>
+          </a:p>
+          <a:p>
+            <a:pPr marL="342900" indent="-342900">
+              <a:spcAft>
+                <a:spcPts val="300"/>
+              </a:spcAft>
+              <a:buFont typeface="+mj-lt"/>
+              <a:buAutoNum type="arabicPeriod"/>
+              <a:tabLst>
+                <a:tab pos="1882775" algn="l"/>
+              </a:tabLst>
+            </a:pPr>
+            <a:r>
+              <a:rPr lang="zh-TW" altLang="en-US" sz="1600" dirty="0"/>
+              <a:t>維修和健康監測</a:t>
+            </a:r>
+            <a:r>
+              <a:rPr lang="en-US" altLang="zh-TW" sz="1600" dirty="0"/>
+              <a:t>:	maintenance, inspect, check, monitor, condition, status</a:t>
+            </a:r>
           </a:p>
         </p:txBody>
       </p:sp>
-      <p:sp>
-        <p:nvSpPr>
-          <p:cNvPr id="2" name="Rectangle 1">
-            <a:extLst>
-              <a:ext uri="{FF2B5EF4-FFF2-40B4-BE49-F238E27FC236}">
-                <a16:creationId xmlns:a16="http://schemas.microsoft.com/office/drawing/2014/main" id="{26A0E351-57CA-3C54-3BB0-6F8DF66980DE}"/>
-              </a:ext>
-            </a:extLst>
-          </p:cNvPr>
-          <p:cNvSpPr>
-            <a:spLocks noChangeArrowheads="1"/>
-          </p:cNvSpPr>
-          <p:nvPr/>
-        </p:nvSpPr>
-        <p:spPr bwMode="auto">
-          <a:xfrm>
-            <a:off x="272480" y="2780928"/>
-            <a:ext cx="6624736" cy="2664296"/>
-          </a:xfrm>
-          <a:prstGeom prst="rect">
-            <a:avLst/>
-          </a:prstGeom>
-          <a:solidFill>
-            <a:srgbClr val="0D1117"/>
-          </a:solidFill>
-          <a:ln>
-            <a:noFill/>
-          </a:ln>
-          <a:effectLst/>
-          <a:extLst>
-            <a:ext uri="{91240B29-F687-4F45-9708-019B960494DF}">
-              <a14:hiddenLine xmlns:a14="http://schemas.microsoft.com/office/drawing/2010/main" w="9525">
-                <a:solidFill>
-                  <a:schemeClr val="tx1"/>
-                </a:solidFill>
-                <a:miter lim="800000"/>
-                <a:headEnd/>
-                <a:tailEnd/>
-              </a14:hiddenLine>
-            </a:ext>
-            <a:ext uri="{AF507438-7753-43E0-B8FC-AC1667EBCBE1}">
-              <a14:hiddenEffects xmlns:a14="http://schemas.microsoft.com/office/drawing/2010/main">
-                <a:effectLst>
-                  <a:outerShdw dist="35921" dir="2700000" algn="ctr" rotWithShape="0">
-                    <a:schemeClr val="bg2"/>
-                  </a:outerShdw>
-                </a:effectLst>
-              </a14:hiddenEffects>
-            </a:ext>
-          </a:extLst>
-        </p:spPr>
-        <p:txBody>
-          <a:bodyPr vert="horz" wrap="none" lIns="91440" tIns="45720" rIns="91440" bIns="45720" numCol="1" anchor="ctr" anchorCtr="0" compatLnSpc="1">
-            <a:prstTxWarp prst="textNoShape">
-              <a:avLst/>
-            </a:prstTxWarp>
-            <a:noAutofit/>
-          </a:bodyPr>
-          <a:lstStyle/>
-          <a:p>
-            <a:pPr marL="0" marR="0" lvl="0" indent="0" algn="l" defTabSz="914400" rtl="0" eaLnBrk="0" fontAlgn="base" latinLnBrk="0" hangingPunct="0">
-              <a:lnSpc>
-                <a:spcPct val="100000"/>
-              </a:lnSpc>
-              <a:spcBef>
-                <a:spcPct val="0"/>
-              </a:spcBef>
-              <a:spcAft>
-                <a:spcPct val="0"/>
-              </a:spcAft>
-              <a:buClrTx/>
-              <a:buSzTx/>
-              <a:buFontTx/>
-              <a:buNone/>
-              <a:tabLst/>
-            </a:pPr>
-            <a:r>
-              <a:rPr kumimoji="0" lang="zh-TW" altLang="zh-TW" sz="1000" b="0" i="0" u="none" strike="noStrike" cap="none" normalizeH="0" baseline="0" dirty="0">
-                <a:ln>
-                  <a:noFill/>
-                </a:ln>
-                <a:solidFill>
-                  <a:srgbClr val="C9D1D9"/>
-                </a:solidFill>
-                <a:effectLst/>
-                <a:latin typeface="Arial Unicode MS"/>
-              </a:rPr>
-              <a:t>keyword_patterns </a:t>
-            </a:r>
-            <a:r>
-              <a:rPr kumimoji="0" lang="zh-TW" altLang="zh-TW" sz="1000" b="0" i="0" u="none" strike="noStrike" cap="none" normalizeH="0" baseline="0" dirty="0">
-                <a:ln>
-                  <a:noFill/>
-                </a:ln>
-                <a:solidFill>
-                  <a:srgbClr val="FF7B72"/>
-                </a:solidFill>
-                <a:effectLst/>
-                <a:latin typeface="Arial Unicode MS"/>
-              </a:rPr>
-              <a:t>= </a:t>
-            </a:r>
-            <a:r>
-              <a:rPr kumimoji="0" lang="zh-TW" altLang="zh-TW" sz="1000" b="0" i="0" u="none" strike="noStrike" cap="none" normalizeH="0" baseline="0" dirty="0">
-                <a:ln>
-                  <a:noFill/>
-                </a:ln>
-                <a:solidFill>
-                  <a:srgbClr val="C9D1D9"/>
-                </a:solidFill>
-                <a:effectLst/>
-                <a:latin typeface="Arial Unicode MS"/>
-              </a:rPr>
-              <a:t>[</a:t>
-            </a:r>
-            <a:br>
-              <a:rPr kumimoji="0" lang="zh-TW" altLang="zh-TW" sz="1000" b="0" i="0" u="none" strike="noStrike" cap="none" normalizeH="0" baseline="0" dirty="0">
-                <a:ln>
-                  <a:noFill/>
-                </a:ln>
-                <a:solidFill>
-                  <a:srgbClr val="C9D1D9"/>
-                </a:solidFill>
-                <a:effectLst/>
-                <a:latin typeface="Arial Unicode MS"/>
-              </a:rPr>
-            </a:br>
-            <a:r>
-              <a:rPr kumimoji="0" lang="zh-TW" altLang="zh-TW" sz="1000" b="0" i="0" u="none" strike="noStrike" cap="none" normalizeH="0" baseline="0" dirty="0">
-                <a:ln>
-                  <a:noFill/>
-                </a:ln>
-                <a:solidFill>
-                  <a:srgbClr val="C9D1D9"/>
-                </a:solidFill>
-                <a:effectLst/>
-                <a:latin typeface="Arial Unicode MS"/>
-              </a:rPr>
-              <a:t>        [</a:t>
-            </a:r>
-            <a:r>
-              <a:rPr kumimoji="0" lang="zh-TW" altLang="zh-TW" sz="1000" b="0" i="0" u="none" strike="noStrike" cap="none" normalizeH="0" baseline="0" dirty="0">
-                <a:ln>
-                  <a:noFill/>
-                </a:ln>
-                <a:solidFill>
-                  <a:srgbClr val="A5D6FF"/>
-                </a:solidFill>
-                <a:effectLst/>
-                <a:latin typeface="Arial Unicode MS"/>
-              </a:rPr>
-              <a:t>'control[-8,8]system[-8,8]autonomous[-8,8]system[-8,8]control[-8,8]configure'</a:t>
-            </a:r>
-            <a:r>
-              <a:rPr kumimoji="0" lang="zh-TW" altLang="zh-TW" sz="1000" b="0" i="0" u="none" strike="noStrike" cap="none" normalizeH="0" baseline="0" dirty="0">
-                <a:ln>
-                  <a:noFill/>
-                </a:ln>
-                <a:solidFill>
-                  <a:srgbClr val="C9D1D9"/>
-                </a:solidFill>
-                <a:effectLst/>
-                <a:latin typeface="Arial Unicode MS"/>
-              </a:rPr>
-              <a:t>, </a:t>
-            </a:r>
-            <a:r>
-              <a:rPr kumimoji="0" lang="zh-TW" altLang="zh-TW" sz="1000" b="0" i="0" u="none" strike="noStrike" cap="none" normalizeH="0" baseline="0" dirty="0">
-                <a:ln>
-                  <a:noFill/>
-                </a:ln>
-                <a:solidFill>
-                  <a:srgbClr val="A5D6FF"/>
-                </a:solidFill>
-                <a:effectLst/>
-                <a:latin typeface="Arial Unicode MS"/>
-              </a:rPr>
-              <a:t>'processor[-8,8]configure'</a:t>
-            </a:r>
-            <a:r>
-              <a:rPr kumimoji="0" lang="zh-TW" altLang="zh-TW" sz="1000" b="0" i="0" u="none" strike="noStrike" cap="none" normalizeH="0" baseline="0" dirty="0">
-                <a:ln>
-                  <a:noFill/>
-                </a:ln>
-                <a:solidFill>
-                  <a:srgbClr val="C9D1D9"/>
-                </a:solidFill>
-                <a:effectLst/>
-                <a:latin typeface="Arial Unicode MS"/>
-              </a:rPr>
-              <a:t>,</a:t>
-            </a:r>
-            <a:br>
-              <a:rPr kumimoji="0" lang="zh-TW" altLang="zh-TW" sz="1000" b="0" i="0" u="none" strike="noStrike" cap="none" normalizeH="0" baseline="0" dirty="0">
-                <a:ln>
-                  <a:noFill/>
-                </a:ln>
-                <a:solidFill>
-                  <a:srgbClr val="C9D1D9"/>
-                </a:solidFill>
-                <a:effectLst/>
-                <a:latin typeface="Arial Unicode MS"/>
-              </a:rPr>
-            </a:br>
-            <a:r>
-              <a:rPr kumimoji="0" lang="zh-TW" altLang="zh-TW" sz="1000" b="0" i="0" u="none" strike="noStrike" cap="none" normalizeH="0" baseline="0" dirty="0">
-                <a:ln>
-                  <a:noFill/>
-                </a:ln>
-                <a:solidFill>
-                  <a:srgbClr val="C9D1D9"/>
-                </a:solidFill>
-                <a:effectLst/>
-                <a:latin typeface="Arial Unicode MS"/>
-              </a:rPr>
-              <a:t>         </a:t>
-            </a:r>
-            <a:r>
-              <a:rPr kumimoji="0" lang="zh-TW" altLang="zh-TW" sz="1000" b="0" i="0" u="none" strike="noStrike" cap="none" normalizeH="0" baseline="0" dirty="0">
-                <a:ln>
-                  <a:noFill/>
-                </a:ln>
-                <a:solidFill>
-                  <a:srgbClr val="A5D6FF"/>
-                </a:solidFill>
-                <a:effectLst/>
-                <a:latin typeface="Arial Unicode MS"/>
-              </a:rPr>
-              <a:t>'operate[-8,8]system'</a:t>
-            </a:r>
-            <a:r>
-              <a:rPr kumimoji="0" lang="zh-TW" altLang="zh-TW" sz="1000" b="0" i="0" u="none" strike="noStrike" cap="none" normalizeH="0" baseline="0" dirty="0">
-                <a:ln>
-                  <a:noFill/>
-                </a:ln>
-                <a:solidFill>
-                  <a:srgbClr val="C9D1D9"/>
-                </a:solidFill>
-                <a:effectLst/>
-                <a:latin typeface="Arial Unicode MS"/>
-              </a:rPr>
-              <a:t>],</a:t>
-            </a:r>
-            <a:br>
-              <a:rPr kumimoji="0" lang="zh-TW" altLang="zh-TW" sz="1000" b="0" i="0" u="none" strike="noStrike" cap="none" normalizeH="0" baseline="0" dirty="0">
-                <a:ln>
-                  <a:noFill/>
-                </a:ln>
-                <a:solidFill>
-                  <a:srgbClr val="C9D1D9"/>
-                </a:solidFill>
-                <a:effectLst/>
-                <a:latin typeface="Arial Unicode MS"/>
-              </a:rPr>
-            </a:br>
-            <a:r>
-              <a:rPr kumimoji="0" lang="zh-TW" altLang="zh-TW" sz="1000" b="0" i="0" u="none" strike="noStrike" cap="none" normalizeH="0" baseline="0" dirty="0">
-                <a:ln>
-                  <a:noFill/>
-                </a:ln>
-                <a:solidFill>
-                  <a:srgbClr val="C9D1D9"/>
-                </a:solidFill>
-                <a:effectLst/>
-                <a:latin typeface="Arial Unicode MS"/>
-              </a:rPr>
-              <a:t>        [</a:t>
-            </a:r>
-            <a:r>
-              <a:rPr kumimoji="0" lang="zh-TW" altLang="zh-TW" sz="1000" b="0" i="0" u="none" strike="noStrike" cap="none" normalizeH="0" baseline="0" dirty="0">
-                <a:ln>
-                  <a:noFill/>
-                </a:ln>
-                <a:solidFill>
-                  <a:srgbClr val="A5D6FF"/>
-                </a:solidFill>
-                <a:effectLst/>
-                <a:latin typeface="Arial Unicode MS"/>
-              </a:rPr>
-              <a:t>'image[-8,8]process'</a:t>
-            </a:r>
-            <a:r>
-              <a:rPr kumimoji="0" lang="zh-TW" altLang="zh-TW" sz="1000" b="0" i="0" u="none" strike="noStrike" cap="none" normalizeH="0" baseline="0" dirty="0">
-                <a:ln>
-                  <a:noFill/>
-                </a:ln>
-                <a:solidFill>
-                  <a:srgbClr val="C9D1D9"/>
-                </a:solidFill>
-                <a:effectLst/>
-                <a:latin typeface="Arial Unicode MS"/>
-              </a:rPr>
-              <a:t>, </a:t>
-            </a:r>
-            <a:r>
-              <a:rPr kumimoji="0" lang="zh-TW" altLang="zh-TW" sz="1000" b="0" i="0" u="none" strike="noStrike" cap="none" normalizeH="0" baseline="0" dirty="0">
-                <a:ln>
-                  <a:noFill/>
-                </a:ln>
-                <a:solidFill>
-                  <a:srgbClr val="A5D6FF"/>
-                </a:solidFill>
-                <a:effectLst/>
-                <a:latin typeface="Arial Unicode MS"/>
-              </a:rPr>
-              <a:t>'camera[-8,8]process'</a:t>
-            </a:r>
-            <a:r>
-              <a:rPr kumimoji="0" lang="zh-TW" altLang="zh-TW" sz="1000" b="0" i="0" u="none" strike="noStrike" cap="none" normalizeH="0" baseline="0" dirty="0">
-                <a:ln>
-                  <a:noFill/>
-                </a:ln>
-                <a:solidFill>
-                  <a:srgbClr val="C9D1D9"/>
-                </a:solidFill>
-                <a:effectLst/>
-                <a:latin typeface="Arial Unicode MS"/>
-              </a:rPr>
-              <a:t>, </a:t>
-            </a:r>
-            <a:r>
-              <a:rPr kumimoji="0" lang="zh-TW" altLang="zh-TW" sz="1000" b="0" i="0" u="none" strike="noStrike" cap="none" normalizeH="0" baseline="0" dirty="0">
-                <a:ln>
-                  <a:noFill/>
-                </a:ln>
-                <a:solidFill>
-                  <a:srgbClr val="A5D6FF"/>
-                </a:solidFill>
-                <a:effectLst/>
-                <a:latin typeface="Arial Unicode MS"/>
-              </a:rPr>
-              <a:t>'image[-8,8]capture[-8,8]video[-8,8]process'</a:t>
-            </a:r>
-            <a:r>
-              <a:rPr kumimoji="0" lang="zh-TW" altLang="zh-TW" sz="1000" b="0" i="0" u="none" strike="noStrike" cap="none" normalizeH="0" baseline="0" dirty="0">
-                <a:ln>
-                  <a:noFill/>
-                </a:ln>
-                <a:solidFill>
-                  <a:srgbClr val="C9D1D9"/>
-                </a:solidFill>
-                <a:effectLst/>
-                <a:latin typeface="Arial Unicode MS"/>
-              </a:rPr>
-              <a:t>, </a:t>
-            </a:r>
-            <a:r>
-              <a:rPr kumimoji="0" lang="zh-TW" altLang="zh-TW" sz="1000" b="0" i="0" u="none" strike="noStrike" cap="none" normalizeH="0" baseline="0" dirty="0">
-                <a:ln>
-                  <a:noFill/>
-                </a:ln>
-                <a:solidFill>
-                  <a:srgbClr val="A5D6FF"/>
-                </a:solidFill>
-                <a:effectLst/>
-                <a:latin typeface="Arial Unicode MS"/>
-              </a:rPr>
-              <a:t>'image[-8,8]analyze'</a:t>
-            </a:r>
-            <a:r>
-              <a:rPr kumimoji="0" lang="zh-TW" altLang="zh-TW" sz="1000" b="0" i="0" u="none" strike="noStrike" cap="none" normalizeH="0" baseline="0" dirty="0">
-                <a:ln>
-                  <a:noFill/>
-                </a:ln>
-                <a:solidFill>
-                  <a:srgbClr val="C9D1D9"/>
-                </a:solidFill>
-                <a:effectLst/>
-                <a:latin typeface="Arial Unicode MS"/>
-              </a:rPr>
-              <a:t>],</a:t>
-            </a:r>
-            <a:br>
-              <a:rPr kumimoji="0" lang="zh-TW" altLang="zh-TW" sz="1000" b="0" i="0" u="none" strike="noStrike" cap="none" normalizeH="0" baseline="0" dirty="0">
-                <a:ln>
-                  <a:noFill/>
-                </a:ln>
-                <a:solidFill>
-                  <a:srgbClr val="C9D1D9"/>
-                </a:solidFill>
-                <a:effectLst/>
-                <a:latin typeface="Arial Unicode MS"/>
-              </a:rPr>
-            </a:br>
-            <a:r>
-              <a:rPr kumimoji="0" lang="zh-TW" altLang="zh-TW" sz="1000" b="0" i="0" u="none" strike="noStrike" cap="none" normalizeH="0" baseline="0" dirty="0">
-                <a:ln>
-                  <a:noFill/>
-                </a:ln>
-                <a:solidFill>
-                  <a:srgbClr val="C9D1D9"/>
-                </a:solidFill>
-                <a:effectLst/>
-                <a:latin typeface="Arial Unicode MS"/>
-              </a:rPr>
-              <a:t>        [</a:t>
-            </a:r>
-            <a:r>
-              <a:rPr kumimoji="0" lang="zh-TW" altLang="zh-TW" sz="1000" b="0" i="0" u="none" strike="noStrike" cap="none" normalizeH="0" baseline="0" dirty="0">
-                <a:ln>
-                  <a:noFill/>
-                </a:ln>
-                <a:solidFill>
-                  <a:srgbClr val="A5D6FF"/>
-                </a:solidFill>
-                <a:effectLst/>
-                <a:latin typeface="Arial Unicode MS"/>
-              </a:rPr>
-              <a:t>'navigation[-8,8]position'</a:t>
-            </a:r>
-            <a:r>
-              <a:rPr kumimoji="0" lang="zh-TW" altLang="zh-TW" sz="1000" b="0" i="0" u="none" strike="noStrike" cap="none" normalizeH="0" baseline="0" dirty="0">
-                <a:ln>
-                  <a:noFill/>
-                </a:ln>
-                <a:solidFill>
-                  <a:srgbClr val="C9D1D9"/>
-                </a:solidFill>
-                <a:effectLst/>
-                <a:latin typeface="Arial Unicode MS"/>
-              </a:rPr>
-              <a:t>, </a:t>
-            </a:r>
-            <a:r>
-              <a:rPr kumimoji="0" lang="zh-TW" altLang="zh-TW" sz="1000" b="0" i="0" u="none" strike="noStrike" cap="none" normalizeH="0" baseline="0" dirty="0">
-                <a:ln>
-                  <a:noFill/>
-                </a:ln>
-                <a:solidFill>
-                  <a:srgbClr val="A5D6FF"/>
-                </a:solidFill>
-                <a:effectLst/>
-                <a:latin typeface="Arial Unicode MS"/>
-              </a:rPr>
-              <a:t>'navigation[-8,8]direction'</a:t>
-            </a:r>
-            <a:r>
-              <a:rPr kumimoji="0" lang="zh-TW" altLang="zh-TW" sz="1000" b="0" i="0" u="none" strike="noStrike" cap="none" normalizeH="0" baseline="0" dirty="0">
-                <a:ln>
-                  <a:noFill/>
-                </a:ln>
-                <a:solidFill>
-                  <a:srgbClr val="C9D1D9"/>
-                </a:solidFill>
-                <a:effectLst/>
-                <a:latin typeface="Arial Unicode MS"/>
-              </a:rPr>
-              <a:t>, </a:t>
-            </a:r>
-            <a:r>
-              <a:rPr kumimoji="0" lang="zh-TW" altLang="zh-TW" sz="1000" b="0" i="0" u="none" strike="noStrike" cap="none" normalizeH="0" baseline="0" dirty="0">
-                <a:ln>
-                  <a:noFill/>
-                </a:ln>
-                <a:solidFill>
-                  <a:srgbClr val="A5D6FF"/>
-                </a:solidFill>
-                <a:effectLst/>
-                <a:latin typeface="Arial Unicode MS"/>
-              </a:rPr>
-              <a:t>'navigation[-8,8]area'</a:t>
-            </a:r>
-            <a:r>
-              <a:rPr kumimoji="0" lang="zh-TW" altLang="zh-TW" sz="1000" b="0" i="0" u="none" strike="noStrike" cap="none" normalizeH="0" baseline="0" dirty="0">
-                <a:ln>
-                  <a:noFill/>
-                </a:ln>
-                <a:solidFill>
-                  <a:srgbClr val="C9D1D9"/>
-                </a:solidFill>
-                <a:effectLst/>
-                <a:latin typeface="Arial Unicode MS"/>
-              </a:rPr>
-              <a:t>, </a:t>
-            </a:r>
-            <a:r>
-              <a:rPr kumimoji="0" lang="zh-TW" altLang="zh-TW" sz="1000" b="0" i="0" u="none" strike="noStrike" cap="none" normalizeH="0" baseline="0" dirty="0">
-                <a:ln>
-                  <a:noFill/>
-                </a:ln>
-                <a:solidFill>
-                  <a:srgbClr val="A5D6FF"/>
-                </a:solidFill>
-                <a:effectLst/>
-                <a:latin typeface="Arial Unicode MS"/>
-              </a:rPr>
-              <a:t>'path'</a:t>
-            </a:r>
-            <a:r>
-              <a:rPr kumimoji="0" lang="zh-TW" altLang="zh-TW" sz="1000" b="0" i="0" u="none" strike="noStrike" cap="none" normalizeH="0" baseline="0" dirty="0">
-                <a:ln>
-                  <a:noFill/>
-                </a:ln>
-                <a:solidFill>
-                  <a:srgbClr val="C9D1D9"/>
-                </a:solidFill>
-                <a:effectLst/>
-                <a:latin typeface="Arial Unicode MS"/>
-              </a:rPr>
-              <a:t>, </a:t>
-            </a:r>
-            <a:r>
-              <a:rPr kumimoji="0" lang="zh-TW" altLang="zh-TW" sz="1000" b="0" i="0" u="none" strike="noStrike" cap="none" normalizeH="0" baseline="0" dirty="0">
-                <a:ln>
-                  <a:noFill/>
-                </a:ln>
-                <a:solidFill>
-                  <a:srgbClr val="A5D6FF"/>
-                </a:solidFill>
-                <a:effectLst/>
-                <a:latin typeface="Arial Unicode MS"/>
-              </a:rPr>
-              <a:t>'route'</a:t>
-            </a:r>
-            <a:r>
-              <a:rPr kumimoji="0" lang="zh-TW" altLang="zh-TW" sz="1000" b="0" i="0" u="none" strike="noStrike" cap="none" normalizeH="0" baseline="0" dirty="0">
-                <a:ln>
-                  <a:noFill/>
-                </a:ln>
-                <a:solidFill>
-                  <a:srgbClr val="C9D1D9"/>
-                </a:solidFill>
-                <a:effectLst/>
-                <a:latin typeface="Arial Unicode MS"/>
-              </a:rPr>
-              <a:t>],</a:t>
-            </a:r>
-            <a:br>
-              <a:rPr kumimoji="0" lang="zh-TW" altLang="zh-TW" sz="1000" b="0" i="0" u="none" strike="noStrike" cap="none" normalizeH="0" baseline="0" dirty="0">
-                <a:ln>
-                  <a:noFill/>
-                </a:ln>
-                <a:solidFill>
-                  <a:srgbClr val="C9D1D9"/>
-                </a:solidFill>
-                <a:effectLst/>
-                <a:latin typeface="Arial Unicode MS"/>
-              </a:rPr>
-            </a:br>
-            <a:r>
-              <a:rPr kumimoji="0" lang="zh-TW" altLang="zh-TW" sz="1000" b="0" i="0" u="none" strike="noStrike" cap="none" normalizeH="0" baseline="0" dirty="0">
-                <a:ln>
-                  <a:noFill/>
-                </a:ln>
-                <a:solidFill>
-                  <a:srgbClr val="C9D1D9"/>
-                </a:solidFill>
-                <a:effectLst/>
-                <a:latin typeface="Arial Unicode MS"/>
-              </a:rPr>
-              <a:t>        [</a:t>
-            </a:r>
-            <a:r>
-              <a:rPr kumimoji="0" lang="zh-TW" altLang="zh-TW" sz="1000" b="0" i="0" u="none" strike="noStrike" cap="none" normalizeH="0" baseline="0" dirty="0">
-                <a:ln>
-                  <a:noFill/>
-                </a:ln>
-                <a:solidFill>
-                  <a:srgbClr val="A5D6FF"/>
-                </a:solidFill>
-                <a:effectLst/>
-                <a:latin typeface="Arial Unicode MS"/>
-              </a:rPr>
-              <a:t>'power[-8,8]manage'</a:t>
-            </a:r>
-            <a:r>
-              <a:rPr kumimoji="0" lang="zh-TW" altLang="zh-TW" sz="1000" b="0" i="0" u="none" strike="noStrike" cap="none" normalizeH="0" baseline="0" dirty="0">
-                <a:ln>
-                  <a:noFill/>
-                </a:ln>
-                <a:solidFill>
-                  <a:srgbClr val="C9D1D9"/>
-                </a:solidFill>
-                <a:effectLst/>
-                <a:latin typeface="Arial Unicode MS"/>
-              </a:rPr>
-              <a:t>, </a:t>
-            </a:r>
-            <a:r>
-              <a:rPr kumimoji="0" lang="zh-TW" altLang="zh-TW" sz="1000" b="0" i="0" u="none" strike="noStrike" cap="none" normalizeH="0" baseline="0" dirty="0">
-                <a:ln>
-                  <a:noFill/>
-                </a:ln>
-                <a:solidFill>
-                  <a:srgbClr val="A5D6FF"/>
-                </a:solidFill>
-                <a:effectLst/>
-                <a:latin typeface="Arial Unicode MS"/>
-              </a:rPr>
-              <a:t>'energy[-8,8]manage'</a:t>
-            </a:r>
-            <a:r>
-              <a:rPr kumimoji="0" lang="zh-TW" altLang="zh-TW" sz="1000" b="0" i="0" u="none" strike="noStrike" cap="none" normalizeH="0" baseline="0" dirty="0">
-                <a:ln>
-                  <a:noFill/>
-                </a:ln>
-                <a:solidFill>
-                  <a:srgbClr val="C9D1D9"/>
-                </a:solidFill>
-                <a:effectLst/>
-                <a:latin typeface="Arial Unicode MS"/>
-              </a:rPr>
-              <a:t>, </a:t>
-            </a:r>
-            <a:r>
-              <a:rPr kumimoji="0" lang="zh-TW" altLang="zh-TW" sz="1000" b="0" i="0" u="none" strike="noStrike" cap="none" normalizeH="0" baseline="0" dirty="0">
-                <a:ln>
-                  <a:noFill/>
-                </a:ln>
-                <a:solidFill>
-                  <a:srgbClr val="A5D6FF"/>
-                </a:solidFill>
-                <a:effectLst/>
-                <a:latin typeface="Arial Unicode MS"/>
-              </a:rPr>
-              <a:t>'battery'</a:t>
-            </a:r>
-            <a:r>
-              <a:rPr kumimoji="0" lang="zh-TW" altLang="zh-TW" sz="1000" b="0" i="0" u="none" strike="noStrike" cap="none" normalizeH="0" baseline="0" dirty="0">
-                <a:ln>
-                  <a:noFill/>
-                </a:ln>
-                <a:solidFill>
-                  <a:srgbClr val="C9D1D9"/>
-                </a:solidFill>
-                <a:effectLst/>
-                <a:latin typeface="Arial Unicode MS"/>
-              </a:rPr>
-              <a:t>, </a:t>
-            </a:r>
-            <a:r>
-              <a:rPr kumimoji="0" lang="zh-TW" altLang="zh-TW" sz="1000" b="0" i="0" u="none" strike="noStrike" cap="none" normalizeH="0" baseline="0" dirty="0">
-                <a:ln>
-                  <a:noFill/>
-                </a:ln>
-                <a:solidFill>
-                  <a:srgbClr val="A5D6FF"/>
-                </a:solidFill>
-                <a:effectLst/>
-                <a:latin typeface="Arial Unicode MS"/>
-              </a:rPr>
-              <a:t>'power[-8,8]efficiency'</a:t>
-            </a:r>
-            <a:r>
-              <a:rPr kumimoji="0" lang="zh-TW" altLang="zh-TW" sz="1000" b="0" i="0" u="none" strike="noStrike" cap="none" normalizeH="0" baseline="0" dirty="0">
-                <a:ln>
-                  <a:noFill/>
-                </a:ln>
-                <a:solidFill>
-                  <a:srgbClr val="C9D1D9"/>
-                </a:solidFill>
-                <a:effectLst/>
-                <a:latin typeface="Arial Unicode MS"/>
-              </a:rPr>
-              <a:t>, </a:t>
-            </a:r>
-            <a:r>
-              <a:rPr kumimoji="0" lang="zh-TW" altLang="zh-TW" sz="1000" b="0" i="0" u="none" strike="noStrike" cap="none" normalizeH="0" baseline="0" dirty="0">
-                <a:ln>
-                  <a:noFill/>
-                </a:ln>
-                <a:solidFill>
-                  <a:srgbClr val="A5D6FF"/>
-                </a:solidFill>
-                <a:effectLst/>
-                <a:latin typeface="Arial Unicode MS"/>
-              </a:rPr>
-              <a:t>'battery[-8,8]storage'</a:t>
-            </a:r>
-            <a:r>
-              <a:rPr kumimoji="0" lang="zh-TW" altLang="zh-TW" sz="1000" b="0" i="0" u="none" strike="noStrike" cap="none" normalizeH="0" baseline="0" dirty="0">
-                <a:ln>
-                  <a:noFill/>
-                </a:ln>
-                <a:solidFill>
-                  <a:srgbClr val="C9D1D9"/>
-                </a:solidFill>
-                <a:effectLst/>
-                <a:latin typeface="Arial Unicode MS"/>
-              </a:rPr>
-              <a:t>],</a:t>
-            </a:r>
-            <a:br>
-              <a:rPr kumimoji="0" lang="zh-TW" altLang="zh-TW" sz="1000" b="0" i="0" u="none" strike="noStrike" cap="none" normalizeH="0" baseline="0" dirty="0">
-                <a:ln>
-                  <a:noFill/>
-                </a:ln>
-                <a:solidFill>
-                  <a:srgbClr val="C9D1D9"/>
-                </a:solidFill>
-                <a:effectLst/>
-                <a:latin typeface="Arial Unicode MS"/>
-              </a:rPr>
-            </a:br>
-            <a:r>
-              <a:rPr kumimoji="0" lang="zh-TW" altLang="zh-TW" sz="1000" b="0" i="0" u="none" strike="noStrike" cap="none" normalizeH="0" baseline="0" dirty="0">
-                <a:ln>
-                  <a:noFill/>
-                </a:ln>
-                <a:solidFill>
-                  <a:srgbClr val="C9D1D9"/>
-                </a:solidFill>
-                <a:effectLst/>
-                <a:latin typeface="Arial Unicode MS"/>
-              </a:rPr>
-              <a:t>        [</a:t>
-            </a:r>
-            <a:r>
-              <a:rPr kumimoji="0" lang="zh-TW" altLang="zh-TW" sz="1000" b="0" i="0" u="none" strike="noStrike" cap="none" normalizeH="0" baseline="0" dirty="0">
-                <a:ln>
-                  <a:noFill/>
-                </a:ln>
-                <a:solidFill>
-                  <a:srgbClr val="A5D6FF"/>
-                </a:solidFill>
-                <a:effectLst/>
-                <a:latin typeface="Arial Unicode MS"/>
-              </a:rPr>
-              <a:t>'communication[-8,8]wireless'</a:t>
-            </a:r>
-            <a:r>
-              <a:rPr kumimoji="0" lang="zh-TW" altLang="zh-TW" sz="1000" b="0" i="0" u="none" strike="noStrike" cap="none" normalizeH="0" baseline="0" dirty="0">
-                <a:ln>
-                  <a:noFill/>
-                </a:ln>
-                <a:solidFill>
-                  <a:srgbClr val="C9D1D9"/>
-                </a:solidFill>
-                <a:effectLst/>
-                <a:latin typeface="Arial Unicode MS"/>
-              </a:rPr>
-              <a:t>, </a:t>
-            </a:r>
-            <a:r>
-              <a:rPr kumimoji="0" lang="zh-TW" altLang="zh-TW" sz="1000" b="0" i="0" u="none" strike="noStrike" cap="none" normalizeH="0" baseline="0" dirty="0">
-                <a:ln>
-                  <a:noFill/>
-                </a:ln>
-                <a:solidFill>
-                  <a:srgbClr val="A5D6FF"/>
-                </a:solidFill>
-                <a:effectLst/>
-                <a:latin typeface="Arial Unicode MS"/>
-              </a:rPr>
-              <a:t>'transmit[-8,8]data'</a:t>
-            </a:r>
-            <a:r>
-              <a:rPr kumimoji="0" lang="zh-TW" altLang="zh-TW" sz="1000" b="0" i="0" u="none" strike="noStrike" cap="none" normalizeH="0" baseline="0" dirty="0">
-                <a:ln>
-                  <a:noFill/>
-                </a:ln>
-                <a:solidFill>
-                  <a:srgbClr val="C9D1D9"/>
-                </a:solidFill>
-                <a:effectLst/>
-                <a:latin typeface="Arial Unicode MS"/>
-              </a:rPr>
-              <a:t>, </a:t>
-            </a:r>
-            <a:r>
-              <a:rPr kumimoji="0" lang="zh-TW" altLang="zh-TW" sz="1000" b="0" i="0" u="none" strike="noStrike" cap="none" normalizeH="0" baseline="0" dirty="0">
-                <a:ln>
-                  <a:noFill/>
-                </a:ln>
-                <a:solidFill>
-                  <a:srgbClr val="A5D6FF"/>
-                </a:solidFill>
-                <a:effectLst/>
-                <a:latin typeface="Arial Unicode MS"/>
-              </a:rPr>
-              <a:t>'receive[-8,8]data'</a:t>
-            </a:r>
-            <a:r>
-              <a:rPr kumimoji="0" lang="zh-TW" altLang="zh-TW" sz="1000" b="0" i="0" u="none" strike="noStrike" cap="none" normalizeH="0" baseline="0" dirty="0">
-                <a:ln>
-                  <a:noFill/>
-                </a:ln>
-                <a:solidFill>
-                  <a:srgbClr val="C9D1D9"/>
-                </a:solidFill>
-                <a:effectLst/>
-                <a:latin typeface="Arial Unicode MS"/>
-              </a:rPr>
-              <a:t>, </a:t>
-            </a:r>
-            <a:r>
-              <a:rPr kumimoji="0" lang="zh-TW" altLang="zh-TW" sz="1000" b="0" i="0" u="none" strike="noStrike" cap="none" normalizeH="0" baseline="0" dirty="0">
-                <a:ln>
-                  <a:noFill/>
-                </a:ln>
-                <a:solidFill>
-                  <a:srgbClr val="A5D6FF"/>
-                </a:solidFill>
-                <a:effectLst/>
-                <a:latin typeface="Arial Unicode MS"/>
-              </a:rPr>
-              <a:t>'network[-8,8]wireless'</a:t>
-            </a:r>
-            <a:r>
-              <a:rPr kumimoji="0" lang="zh-TW" altLang="zh-TW" sz="1000" b="0" i="0" u="none" strike="noStrike" cap="none" normalizeH="0" baseline="0" dirty="0">
-                <a:ln>
-                  <a:noFill/>
-                </a:ln>
-                <a:solidFill>
-                  <a:srgbClr val="C9D1D9"/>
-                </a:solidFill>
-                <a:effectLst/>
-                <a:latin typeface="Arial Unicode MS"/>
-              </a:rPr>
-              <a:t>],</a:t>
-            </a:r>
-            <a:br>
-              <a:rPr kumimoji="0" lang="zh-TW" altLang="zh-TW" sz="1000" b="0" i="0" u="none" strike="noStrike" cap="none" normalizeH="0" baseline="0" dirty="0">
-                <a:ln>
-                  <a:noFill/>
-                </a:ln>
-                <a:solidFill>
-                  <a:srgbClr val="C9D1D9"/>
-                </a:solidFill>
-                <a:effectLst/>
-                <a:latin typeface="Arial Unicode MS"/>
-              </a:rPr>
-            </a:br>
-            <a:r>
-              <a:rPr kumimoji="0" lang="zh-TW" altLang="zh-TW" sz="1000" b="0" i="0" u="none" strike="noStrike" cap="none" normalizeH="0" baseline="0" dirty="0">
-                <a:ln>
-                  <a:noFill/>
-                </a:ln>
-                <a:solidFill>
-                  <a:srgbClr val="C9D1D9"/>
-                </a:solidFill>
-                <a:effectLst/>
-                <a:latin typeface="Arial Unicode MS"/>
-              </a:rPr>
-              <a:t>        [</a:t>
-            </a:r>
-            <a:r>
-              <a:rPr kumimoji="0" lang="zh-TW" altLang="zh-TW" sz="1000" b="0" i="0" u="none" strike="noStrike" cap="none" normalizeH="0" baseline="0" dirty="0">
-                <a:ln>
-                  <a:noFill/>
-                </a:ln>
-                <a:solidFill>
-                  <a:srgbClr val="A5D6FF"/>
-                </a:solidFill>
-                <a:effectLst/>
-                <a:latin typeface="Arial Unicode MS"/>
-              </a:rPr>
-              <a:t>'collaborate'</a:t>
-            </a:r>
-            <a:r>
-              <a:rPr kumimoji="0" lang="zh-TW" altLang="zh-TW" sz="1000" b="0" i="0" u="none" strike="noStrike" cap="none" normalizeH="0" baseline="0" dirty="0">
-                <a:ln>
-                  <a:noFill/>
-                </a:ln>
-                <a:solidFill>
-                  <a:srgbClr val="C9D1D9"/>
-                </a:solidFill>
-                <a:effectLst/>
-                <a:latin typeface="Arial Unicode MS"/>
-              </a:rPr>
-              <a:t>, </a:t>
-            </a:r>
-            <a:r>
-              <a:rPr kumimoji="0" lang="zh-TW" altLang="zh-TW" sz="1000" b="0" i="0" u="none" strike="noStrike" cap="none" normalizeH="0" baseline="0" dirty="0">
-                <a:ln>
-                  <a:noFill/>
-                </a:ln>
-                <a:solidFill>
-                  <a:srgbClr val="A5D6FF"/>
-                </a:solidFill>
-                <a:effectLst/>
-                <a:latin typeface="Arial Unicode MS"/>
-              </a:rPr>
-              <a:t>'coordinate'</a:t>
-            </a:r>
-            <a:r>
-              <a:rPr kumimoji="0" lang="zh-TW" altLang="zh-TW" sz="1000" b="0" i="0" u="none" strike="noStrike" cap="none" normalizeH="0" baseline="0" dirty="0">
-                <a:ln>
-                  <a:noFill/>
-                </a:ln>
-                <a:solidFill>
-                  <a:srgbClr val="C9D1D9"/>
-                </a:solidFill>
-                <a:effectLst/>
-                <a:latin typeface="Arial Unicode MS"/>
-              </a:rPr>
-              <a:t>, </a:t>
-            </a:r>
-            <a:r>
-              <a:rPr kumimoji="0" lang="zh-TW" altLang="zh-TW" sz="1000" b="0" i="0" u="none" strike="noStrike" cap="none" normalizeH="0" baseline="0" dirty="0">
-                <a:ln>
-                  <a:noFill/>
-                </a:ln>
-                <a:solidFill>
-                  <a:srgbClr val="A5D6FF"/>
-                </a:solidFill>
-                <a:effectLst/>
-                <a:latin typeface="Arial Unicode MS"/>
-              </a:rPr>
-              <a:t>'network[-8,8]integrate'</a:t>
-            </a:r>
-            <a:r>
-              <a:rPr kumimoji="0" lang="zh-TW" altLang="zh-TW" sz="1000" b="0" i="0" u="none" strike="noStrike" cap="none" normalizeH="0" baseline="0" dirty="0">
-                <a:ln>
-                  <a:noFill/>
-                </a:ln>
-                <a:solidFill>
-                  <a:srgbClr val="C9D1D9"/>
-                </a:solidFill>
-                <a:effectLst/>
-                <a:latin typeface="Arial Unicode MS"/>
-              </a:rPr>
-              <a:t>, </a:t>
-            </a:r>
-            <a:r>
-              <a:rPr kumimoji="0" lang="zh-TW" altLang="zh-TW" sz="1000" b="0" i="0" u="none" strike="noStrike" cap="none" normalizeH="0" baseline="0" dirty="0">
-                <a:ln>
-                  <a:noFill/>
-                </a:ln>
-                <a:solidFill>
-                  <a:srgbClr val="A5D6FF"/>
-                </a:solidFill>
-                <a:effectLst/>
-                <a:latin typeface="Arial Unicode MS"/>
-              </a:rPr>
-              <a:t>'multiple[-8,8]system'</a:t>
-            </a:r>
-            <a:r>
-              <a:rPr kumimoji="0" lang="zh-TW" altLang="zh-TW" sz="1000" b="0" i="0" u="none" strike="noStrike" cap="none" normalizeH="0" baseline="0" dirty="0">
-                <a:ln>
-                  <a:noFill/>
-                </a:ln>
-                <a:solidFill>
-                  <a:srgbClr val="C9D1D9"/>
-                </a:solidFill>
-                <a:effectLst/>
-                <a:latin typeface="Arial Unicode MS"/>
-              </a:rPr>
-              <a:t>, </a:t>
-            </a:r>
-            <a:r>
-              <a:rPr kumimoji="0" lang="zh-TW" altLang="zh-TW" sz="1000" b="0" i="0" u="none" strike="noStrike" cap="none" normalizeH="0" baseline="0" dirty="0">
-                <a:ln>
-                  <a:noFill/>
-                </a:ln>
-                <a:solidFill>
-                  <a:srgbClr val="A5D6FF"/>
-                </a:solidFill>
-                <a:effectLst/>
-                <a:latin typeface="Arial Unicode MS"/>
-              </a:rPr>
-              <a:t>'team'</a:t>
-            </a:r>
-            <a:r>
-              <a:rPr kumimoji="0" lang="zh-TW" altLang="zh-TW" sz="1000" b="0" i="0" u="none" strike="noStrike" cap="none" normalizeH="0" baseline="0" dirty="0">
-                <a:ln>
-                  <a:noFill/>
-                </a:ln>
-                <a:solidFill>
-                  <a:srgbClr val="C9D1D9"/>
-                </a:solidFill>
-                <a:effectLst/>
-                <a:latin typeface="Arial Unicode MS"/>
-              </a:rPr>
-              <a:t>],</a:t>
-            </a:r>
-            <a:br>
-              <a:rPr kumimoji="0" lang="zh-TW" altLang="zh-TW" sz="1000" b="0" i="0" u="none" strike="noStrike" cap="none" normalizeH="0" baseline="0" dirty="0">
-                <a:ln>
-                  <a:noFill/>
-                </a:ln>
-                <a:solidFill>
-                  <a:srgbClr val="C9D1D9"/>
-                </a:solidFill>
-                <a:effectLst/>
-                <a:latin typeface="Arial Unicode MS"/>
-              </a:rPr>
-            </a:br>
-            <a:r>
-              <a:rPr kumimoji="0" lang="zh-TW" altLang="zh-TW" sz="1000" b="0" i="0" u="none" strike="noStrike" cap="none" normalizeH="0" baseline="0" dirty="0">
-                <a:ln>
-                  <a:noFill/>
-                </a:ln>
-                <a:solidFill>
-                  <a:srgbClr val="C9D1D9"/>
-                </a:solidFill>
-                <a:effectLst/>
-                <a:latin typeface="Arial Unicode MS"/>
-              </a:rPr>
-              <a:t>        [</a:t>
-            </a:r>
-            <a:r>
-              <a:rPr kumimoji="0" lang="zh-TW" altLang="zh-TW" sz="1000" b="0" i="0" u="none" strike="noStrike" cap="none" normalizeH="0" baseline="0" dirty="0">
-                <a:ln>
-                  <a:noFill/>
-                </a:ln>
-                <a:solidFill>
-                  <a:srgbClr val="A5D6FF"/>
-                </a:solidFill>
-                <a:effectLst/>
-                <a:latin typeface="Arial Unicode MS"/>
-              </a:rPr>
-              <a:t>'sensor[-8,8]detect'</a:t>
-            </a:r>
-            <a:r>
-              <a:rPr kumimoji="0" lang="zh-TW" altLang="zh-TW" sz="1000" b="0" i="0" u="none" strike="noStrike" cap="none" normalizeH="0" baseline="0" dirty="0">
-                <a:ln>
-                  <a:noFill/>
-                </a:ln>
-                <a:solidFill>
-                  <a:srgbClr val="C9D1D9"/>
-                </a:solidFill>
-                <a:effectLst/>
-                <a:latin typeface="Arial Unicode MS"/>
-              </a:rPr>
-              <a:t>, </a:t>
-            </a:r>
-            <a:r>
-              <a:rPr kumimoji="0" lang="zh-TW" altLang="zh-TW" sz="1000" b="0" i="0" u="none" strike="noStrike" cap="none" normalizeH="0" baseline="0" dirty="0">
-                <a:ln>
-                  <a:noFill/>
-                </a:ln>
-                <a:solidFill>
-                  <a:srgbClr val="A5D6FF"/>
-                </a:solidFill>
-                <a:effectLst/>
-                <a:latin typeface="Arial Unicode MS"/>
-              </a:rPr>
-              <a:t>'detect[-8,8]detect'</a:t>
-            </a:r>
-            <a:r>
-              <a:rPr kumimoji="0" lang="zh-TW" altLang="zh-TW" sz="1000" b="0" i="0" u="none" strike="noStrike" cap="none" normalizeH="0" baseline="0" dirty="0">
-                <a:ln>
-                  <a:noFill/>
-                </a:ln>
-                <a:solidFill>
-                  <a:srgbClr val="C9D1D9"/>
-                </a:solidFill>
-                <a:effectLst/>
-                <a:latin typeface="Arial Unicode MS"/>
-              </a:rPr>
-              <a:t>, </a:t>
-            </a:r>
-            <a:r>
-              <a:rPr kumimoji="0" lang="zh-TW" altLang="zh-TW" sz="1000" b="0" i="0" u="none" strike="noStrike" cap="none" normalizeH="0" baseline="0" dirty="0">
-                <a:ln>
-                  <a:noFill/>
-                </a:ln>
-                <a:solidFill>
-                  <a:srgbClr val="A5D6FF"/>
-                </a:solidFill>
-                <a:effectLst/>
-                <a:latin typeface="Arial Unicode MS"/>
-              </a:rPr>
-              <a:t>'field[-8,8]detect'</a:t>
-            </a:r>
-            <a:r>
-              <a:rPr kumimoji="0" lang="zh-TW" altLang="zh-TW" sz="1000" b="0" i="0" u="none" strike="noStrike" cap="none" normalizeH="0" baseline="0" dirty="0">
-                <a:ln>
-                  <a:noFill/>
-                </a:ln>
-                <a:solidFill>
-                  <a:srgbClr val="C9D1D9"/>
-                </a:solidFill>
-                <a:effectLst/>
-                <a:latin typeface="Arial Unicode MS"/>
-              </a:rPr>
-              <a:t>, </a:t>
-            </a:r>
-            <a:r>
-              <a:rPr kumimoji="0" lang="zh-TW" altLang="zh-TW" sz="1000" b="0" i="0" u="none" strike="noStrike" cap="none" normalizeH="0" baseline="0" dirty="0">
-                <a:ln>
-                  <a:noFill/>
-                </a:ln>
-                <a:solidFill>
-                  <a:srgbClr val="A5D6FF"/>
-                </a:solidFill>
-                <a:effectLst/>
-                <a:latin typeface="Arial Unicode MS"/>
-              </a:rPr>
-              <a:t>'object[-8,8]detect'</a:t>
-            </a:r>
-            <a:r>
-              <a:rPr kumimoji="0" lang="zh-TW" altLang="zh-TW" sz="1000" b="0" i="0" u="none" strike="noStrike" cap="none" normalizeH="0" baseline="0" dirty="0">
-                <a:ln>
-                  <a:noFill/>
-                </a:ln>
-                <a:solidFill>
-                  <a:srgbClr val="C9D1D9"/>
-                </a:solidFill>
-                <a:effectLst/>
-                <a:latin typeface="Arial Unicode MS"/>
-              </a:rPr>
-              <a:t>, </a:t>
-            </a:r>
-            <a:r>
-              <a:rPr kumimoji="0" lang="zh-TW" altLang="zh-TW" sz="1000" b="0" i="0" u="none" strike="noStrike" cap="none" normalizeH="0" baseline="0" dirty="0">
-                <a:ln>
-                  <a:noFill/>
-                </a:ln>
-                <a:solidFill>
-                  <a:srgbClr val="A5D6FF"/>
-                </a:solidFill>
-                <a:effectLst/>
-                <a:latin typeface="Arial Unicode MS"/>
-              </a:rPr>
-              <a:t>'camera[-8,8]detect'</a:t>
-            </a:r>
-            <a:r>
-              <a:rPr kumimoji="0" lang="zh-TW" altLang="zh-TW" sz="1000" b="0" i="0" u="none" strike="noStrike" cap="none" normalizeH="0" baseline="0" dirty="0">
-                <a:ln>
-                  <a:noFill/>
-                </a:ln>
-                <a:solidFill>
-                  <a:srgbClr val="C9D1D9"/>
-                </a:solidFill>
-                <a:effectLst/>
-                <a:latin typeface="Arial Unicode MS"/>
-              </a:rPr>
-              <a:t>,</a:t>
-            </a:r>
-            <a:br>
-              <a:rPr kumimoji="0" lang="zh-TW" altLang="zh-TW" sz="1000" b="0" i="0" u="none" strike="noStrike" cap="none" normalizeH="0" baseline="0" dirty="0">
-                <a:ln>
-                  <a:noFill/>
-                </a:ln>
-                <a:solidFill>
-                  <a:srgbClr val="C9D1D9"/>
-                </a:solidFill>
-                <a:effectLst/>
-                <a:latin typeface="Arial Unicode MS"/>
-              </a:rPr>
-            </a:br>
-            <a:r>
-              <a:rPr kumimoji="0" lang="zh-TW" altLang="zh-TW" sz="1000" b="0" i="0" u="none" strike="noStrike" cap="none" normalizeH="0" baseline="0" dirty="0">
-                <a:ln>
-                  <a:noFill/>
-                </a:ln>
-                <a:solidFill>
-                  <a:srgbClr val="C9D1D9"/>
-                </a:solidFill>
-                <a:effectLst/>
-                <a:latin typeface="Arial Unicode MS"/>
-              </a:rPr>
-              <a:t>         </a:t>
-            </a:r>
-            <a:r>
-              <a:rPr kumimoji="0" lang="zh-TW" altLang="zh-TW" sz="1000" b="0" i="0" u="none" strike="noStrike" cap="none" normalizeH="0" baseline="0" dirty="0">
-                <a:ln>
-                  <a:noFill/>
-                </a:ln>
-                <a:solidFill>
-                  <a:srgbClr val="A5D6FF"/>
-                </a:solidFill>
-                <a:effectLst/>
-                <a:latin typeface="Arial Unicode MS"/>
-              </a:rPr>
-              <a:t>'image[-8,8]detect'</a:t>
-            </a:r>
-            <a:r>
-              <a:rPr kumimoji="0" lang="zh-TW" altLang="zh-TW" sz="1000" b="0" i="0" u="none" strike="noStrike" cap="none" normalizeH="0" baseline="0" dirty="0">
-                <a:ln>
-                  <a:noFill/>
-                </a:ln>
-                <a:solidFill>
-                  <a:srgbClr val="C9D1D9"/>
-                </a:solidFill>
-                <a:effectLst/>
-                <a:latin typeface="Arial Unicode MS"/>
-              </a:rPr>
-              <a:t>, </a:t>
-            </a:r>
-            <a:r>
-              <a:rPr kumimoji="0" lang="zh-TW" altLang="zh-TW" sz="1000" b="0" i="0" u="none" strike="noStrike" cap="none" normalizeH="0" baseline="0" dirty="0">
-                <a:ln>
-                  <a:noFill/>
-                </a:ln>
-                <a:solidFill>
-                  <a:srgbClr val="A5D6FF"/>
-                </a:solidFill>
-                <a:effectLst/>
-                <a:latin typeface="Arial Unicode MS"/>
-              </a:rPr>
-              <a:t>'view[-8,8]detect'</a:t>
-            </a:r>
-            <a:r>
-              <a:rPr kumimoji="0" lang="zh-TW" altLang="zh-TW" sz="1000" b="0" i="0" u="none" strike="noStrike" cap="none" normalizeH="0" baseline="0" dirty="0">
-                <a:ln>
-                  <a:noFill/>
-                </a:ln>
-                <a:solidFill>
-                  <a:srgbClr val="C9D1D9"/>
-                </a:solidFill>
-                <a:effectLst/>
-                <a:latin typeface="Arial Unicode MS"/>
-              </a:rPr>
-              <a:t>],</a:t>
-            </a:r>
-            <a:br>
-              <a:rPr kumimoji="0" lang="zh-TW" altLang="zh-TW" sz="1000" b="0" i="0" u="none" strike="noStrike" cap="none" normalizeH="0" baseline="0" dirty="0">
-                <a:ln>
-                  <a:noFill/>
-                </a:ln>
-                <a:solidFill>
-                  <a:srgbClr val="C9D1D9"/>
-                </a:solidFill>
-                <a:effectLst/>
-                <a:latin typeface="Arial Unicode MS"/>
-              </a:rPr>
-            </a:br>
-            <a:r>
-              <a:rPr kumimoji="0" lang="zh-TW" altLang="zh-TW" sz="1000" b="0" i="0" u="none" strike="noStrike" cap="none" normalizeH="0" baseline="0" dirty="0">
-                <a:ln>
-                  <a:noFill/>
-                </a:ln>
-                <a:solidFill>
-                  <a:srgbClr val="C9D1D9"/>
-                </a:solidFill>
-                <a:effectLst/>
-                <a:latin typeface="Arial Unicode MS"/>
-              </a:rPr>
-              <a:t>        [</a:t>
-            </a:r>
-            <a:r>
-              <a:rPr kumimoji="0" lang="zh-TW" altLang="zh-TW" sz="1000" b="0" i="0" u="none" strike="noStrike" cap="none" normalizeH="0" baseline="0" dirty="0">
-                <a:ln>
-                  <a:noFill/>
-                </a:ln>
-                <a:solidFill>
-                  <a:srgbClr val="A5D6FF"/>
-                </a:solidFill>
-                <a:effectLst/>
-                <a:latin typeface="Arial Unicode MS"/>
-              </a:rPr>
-              <a:t>'remote[-8,8]control'</a:t>
-            </a:r>
-            <a:r>
-              <a:rPr kumimoji="0" lang="zh-TW" altLang="zh-TW" sz="1000" b="0" i="0" u="none" strike="noStrike" cap="none" normalizeH="0" baseline="0" dirty="0">
-                <a:ln>
-                  <a:noFill/>
-                </a:ln>
-                <a:solidFill>
-                  <a:srgbClr val="C9D1D9"/>
-                </a:solidFill>
-                <a:effectLst/>
-                <a:latin typeface="Arial Unicode MS"/>
-              </a:rPr>
-              <a:t>, </a:t>
-            </a:r>
-            <a:r>
-              <a:rPr kumimoji="0" lang="zh-TW" altLang="zh-TW" sz="1000" b="0" i="0" u="none" strike="noStrike" cap="none" normalizeH="0" baseline="0" dirty="0">
-                <a:ln>
-                  <a:noFill/>
-                </a:ln>
-                <a:solidFill>
-                  <a:srgbClr val="A5D6FF"/>
-                </a:solidFill>
-                <a:effectLst/>
-                <a:latin typeface="Arial Unicode MS"/>
-              </a:rPr>
-              <a:t>'autonomous[-8,8]system'</a:t>
-            </a:r>
-            <a:r>
-              <a:rPr kumimoji="0" lang="zh-TW" altLang="zh-TW" sz="1000" b="0" i="0" u="none" strike="noStrike" cap="none" normalizeH="0" baseline="0" dirty="0">
-                <a:ln>
-                  <a:noFill/>
-                </a:ln>
-                <a:solidFill>
-                  <a:srgbClr val="C9D1D9"/>
-                </a:solidFill>
-                <a:effectLst/>
-                <a:latin typeface="Arial Unicode MS"/>
-              </a:rPr>
-              <a:t>, </a:t>
-            </a:r>
-            <a:r>
-              <a:rPr kumimoji="0" lang="zh-TW" altLang="zh-TW" sz="1000" b="0" i="0" u="none" strike="noStrike" cap="none" normalizeH="0" baseline="0" dirty="0">
-                <a:ln>
-                  <a:noFill/>
-                </a:ln>
-                <a:solidFill>
-                  <a:srgbClr val="A5D6FF"/>
-                </a:solidFill>
-                <a:effectLst/>
-                <a:latin typeface="Arial Unicode MS"/>
-              </a:rPr>
-              <a:t>'remote[-8,8]operate'</a:t>
-            </a:r>
-            <a:r>
-              <a:rPr kumimoji="0" lang="zh-TW" altLang="zh-TW" sz="1000" b="0" i="0" u="none" strike="noStrike" cap="none" normalizeH="0" baseline="0" dirty="0">
-                <a:ln>
-                  <a:noFill/>
-                </a:ln>
-                <a:solidFill>
-                  <a:srgbClr val="C9D1D9"/>
-                </a:solidFill>
-                <a:effectLst/>
-                <a:latin typeface="Arial Unicode MS"/>
-              </a:rPr>
-              <a:t>, </a:t>
-            </a:r>
-            <a:r>
-              <a:rPr kumimoji="0" lang="zh-TW" altLang="zh-TW" sz="1000" b="0" i="0" u="none" strike="noStrike" cap="none" normalizeH="0" baseline="0" dirty="0">
-                <a:ln>
-                  <a:noFill/>
-                </a:ln>
-                <a:solidFill>
-                  <a:srgbClr val="A5D6FF"/>
-                </a:solidFill>
-                <a:effectLst/>
-                <a:latin typeface="Arial Unicode MS"/>
-              </a:rPr>
-              <a:t>'autonomous[-8,8]mode'</a:t>
-            </a:r>
-            <a:r>
-              <a:rPr kumimoji="0" lang="zh-TW" altLang="zh-TW" sz="1000" b="0" i="0" u="none" strike="noStrike" cap="none" normalizeH="0" baseline="0" dirty="0">
-                <a:ln>
-                  <a:noFill/>
-                </a:ln>
-                <a:solidFill>
-                  <a:srgbClr val="C9D1D9"/>
-                </a:solidFill>
-                <a:effectLst/>
-                <a:latin typeface="Arial Unicode MS"/>
-              </a:rPr>
-              <a:t>],</a:t>
-            </a:r>
-            <a:br>
-              <a:rPr kumimoji="0" lang="zh-TW" altLang="zh-TW" sz="1000" b="0" i="0" u="none" strike="noStrike" cap="none" normalizeH="0" baseline="0" dirty="0">
-                <a:ln>
-                  <a:noFill/>
-                </a:ln>
-                <a:solidFill>
-                  <a:srgbClr val="C9D1D9"/>
-                </a:solidFill>
-                <a:effectLst/>
-                <a:latin typeface="Arial Unicode MS"/>
-              </a:rPr>
-            </a:br>
-            <a:r>
-              <a:rPr kumimoji="0" lang="zh-TW" altLang="zh-TW" sz="1000" b="0" i="0" u="none" strike="noStrike" cap="none" normalizeH="0" baseline="0" dirty="0">
-                <a:ln>
-                  <a:noFill/>
-                </a:ln>
-                <a:solidFill>
-                  <a:srgbClr val="C9D1D9"/>
-                </a:solidFill>
-                <a:effectLst/>
-                <a:latin typeface="Arial Unicode MS"/>
-              </a:rPr>
-              <a:t>        [</a:t>
-            </a:r>
-            <a:r>
-              <a:rPr kumimoji="0" lang="zh-TW" altLang="zh-TW" sz="1000" b="0" i="0" u="none" strike="noStrike" cap="none" normalizeH="0" baseline="0" dirty="0">
-                <a:ln>
-                  <a:noFill/>
-                </a:ln>
-                <a:solidFill>
-                  <a:srgbClr val="A5D6FF"/>
-                </a:solidFill>
-                <a:effectLst/>
-                <a:latin typeface="Arial Unicode MS"/>
-              </a:rPr>
-              <a:t>'sensor[-8,8]detect'</a:t>
-            </a:r>
-            <a:r>
-              <a:rPr kumimoji="0" lang="zh-TW" altLang="zh-TW" sz="1000" b="0" i="0" u="none" strike="noStrike" cap="none" normalizeH="0" baseline="0" dirty="0">
-                <a:ln>
-                  <a:noFill/>
-                </a:ln>
-                <a:solidFill>
-                  <a:srgbClr val="C9D1D9"/>
-                </a:solidFill>
-                <a:effectLst/>
-                <a:latin typeface="Arial Unicode MS"/>
-              </a:rPr>
-              <a:t>, </a:t>
-            </a:r>
-            <a:r>
-              <a:rPr kumimoji="0" lang="zh-TW" altLang="zh-TW" sz="1000" b="0" i="0" u="none" strike="noStrike" cap="none" normalizeH="0" baseline="0" dirty="0">
-                <a:ln>
-                  <a:noFill/>
-                </a:ln>
-                <a:solidFill>
-                  <a:srgbClr val="A5D6FF"/>
-                </a:solidFill>
-                <a:effectLst/>
-                <a:latin typeface="Arial Unicode MS"/>
-              </a:rPr>
-              <a:t>'environment[-8,8]detect'</a:t>
-            </a:r>
-            <a:r>
-              <a:rPr kumimoji="0" lang="zh-TW" altLang="zh-TW" sz="1000" b="0" i="0" u="none" strike="noStrike" cap="none" normalizeH="0" baseline="0" dirty="0">
-                <a:ln>
-                  <a:noFill/>
-                </a:ln>
-                <a:solidFill>
-                  <a:srgbClr val="C9D1D9"/>
-                </a:solidFill>
-                <a:effectLst/>
-                <a:latin typeface="Arial Unicode MS"/>
-              </a:rPr>
-              <a:t>, </a:t>
-            </a:r>
-            <a:r>
-              <a:rPr kumimoji="0" lang="zh-TW" altLang="zh-TW" sz="1000" b="0" i="0" u="none" strike="noStrike" cap="none" normalizeH="0" baseline="0" dirty="0">
-                <a:ln>
-                  <a:noFill/>
-                </a:ln>
-                <a:solidFill>
-                  <a:srgbClr val="A5D6FF"/>
-                </a:solidFill>
-                <a:effectLst/>
-                <a:latin typeface="Arial Unicode MS"/>
-              </a:rPr>
-              <a:t>'field[-8,8]image'</a:t>
-            </a:r>
-            <a:r>
-              <a:rPr kumimoji="0" lang="zh-TW" altLang="zh-TW" sz="1000" b="0" i="0" u="none" strike="noStrike" cap="none" normalizeH="0" baseline="0" dirty="0">
-                <a:ln>
-                  <a:noFill/>
-                </a:ln>
-                <a:solidFill>
-                  <a:srgbClr val="C9D1D9"/>
-                </a:solidFill>
-                <a:effectLst/>
-                <a:latin typeface="Arial Unicode MS"/>
-              </a:rPr>
-              <a:t>, </a:t>
-            </a:r>
-            <a:r>
-              <a:rPr kumimoji="0" lang="zh-TW" altLang="zh-TW" sz="1000" b="0" i="0" u="none" strike="noStrike" cap="none" normalizeH="0" baseline="0" dirty="0">
-                <a:ln>
-                  <a:noFill/>
-                </a:ln>
-                <a:solidFill>
-                  <a:srgbClr val="A5D6FF"/>
-                </a:solidFill>
-                <a:effectLst/>
-                <a:latin typeface="Arial Unicode MS"/>
-              </a:rPr>
-              <a:t>'environment[-8,8]monitor'</a:t>
-            </a:r>
-            <a:r>
-              <a:rPr kumimoji="0" lang="zh-TW" altLang="zh-TW" sz="1000" b="0" i="0" u="none" strike="noStrike" cap="none" normalizeH="0" baseline="0" dirty="0">
-                <a:ln>
-                  <a:noFill/>
-                </a:ln>
-                <a:solidFill>
-                  <a:srgbClr val="C9D1D9"/>
-                </a:solidFill>
-                <a:effectLst/>
-                <a:latin typeface="Arial Unicode MS"/>
-              </a:rPr>
-              <a:t>],</a:t>
-            </a:r>
-            <a:br>
-              <a:rPr kumimoji="0" lang="zh-TW" altLang="zh-TW" sz="1000" b="0" i="0" u="none" strike="noStrike" cap="none" normalizeH="0" baseline="0" dirty="0">
-                <a:ln>
-                  <a:noFill/>
-                </a:ln>
-                <a:solidFill>
-                  <a:srgbClr val="C9D1D9"/>
-                </a:solidFill>
-                <a:effectLst/>
-                <a:latin typeface="Arial Unicode MS"/>
-              </a:rPr>
-            </a:br>
-            <a:r>
-              <a:rPr kumimoji="0" lang="zh-TW" altLang="zh-TW" sz="1000" b="0" i="0" u="none" strike="noStrike" cap="none" normalizeH="0" baseline="0" dirty="0">
-                <a:ln>
-                  <a:noFill/>
-                </a:ln>
-                <a:solidFill>
-                  <a:srgbClr val="C9D1D9"/>
-                </a:solidFill>
-                <a:effectLst/>
-                <a:latin typeface="Arial Unicode MS"/>
-              </a:rPr>
-              <a:t>        [</a:t>
-            </a:r>
-            <a:r>
-              <a:rPr kumimoji="0" lang="zh-TW" altLang="zh-TW" sz="1000" b="0" i="0" u="none" strike="noStrike" cap="none" normalizeH="0" baseline="0" dirty="0">
-                <a:ln>
-                  <a:noFill/>
-                </a:ln>
-                <a:solidFill>
-                  <a:srgbClr val="A5D6FF"/>
-                </a:solidFill>
-                <a:effectLst/>
-                <a:latin typeface="Arial Unicode MS"/>
-              </a:rPr>
-              <a:t>'land[-8,8]autonomous'</a:t>
-            </a:r>
-            <a:r>
-              <a:rPr kumimoji="0" lang="zh-TW" altLang="zh-TW" sz="1000" b="0" i="0" u="none" strike="noStrike" cap="none" normalizeH="0" baseline="0" dirty="0">
-                <a:ln>
-                  <a:noFill/>
-                </a:ln>
-                <a:solidFill>
-                  <a:srgbClr val="C9D1D9"/>
-                </a:solidFill>
-                <a:effectLst/>
-                <a:latin typeface="Arial Unicode MS"/>
-              </a:rPr>
-              <a:t>, </a:t>
-            </a:r>
-            <a:r>
-              <a:rPr kumimoji="0" lang="zh-TW" altLang="zh-TW" sz="1000" b="0" i="0" u="none" strike="noStrike" cap="none" normalizeH="0" baseline="0" dirty="0">
-                <a:ln>
-                  <a:noFill/>
-                </a:ln>
-                <a:solidFill>
-                  <a:srgbClr val="A5D6FF"/>
-                </a:solidFill>
-                <a:effectLst/>
-                <a:latin typeface="Arial Unicode MS"/>
-              </a:rPr>
-              <a:t>'land[-8,8]control'</a:t>
-            </a:r>
-            <a:r>
-              <a:rPr kumimoji="0" lang="zh-TW" altLang="zh-TW" sz="1000" b="0" i="0" u="none" strike="noStrike" cap="none" normalizeH="0" baseline="0" dirty="0">
-                <a:ln>
-                  <a:noFill/>
-                </a:ln>
-                <a:solidFill>
-                  <a:srgbClr val="C9D1D9"/>
-                </a:solidFill>
-                <a:effectLst/>
-                <a:latin typeface="Arial Unicode MS"/>
-              </a:rPr>
-              <a:t>, </a:t>
-            </a:r>
-            <a:r>
-              <a:rPr kumimoji="0" lang="zh-TW" altLang="zh-TW" sz="1000" b="0" i="0" u="none" strike="noStrike" cap="none" normalizeH="0" baseline="0" dirty="0">
-                <a:ln>
-                  <a:noFill/>
-                </a:ln>
-                <a:solidFill>
-                  <a:srgbClr val="A5D6FF"/>
-                </a:solidFill>
-                <a:effectLst/>
-                <a:latin typeface="Arial Unicode MS"/>
-              </a:rPr>
-              <a:t>'land[-8,8]system'</a:t>
-            </a:r>
-            <a:r>
-              <a:rPr kumimoji="0" lang="zh-TW" altLang="zh-TW" sz="1000" b="0" i="0" u="none" strike="noStrike" cap="none" normalizeH="0" baseline="0" dirty="0">
-                <a:ln>
-                  <a:noFill/>
-                </a:ln>
-                <a:solidFill>
-                  <a:srgbClr val="C9D1D9"/>
-                </a:solidFill>
-                <a:effectLst/>
-                <a:latin typeface="Arial Unicode MS"/>
-              </a:rPr>
-              <a:t>, </a:t>
-            </a:r>
-            <a:r>
-              <a:rPr kumimoji="0" lang="zh-TW" altLang="zh-TW" sz="1000" b="0" i="0" u="none" strike="noStrike" cap="none" normalizeH="0" baseline="0" dirty="0">
-                <a:ln>
-                  <a:noFill/>
-                </a:ln>
-                <a:solidFill>
-                  <a:srgbClr val="A5D6FF"/>
-                </a:solidFill>
-                <a:effectLst/>
-                <a:latin typeface="Arial Unicode MS"/>
-              </a:rPr>
-              <a:t>'land[-8,8]station'</a:t>
-            </a:r>
-            <a:r>
-              <a:rPr kumimoji="0" lang="zh-TW" altLang="zh-TW" sz="1000" b="0" i="0" u="none" strike="noStrike" cap="none" normalizeH="0" baseline="0" dirty="0">
-                <a:ln>
-                  <a:noFill/>
-                </a:ln>
-                <a:solidFill>
-                  <a:srgbClr val="C9D1D9"/>
-                </a:solidFill>
-                <a:effectLst/>
-                <a:latin typeface="Arial Unicode MS"/>
-              </a:rPr>
-              <a:t>],</a:t>
-            </a:r>
-            <a:br>
-              <a:rPr kumimoji="0" lang="zh-TW" altLang="zh-TW" sz="1000" b="0" i="0" u="none" strike="noStrike" cap="none" normalizeH="0" baseline="0" dirty="0">
-                <a:ln>
-                  <a:noFill/>
-                </a:ln>
-                <a:solidFill>
-                  <a:srgbClr val="C9D1D9"/>
-                </a:solidFill>
-                <a:effectLst/>
-                <a:latin typeface="Arial Unicode MS"/>
-              </a:rPr>
-            </a:br>
-            <a:r>
-              <a:rPr kumimoji="0" lang="zh-TW" altLang="zh-TW" sz="1000" b="0" i="0" u="none" strike="noStrike" cap="none" normalizeH="0" baseline="0" dirty="0">
-                <a:ln>
-                  <a:noFill/>
-                </a:ln>
-                <a:solidFill>
-                  <a:srgbClr val="C9D1D9"/>
-                </a:solidFill>
-                <a:effectLst/>
-                <a:latin typeface="Arial Unicode MS"/>
-              </a:rPr>
-              <a:t>        [</a:t>
-            </a:r>
-            <a:r>
-              <a:rPr kumimoji="0" lang="zh-TW" altLang="zh-TW" sz="1000" b="0" i="0" u="none" strike="noStrike" cap="none" normalizeH="0" baseline="0" dirty="0">
-                <a:ln>
-                  <a:noFill/>
-                </a:ln>
-                <a:solidFill>
-                  <a:srgbClr val="A5D6FF"/>
-                </a:solidFill>
-                <a:effectLst/>
-                <a:latin typeface="Arial Unicode MS"/>
-              </a:rPr>
-              <a:t>'load[-8,8]mount'</a:t>
-            </a:r>
-            <a:r>
-              <a:rPr kumimoji="0" lang="zh-TW" altLang="zh-TW" sz="1000" b="0" i="0" u="none" strike="noStrike" cap="none" normalizeH="0" baseline="0" dirty="0">
-                <a:ln>
-                  <a:noFill/>
-                </a:ln>
-                <a:solidFill>
-                  <a:srgbClr val="C9D1D9"/>
-                </a:solidFill>
-                <a:effectLst/>
-                <a:latin typeface="Arial Unicode MS"/>
-              </a:rPr>
-              <a:t>, </a:t>
-            </a:r>
-            <a:r>
-              <a:rPr kumimoji="0" lang="zh-TW" altLang="zh-TW" sz="1000" b="0" i="0" u="none" strike="noStrike" cap="none" normalizeH="0" baseline="0" dirty="0">
-                <a:ln>
-                  <a:noFill/>
-                </a:ln>
-                <a:solidFill>
-                  <a:srgbClr val="A5D6FF"/>
-                </a:solidFill>
-                <a:effectLst/>
-                <a:latin typeface="Arial Unicode MS"/>
-              </a:rPr>
-              <a:t>'load[-8,8]adjust'</a:t>
-            </a:r>
-            <a:r>
-              <a:rPr kumimoji="0" lang="zh-TW" altLang="zh-TW" sz="1000" b="0" i="0" u="none" strike="noStrike" cap="none" normalizeH="0" baseline="0" dirty="0">
-                <a:ln>
-                  <a:noFill/>
-                </a:ln>
-                <a:solidFill>
-                  <a:srgbClr val="C9D1D9"/>
-                </a:solidFill>
-                <a:effectLst/>
-                <a:latin typeface="Arial Unicode MS"/>
-              </a:rPr>
-              <a:t>, </a:t>
-            </a:r>
-            <a:r>
-              <a:rPr kumimoji="0" lang="zh-TW" altLang="zh-TW" sz="1000" b="0" i="0" u="none" strike="noStrike" cap="none" normalizeH="0" baseline="0" dirty="0">
-                <a:ln>
-                  <a:noFill/>
-                </a:ln>
-                <a:solidFill>
-                  <a:srgbClr val="A5D6FF"/>
-                </a:solidFill>
-                <a:effectLst/>
-                <a:latin typeface="Arial Unicode MS"/>
-              </a:rPr>
-              <a:t>'load[-8,8]balance'</a:t>
-            </a:r>
-            <a:r>
-              <a:rPr kumimoji="0" lang="zh-TW" altLang="zh-TW" sz="1000" b="0" i="0" u="none" strike="noStrike" cap="none" normalizeH="0" baseline="0" dirty="0">
-                <a:ln>
-                  <a:noFill/>
-                </a:ln>
-                <a:solidFill>
-                  <a:srgbClr val="C9D1D9"/>
-                </a:solidFill>
-                <a:effectLst/>
-                <a:latin typeface="Arial Unicode MS"/>
-              </a:rPr>
-              <a:t>, </a:t>
-            </a:r>
-            <a:r>
-              <a:rPr kumimoji="0" lang="zh-TW" altLang="zh-TW" sz="1000" b="0" i="0" u="none" strike="noStrike" cap="none" normalizeH="0" baseline="0" dirty="0">
-                <a:ln>
-                  <a:noFill/>
-                </a:ln>
-                <a:solidFill>
-                  <a:srgbClr val="A5D6FF"/>
-                </a:solidFill>
-                <a:effectLst/>
-                <a:latin typeface="Arial Unicode MS"/>
-              </a:rPr>
-              <a:t>'fix[-8,8]mount'</a:t>
-            </a:r>
-            <a:r>
-              <a:rPr kumimoji="0" lang="zh-TW" altLang="zh-TW" sz="1000" b="0" i="0" u="none" strike="noStrike" cap="none" normalizeH="0" baseline="0" dirty="0">
-                <a:ln>
-                  <a:noFill/>
-                </a:ln>
-                <a:solidFill>
-                  <a:srgbClr val="C9D1D9"/>
-                </a:solidFill>
-                <a:effectLst/>
-                <a:latin typeface="Arial Unicode MS"/>
-              </a:rPr>
-              <a:t>, </a:t>
-            </a:r>
-            <a:r>
-              <a:rPr kumimoji="0" lang="zh-TW" altLang="zh-TW" sz="1000" b="0" i="0" u="none" strike="noStrike" cap="none" normalizeH="0" baseline="0" dirty="0">
-                <a:ln>
-                  <a:noFill/>
-                </a:ln>
-                <a:solidFill>
-                  <a:srgbClr val="A5D6FF"/>
-                </a:solidFill>
-                <a:effectLst/>
-                <a:latin typeface="Arial Unicode MS"/>
-              </a:rPr>
-              <a:t>'mount[-8,8]couple'</a:t>
-            </a:r>
-            <a:r>
-              <a:rPr kumimoji="0" lang="zh-TW" altLang="zh-TW" sz="1000" b="0" i="0" u="none" strike="noStrike" cap="none" normalizeH="0" baseline="0" dirty="0">
-                <a:ln>
-                  <a:noFill/>
-                </a:ln>
-                <a:solidFill>
-                  <a:srgbClr val="C9D1D9"/>
-                </a:solidFill>
-                <a:effectLst/>
-                <a:latin typeface="Arial Unicode MS"/>
-              </a:rPr>
-              <a:t>],</a:t>
-            </a:r>
-            <a:br>
-              <a:rPr kumimoji="0" lang="zh-TW" altLang="zh-TW" sz="1000" b="0" i="0" u="none" strike="noStrike" cap="none" normalizeH="0" baseline="0" dirty="0">
-                <a:ln>
-                  <a:noFill/>
-                </a:ln>
-                <a:solidFill>
-                  <a:srgbClr val="C9D1D9"/>
-                </a:solidFill>
-                <a:effectLst/>
-                <a:latin typeface="Arial Unicode MS"/>
-              </a:rPr>
-            </a:br>
-            <a:r>
-              <a:rPr kumimoji="0" lang="zh-TW" altLang="zh-TW" sz="1000" b="0" i="0" u="none" strike="noStrike" cap="none" normalizeH="0" baseline="0" dirty="0">
-                <a:ln>
-                  <a:noFill/>
-                </a:ln>
-                <a:solidFill>
-                  <a:srgbClr val="C9D1D9"/>
-                </a:solidFill>
-                <a:effectLst/>
-                <a:latin typeface="Arial Unicode MS"/>
-              </a:rPr>
-              <a:t>        [</a:t>
-            </a:r>
-            <a:r>
-              <a:rPr kumimoji="0" lang="zh-TW" altLang="zh-TW" sz="1000" b="0" i="0" u="none" strike="noStrike" cap="none" normalizeH="0" baseline="0" dirty="0">
-                <a:ln>
-                  <a:noFill/>
-                </a:ln>
-                <a:solidFill>
-                  <a:srgbClr val="A5D6FF"/>
-                </a:solidFill>
-                <a:effectLst/>
-                <a:latin typeface="Arial Unicode MS"/>
-              </a:rPr>
-              <a:t>'maintenance'</a:t>
-            </a:r>
-            <a:r>
-              <a:rPr kumimoji="0" lang="zh-TW" altLang="zh-TW" sz="1000" b="0" i="0" u="none" strike="noStrike" cap="none" normalizeH="0" baseline="0" dirty="0">
-                <a:ln>
-                  <a:noFill/>
-                </a:ln>
-                <a:solidFill>
-                  <a:srgbClr val="C9D1D9"/>
-                </a:solidFill>
-                <a:effectLst/>
-                <a:latin typeface="Arial Unicode MS"/>
-              </a:rPr>
-              <a:t>, </a:t>
-            </a:r>
-            <a:r>
-              <a:rPr kumimoji="0" lang="zh-TW" altLang="zh-TW" sz="1000" b="0" i="0" u="none" strike="noStrike" cap="none" normalizeH="0" baseline="0" dirty="0">
-                <a:ln>
-                  <a:noFill/>
-                </a:ln>
-                <a:solidFill>
-                  <a:srgbClr val="A5D6FF"/>
-                </a:solidFill>
-                <a:effectLst/>
-                <a:latin typeface="Arial Unicode MS"/>
-              </a:rPr>
-              <a:t>'inspect[-8,8]status'</a:t>
-            </a:r>
-            <a:r>
-              <a:rPr kumimoji="0" lang="zh-TW" altLang="zh-TW" sz="1000" b="0" i="0" u="none" strike="noStrike" cap="none" normalizeH="0" baseline="0" dirty="0">
-                <a:ln>
-                  <a:noFill/>
-                </a:ln>
-                <a:solidFill>
-                  <a:srgbClr val="C9D1D9"/>
-                </a:solidFill>
-                <a:effectLst/>
-                <a:latin typeface="Arial Unicode MS"/>
-              </a:rPr>
-              <a:t>, </a:t>
-            </a:r>
-            <a:r>
-              <a:rPr kumimoji="0" lang="zh-TW" altLang="zh-TW" sz="1000" b="0" i="0" u="none" strike="noStrike" cap="none" normalizeH="0" baseline="0" dirty="0">
-                <a:ln>
-                  <a:noFill/>
-                </a:ln>
-                <a:solidFill>
-                  <a:srgbClr val="A5D6FF"/>
-                </a:solidFill>
-                <a:effectLst/>
-                <a:latin typeface="Arial Unicode MS"/>
-              </a:rPr>
-              <a:t>'check[-8,8]status'</a:t>
-            </a:r>
-            <a:r>
-              <a:rPr kumimoji="0" lang="zh-TW" altLang="zh-TW" sz="1000" b="0" i="0" u="none" strike="noStrike" cap="none" normalizeH="0" baseline="0" dirty="0">
-                <a:ln>
-                  <a:noFill/>
-                </a:ln>
-                <a:solidFill>
-                  <a:srgbClr val="C9D1D9"/>
-                </a:solidFill>
-                <a:effectLst/>
-                <a:latin typeface="Arial Unicode MS"/>
-              </a:rPr>
-              <a:t>, </a:t>
-            </a:r>
-            <a:r>
-              <a:rPr kumimoji="0" lang="zh-TW" altLang="zh-TW" sz="1000" b="0" i="0" u="none" strike="noStrike" cap="none" normalizeH="0" baseline="0" dirty="0">
-                <a:ln>
-                  <a:noFill/>
-                </a:ln>
-                <a:solidFill>
-                  <a:srgbClr val="A5D6FF"/>
-                </a:solidFill>
-                <a:effectLst/>
-                <a:latin typeface="Arial Unicode MS"/>
-              </a:rPr>
-              <a:t>'monitor[-8,8]status'</a:t>
-            </a:r>
-            <a:r>
-              <a:rPr kumimoji="0" lang="zh-TW" altLang="zh-TW" sz="1000" b="0" i="0" u="none" strike="noStrike" cap="none" normalizeH="0" baseline="0" dirty="0">
-                <a:ln>
-                  <a:noFill/>
-                </a:ln>
-                <a:solidFill>
-                  <a:srgbClr val="C9D1D9"/>
-                </a:solidFill>
-                <a:effectLst/>
-                <a:latin typeface="Arial Unicode MS"/>
-              </a:rPr>
-              <a:t>, </a:t>
-            </a:r>
-            <a:r>
-              <a:rPr kumimoji="0" lang="zh-TW" altLang="zh-TW" sz="1000" b="0" i="0" u="none" strike="noStrike" cap="none" normalizeH="0" baseline="0" dirty="0">
-                <a:ln>
-                  <a:noFill/>
-                </a:ln>
-                <a:solidFill>
-                  <a:srgbClr val="A5D6FF"/>
-                </a:solidFill>
-                <a:effectLst/>
-                <a:latin typeface="Arial Unicode MS"/>
-              </a:rPr>
-              <a:t>'minitor[-8,8]condition'</a:t>
-            </a:r>
-            <a:r>
-              <a:rPr kumimoji="0" lang="zh-TW" altLang="zh-TW" sz="1000" b="0" i="0" u="none" strike="noStrike" cap="none" normalizeH="0" baseline="0" dirty="0">
-                <a:ln>
-                  <a:noFill/>
-                </a:ln>
-                <a:solidFill>
-                  <a:srgbClr val="C9D1D9"/>
-                </a:solidFill>
-                <a:effectLst/>
-                <a:latin typeface="Arial Unicode MS"/>
-              </a:rPr>
-              <a:t>],</a:t>
-            </a:r>
-            <a:br>
-              <a:rPr kumimoji="0" lang="zh-TW" altLang="zh-TW" sz="1000" b="0" i="0" u="none" strike="noStrike" cap="none" normalizeH="0" baseline="0" dirty="0">
-                <a:ln>
-                  <a:noFill/>
-                </a:ln>
-                <a:solidFill>
-                  <a:srgbClr val="C9D1D9"/>
-                </a:solidFill>
-                <a:effectLst/>
-                <a:latin typeface="Arial Unicode MS"/>
-              </a:rPr>
-            </a:br>
-            <a:r>
-              <a:rPr kumimoji="0" lang="zh-TW" altLang="zh-TW" sz="1000" b="0" i="0" u="none" strike="noStrike" cap="none" normalizeH="0" baseline="0" dirty="0">
-                <a:ln>
-                  <a:noFill/>
-                </a:ln>
-                <a:solidFill>
-                  <a:srgbClr val="C9D1D9"/>
-                </a:solidFill>
-                <a:effectLst/>
-                <a:latin typeface="Arial Unicode MS"/>
-              </a:rPr>
-              <a:t>]</a:t>
-            </a:r>
-            <a:endParaRPr kumimoji="0" lang="zh-TW" altLang="zh-TW" sz="1800" b="0" i="0" u="none" strike="noStrike" cap="none" normalizeH="0" baseline="0" dirty="0">
-              <a:ln>
-                <a:noFill/>
-              </a:ln>
-              <a:solidFill>
-                <a:schemeClr val="tx1"/>
-              </a:solidFill>
-              <a:effectLst/>
-              <a:latin typeface="Arial" panose="020B0604020202020204" pitchFamily="34" charset="0"/>
-            </a:endParaRPr>
-          </a:p>
-        </p:txBody>
-      </p:sp>
-      <p:pic>
-        <p:nvPicPr>
-          <p:cNvPr id="3" name="圖片 2">
-            <a:extLst>
-              <a:ext uri="{FF2B5EF4-FFF2-40B4-BE49-F238E27FC236}">
-                <a16:creationId xmlns:a16="http://schemas.microsoft.com/office/drawing/2014/main" id="{7BDE26B6-5FD6-990A-53FD-A066D3CBE238}"/>
-              </a:ext>
-            </a:extLst>
-          </p:cNvPr>
-          <p:cNvPicPr>
-            <a:picLocks noChangeAspect="1"/>
-          </p:cNvPicPr>
-          <p:nvPr/>
-        </p:nvPicPr>
-        <p:blipFill>
-          <a:blip r:embed="rId3" cstate="screen">
-            <a:extLst>
-              <a:ext uri="{28A0092B-C50C-407E-A947-70E740481C1C}">
-                <a14:useLocalDpi xmlns:a14="http://schemas.microsoft.com/office/drawing/2010/main"/>
-              </a:ext>
-            </a:extLst>
-          </a:blip>
-          <a:stretch>
-            <a:fillRect/>
-          </a:stretch>
-        </p:blipFill>
-        <p:spPr>
-          <a:xfrm>
-            <a:off x="7041232" y="2796310"/>
-            <a:ext cx="2731917" cy="2664296"/>
-          </a:xfrm>
-          <a:prstGeom prst="rect">
-            <a:avLst/>
-          </a:prstGeom>
-        </p:spPr>
-      </p:pic>
     </p:spTree>
     <p:extLst>
       <p:ext uri="{BB962C8B-B14F-4D97-AF65-F5344CB8AC3E}">
-        <p14:creationId xmlns:p14="http://schemas.microsoft.com/office/powerpoint/2010/main" val="3808033372"/>
+        <p14:creationId xmlns:p14="http://schemas.microsoft.com/office/powerpoint/2010/main" val="3865093579"/>
       </p:ext>
     </p:extLst>
   </p:cSld>
@@ -45670,15 +45678,6 @@
 </file>
 
 <file path=customXml/item1.xml><?xml version="1.0" encoding="utf-8"?>
-<?mso-contentType ?>
-<FormTemplates xmlns="http://schemas.microsoft.com/sharepoint/v3/contenttype/forms">
-  <Display>DocumentLibraryForm</Display>
-  <Edit>DocumentLibraryForm</Edit>
-  <New>DocumentLibraryForm</New>
-</FormTemplates>
-</file>
-
-<file path=customXml/item2.xml><?xml version="1.0" encoding="utf-8"?>
 <ct:contentTypeSchema xmlns:ct="http://schemas.microsoft.com/office/2006/metadata/contentType" xmlns:ma="http://schemas.microsoft.com/office/2006/metadata/properties/metaAttributes" ct:_="" ma:_="" ma:contentTypeName="文件" ma:contentTypeID="0x0101006F5063E91006994F878354ABD476B4AD" ma:contentTypeVersion="0" ma:contentTypeDescription="建立新的文件。" ma:contentTypeScope="" ma:versionID="d95784d257ed41517342ce5a8911a889">
   <xsd:schema xmlns:xsd="http://www.w3.org/2001/XMLSchema" xmlns:xs="http://www.w3.org/2001/XMLSchema" xmlns:p="http://schemas.microsoft.com/office/2006/metadata/properties" targetNamespace="http://schemas.microsoft.com/office/2006/metadata/properties" ma:root="true" ma:fieldsID="91945d2673cd7a110ed8979298476c8a">
     <xsd:element name="properties">
@@ -45792,15 +45791,16 @@
 </ct:contentTypeSchema>
 </file>
 
-<file path=customXml/itemProps1.xml><?xml version="1.0" encoding="utf-8"?>
-<ds:datastoreItem xmlns:ds="http://schemas.openxmlformats.org/officeDocument/2006/customXml" ds:itemID="{6E9E65B0-A974-4331-97B4-D658E0593EEC}">
-  <ds:schemaRefs>
-    <ds:schemaRef ds:uri="http://schemas.microsoft.com/sharepoint/v3/contenttype/forms"/>
-  </ds:schemaRefs>
-</ds:datastoreItem>
+<file path=customXml/item2.xml><?xml version="1.0" encoding="utf-8"?>
+<?mso-contentType ?>
+<FormTemplates xmlns="http://schemas.microsoft.com/sharepoint/v3/contenttype/forms">
+  <Display>DocumentLibraryForm</Display>
+  <Edit>DocumentLibraryForm</Edit>
+  <New>DocumentLibraryForm</New>
+</FormTemplates>
 </file>
 
-<file path=customXml/itemProps2.xml><?xml version="1.0" encoding="utf-8"?>
+<file path=customXml/itemProps1.xml><?xml version="1.0" encoding="utf-8"?>
 <ds:datastoreItem xmlns:ds="http://schemas.openxmlformats.org/officeDocument/2006/customXml" ds:itemID="{C35435E5-5738-4144-BE09-5A63147536D9}">
   <ds:schemaRefs>
     <ds:schemaRef ds:uri="http://schemas.microsoft.com/office/2006/metadata/contentType"/>
@@ -45816,6 +45816,14 @@
 </ds:datastoreItem>
 </file>
 
+<file path=customXml/itemProps2.xml><?xml version="1.0" encoding="utf-8"?>
+<ds:datastoreItem xmlns:ds="http://schemas.openxmlformats.org/officeDocument/2006/customXml" ds:itemID="{6E9E65B0-A974-4331-97B4-D658E0593EEC}">
+  <ds:schemaRefs>
+    <ds:schemaRef ds:uri="http://schemas.microsoft.com/sharepoint/v3/contenttype/forms"/>
+  </ds:schemaRefs>
+</ds:datastoreItem>
+</file>
+
 <file path=docMetadata/LabelInfo.xml><?xml version="1.0" encoding="utf-8"?>
 <clbl:labelList xmlns:clbl="http://schemas.microsoft.com/office/2020/mipLabelMetadata">
   <clbl:label id="{de0795e0-d7c0-4eeb-b9bb-bc94d8980d3b}" enabled="0" method="" siteId="{de0795e0-d7c0-4eeb-b9bb-bc94d8980d3b}" removed="1"/>
